--- a/FibonnaciHeap.pptx
+++ b/FibonnaciHeap.pptx
@@ -11,6 +11,17 @@
     <p:sldId id="261" r:id="rId5"/>
     <p:sldId id="259" r:id="rId6"/>
     <p:sldId id="257" r:id="rId7"/>
+    <p:sldId id="262" r:id="rId8"/>
+    <p:sldId id="263" r:id="rId9"/>
+    <p:sldId id="264" r:id="rId10"/>
+    <p:sldId id="265" r:id="rId11"/>
+    <p:sldId id="266" r:id="rId12"/>
+    <p:sldId id="267" r:id="rId13"/>
+    <p:sldId id="268" r:id="rId14"/>
+    <p:sldId id="269" r:id="rId15"/>
+    <p:sldId id="270" r:id="rId16"/>
+    <p:sldId id="271" r:id="rId17"/>
+    <p:sldId id="272" r:id="rId18"/>
   </p:sldIdLst>
   <p:sldSz cx="12192000" cy="6858000"/>
   <p:notesSz cx="6858000" cy="9144000"/>
@@ -109,13 +120,55 @@
       </a:defRPr>
     </a:lvl9pPr>
   </p:defaultTextStyle>
+  <p:extLst>
+    <p:ext uri="{521415D9-36F7-43E2-AB2F-B90AF26B5E84}">
+      <p14:sectionLst xmlns:p14="http://schemas.microsoft.com/office/powerpoint/2010/main">
+        <p14:section name="Section par défaut" id="{E43FB675-1647-49C4-8685-216C9C350F83}">
+          <p14:sldIdLst>
+            <p14:sldId id="256"/>
+            <p14:sldId id="258"/>
+            <p14:sldId id="260"/>
+            <p14:sldId id="261"/>
+            <p14:sldId id="259"/>
+            <p14:sldId id="257"/>
+          </p14:sldIdLst>
+        </p14:section>
+        <p14:section name="Insertion" id="{80C8A1C8-A37B-4891-8D8F-776221E233E4}">
+          <p14:sldIdLst>
+            <p14:sldId id="262"/>
+            <p14:sldId id="263"/>
+            <p14:sldId id="264"/>
+            <p14:sldId id="265"/>
+            <p14:sldId id="266"/>
+          </p14:sldIdLst>
+        </p14:section>
+        <p14:section name="Trouver le minimum" id="{9DC08D16-BA1D-434A-8F70-6C5900ED83A6}">
+          <p14:sldIdLst>
+            <p14:sldId id="267"/>
+          </p14:sldIdLst>
+        </p14:section>
+        <p14:section name="Fusionner 2 arbres" id="{54499939-756A-40D7-BD3F-EADAAB7673C3}">
+          <p14:sldIdLst>
+            <p14:sldId id="268"/>
+            <p14:sldId id="269"/>
+            <p14:sldId id="270"/>
+            <p14:sldId id="271"/>
+            <p14:sldId id="272"/>
+          </p14:sldIdLst>
+        </p14:section>
+      </p14:sectionLst>
+    </p:ext>
+    <p:ext uri="{EFAFB233-063F-42B5-8137-9DF3F51BA10A}">
+      <p15:sldGuideLst xmlns:p15="http://schemas.microsoft.com/office/powerpoint/2012/main"/>
+    </p:ext>
+  </p:extLst>
 </p:presentation>
 </file>
 
 <file path=ppt/revisionInfo.xml><?xml version="1.0" encoding="utf-8"?>
 <p1510:revInfo xmlns:a="http://schemas.openxmlformats.org/drawingml/2006/main" xmlns:r="http://schemas.openxmlformats.org/officeDocument/2006/relationships" xmlns:p1510="http://schemas.microsoft.com/office/powerpoint/2015/10/main">
   <p1510:revLst>
-    <p1510:client id="{B592F19F-9CC7-4566-A064-A5808A5B7C20}" v="9" dt="2020-09-30T11:41:27.502"/>
+    <p1510:client id="{B592F19F-9CC7-4566-A064-A5808A5B7C20}" v="28" dt="2020-10-01T07:26:16.168"/>
   </p1510:revLst>
 </p1510:revInfo>
 </file>
@@ -124,8 +177,8 @@
 <pc:chgInfo xmlns:a="http://schemas.openxmlformats.org/drawingml/2006/main" xmlns:r="http://schemas.openxmlformats.org/officeDocument/2006/relationships" xmlns:ac="http://schemas.microsoft.com/office/drawing/2013/main/command" xmlns:pc="http://schemas.microsoft.com/office/powerpoint/2013/main/command">
   <pc:docChgLst>
     <pc:chgData name="tiphaine laurent" userId="47e1512d-562f-482f-b765-2bb88f8643fa" providerId="ADAL" clId="{B592F19F-9CC7-4566-A064-A5808A5B7C20}"/>
-    <pc:docChg chg="undo custSel mod addSld modSld sldOrd">
-      <pc:chgData name="tiphaine laurent" userId="47e1512d-562f-482f-b765-2bb88f8643fa" providerId="ADAL" clId="{B592F19F-9CC7-4566-A064-A5808A5B7C20}" dt="2020-09-30T11:45:58.775" v="137"/>
+    <pc:docChg chg="undo custSel mod addSld delSld modSld sldOrd addSection modSection">
+      <pc:chgData name="tiphaine laurent" userId="47e1512d-562f-482f-b765-2bb88f8643fa" providerId="ADAL" clId="{B592F19F-9CC7-4566-A064-A5808A5B7C20}" dt="2020-10-01T07:32:00.914" v="387" actId="478"/>
       <pc:docMkLst>
         <pc:docMk/>
       </pc:docMkLst>
@@ -491,6 +544,729 @@
           </ac:picMkLst>
         </pc:picChg>
       </pc:sldChg>
+      <pc:sldChg chg="addSp delSp modSp new mod">
+        <pc:chgData name="tiphaine laurent" userId="47e1512d-562f-482f-b765-2bb88f8643fa" providerId="ADAL" clId="{B592F19F-9CC7-4566-A064-A5808A5B7C20}" dt="2020-10-01T06:54:00.953" v="198" actId="21"/>
+        <pc:sldMkLst>
+          <pc:docMk/>
+          <pc:sldMk cId="2737511503" sldId="262"/>
+        </pc:sldMkLst>
+        <pc:spChg chg="del">
+          <ac:chgData name="tiphaine laurent" userId="47e1512d-562f-482f-b765-2bb88f8643fa" providerId="ADAL" clId="{B592F19F-9CC7-4566-A064-A5808A5B7C20}" dt="2020-10-01T06:51:33.701" v="140" actId="478"/>
+          <ac:spMkLst>
+            <pc:docMk/>
+            <pc:sldMk cId="2737511503" sldId="262"/>
+            <ac:spMk id="2" creationId="{4AB7C9B2-C885-4C3D-B02D-DB2F77B3B0F8}"/>
+          </ac:spMkLst>
+        </pc:spChg>
+        <pc:spChg chg="del">
+          <ac:chgData name="tiphaine laurent" userId="47e1512d-562f-482f-b765-2bb88f8643fa" providerId="ADAL" clId="{B592F19F-9CC7-4566-A064-A5808A5B7C20}" dt="2020-10-01T06:51:32.232" v="139" actId="478"/>
+          <ac:spMkLst>
+            <pc:docMk/>
+            <pc:sldMk cId="2737511503" sldId="262"/>
+            <ac:spMk id="3" creationId="{9E440567-524D-4898-BE3D-C850109136CF}"/>
+          </ac:spMkLst>
+        </pc:spChg>
+        <pc:spChg chg="add mod">
+          <ac:chgData name="tiphaine laurent" userId="47e1512d-562f-482f-b765-2bb88f8643fa" providerId="ADAL" clId="{B592F19F-9CC7-4566-A064-A5808A5B7C20}" dt="2020-10-01T06:51:54.974" v="142" actId="20577"/>
+          <ac:spMkLst>
+            <pc:docMk/>
+            <pc:sldMk cId="2737511503" sldId="262"/>
+            <ac:spMk id="4" creationId="{42CA08E4-B55C-4CBA-8A8A-F6E7B963880C}"/>
+          </ac:spMkLst>
+        </pc:spChg>
+        <pc:spChg chg="add mod">
+          <ac:chgData name="tiphaine laurent" userId="47e1512d-562f-482f-b765-2bb88f8643fa" providerId="ADAL" clId="{B592F19F-9CC7-4566-A064-A5808A5B7C20}" dt="2020-10-01T06:52:49.002" v="175" actId="20577"/>
+          <ac:spMkLst>
+            <pc:docMk/>
+            <pc:sldMk cId="2737511503" sldId="262"/>
+            <ac:spMk id="6" creationId="{4A554B94-F045-4FEA-984D-5C7314FAC83A}"/>
+          </ac:spMkLst>
+        </pc:spChg>
+        <pc:spChg chg="add del mod">
+          <ac:chgData name="tiphaine laurent" userId="47e1512d-562f-482f-b765-2bb88f8643fa" providerId="ADAL" clId="{B592F19F-9CC7-4566-A064-A5808A5B7C20}" dt="2020-10-01T06:52:38.720" v="169" actId="478"/>
+          <ac:spMkLst>
+            <pc:docMk/>
+            <pc:sldMk cId="2737511503" sldId="262"/>
+            <ac:spMk id="8" creationId="{37D07B4A-C0CF-40D0-BB79-D4322114BAB2}"/>
+          </ac:spMkLst>
+        </pc:spChg>
+        <pc:spChg chg="add mod">
+          <ac:chgData name="tiphaine laurent" userId="47e1512d-562f-482f-b765-2bb88f8643fa" providerId="ADAL" clId="{B592F19F-9CC7-4566-A064-A5808A5B7C20}" dt="2020-10-01T06:52:36.786" v="168" actId="20577"/>
+          <ac:spMkLst>
+            <pc:docMk/>
+            <pc:sldMk cId="2737511503" sldId="262"/>
+            <ac:spMk id="10" creationId="{AA5DD5E5-6A2A-4548-A08C-DD931FBD3769}"/>
+          </ac:spMkLst>
+        </pc:spChg>
+        <pc:spChg chg="add mod">
+          <ac:chgData name="tiphaine laurent" userId="47e1512d-562f-482f-b765-2bb88f8643fa" providerId="ADAL" clId="{B592F19F-9CC7-4566-A064-A5808A5B7C20}" dt="2020-10-01T06:52:31.549" v="163" actId="20577"/>
+          <ac:spMkLst>
+            <pc:docMk/>
+            <pc:sldMk cId="2737511503" sldId="262"/>
+            <ac:spMk id="12" creationId="{01000056-17C3-4074-8CC8-640819CC4C2F}"/>
+          </ac:spMkLst>
+        </pc:spChg>
+        <pc:spChg chg="add mod">
+          <ac:chgData name="tiphaine laurent" userId="47e1512d-562f-482f-b765-2bb88f8643fa" providerId="ADAL" clId="{B592F19F-9CC7-4566-A064-A5808A5B7C20}" dt="2020-10-01T06:52:26.757" v="159" actId="20577"/>
+          <ac:spMkLst>
+            <pc:docMk/>
+            <pc:sldMk cId="2737511503" sldId="262"/>
+            <ac:spMk id="14" creationId="{7D7E7D27-0EE7-40E3-9ABC-5EFBAF6DC89F}"/>
+          </ac:spMkLst>
+        </pc:spChg>
+        <pc:spChg chg="add mod">
+          <ac:chgData name="tiphaine laurent" userId="47e1512d-562f-482f-b765-2bb88f8643fa" providerId="ADAL" clId="{B592F19F-9CC7-4566-A064-A5808A5B7C20}" dt="2020-10-01T06:52:32.895" v="164" actId="20577"/>
+          <ac:spMkLst>
+            <pc:docMk/>
+            <pc:sldMk cId="2737511503" sldId="262"/>
+            <ac:spMk id="16" creationId="{03FD576F-8FCA-494F-9393-A5883588CF16}"/>
+          </ac:spMkLst>
+        </pc:spChg>
+        <pc:spChg chg="add mod">
+          <ac:chgData name="tiphaine laurent" userId="47e1512d-562f-482f-b765-2bb88f8643fa" providerId="ADAL" clId="{B592F19F-9CC7-4566-A064-A5808A5B7C20}" dt="2020-10-01T06:52:46.146" v="173" actId="20577"/>
+          <ac:spMkLst>
+            <pc:docMk/>
+            <pc:sldMk cId="2737511503" sldId="262"/>
+            <ac:spMk id="18" creationId="{995ACC9E-D875-42F3-B41A-611CE3547416}"/>
+          </ac:spMkLst>
+        </pc:spChg>
+        <pc:spChg chg="add del mod">
+          <ac:chgData name="tiphaine laurent" userId="47e1512d-562f-482f-b765-2bb88f8643fa" providerId="ADAL" clId="{B592F19F-9CC7-4566-A064-A5808A5B7C20}" dt="2020-10-01T06:54:00.953" v="198" actId="21"/>
+          <ac:spMkLst>
+            <pc:docMk/>
+            <pc:sldMk cId="2737511503" sldId="262"/>
+            <ac:spMk id="20" creationId="{3CB64EC3-30C8-4B85-83AF-C3F8C64CBC2B}"/>
+          </ac:spMkLst>
+        </pc:spChg>
+        <pc:spChg chg="add mod">
+          <ac:chgData name="tiphaine laurent" userId="47e1512d-562f-482f-b765-2bb88f8643fa" providerId="ADAL" clId="{B592F19F-9CC7-4566-A064-A5808A5B7C20}" dt="2020-10-01T06:53:27.284" v="192" actId="207"/>
+          <ac:spMkLst>
+            <pc:docMk/>
+            <pc:sldMk cId="2737511503" sldId="262"/>
+            <ac:spMk id="21" creationId="{7BF83664-416F-421B-897D-B524C2D82A2C}"/>
+          </ac:spMkLst>
+        </pc:spChg>
+        <pc:cxnChg chg="add mod">
+          <ac:chgData name="tiphaine laurent" userId="47e1512d-562f-482f-b765-2bb88f8643fa" providerId="ADAL" clId="{B592F19F-9CC7-4566-A064-A5808A5B7C20}" dt="2020-10-01T06:53:44.474" v="194" actId="208"/>
+          <ac:cxnSpMkLst>
+            <pc:docMk/>
+            <pc:sldMk cId="2737511503" sldId="262"/>
+            <ac:cxnSpMk id="23" creationId="{73DA6B45-E50C-4DFF-AAFB-39E4954D44CB}"/>
+          </ac:cxnSpMkLst>
+        </pc:cxnChg>
+      </pc:sldChg>
+      <pc:sldChg chg="addSp modSp add mod">
+        <pc:chgData name="tiphaine laurent" userId="47e1512d-562f-482f-b765-2bb88f8643fa" providerId="ADAL" clId="{B592F19F-9CC7-4566-A064-A5808A5B7C20}" dt="2020-10-01T06:54:51.672" v="215" actId="208"/>
+        <pc:sldMkLst>
+          <pc:docMk/>
+          <pc:sldMk cId="907775006" sldId="263"/>
+        </pc:sldMkLst>
+        <pc:spChg chg="add mod">
+          <ac:chgData name="tiphaine laurent" userId="47e1512d-562f-482f-b765-2bb88f8643fa" providerId="ADAL" clId="{B592F19F-9CC7-4566-A064-A5808A5B7C20}" dt="2020-10-01T06:54:26.356" v="210" actId="255"/>
+          <ac:spMkLst>
+            <pc:docMk/>
+            <pc:sldMk cId="907775006" sldId="263"/>
+            <ac:spMk id="2" creationId="{E517851D-8C92-414A-BEA7-4A57A56E3766}"/>
+          </ac:spMkLst>
+        </pc:spChg>
+        <pc:spChg chg="add mod">
+          <ac:chgData name="tiphaine laurent" userId="47e1512d-562f-482f-b765-2bb88f8643fa" providerId="ADAL" clId="{B592F19F-9CC7-4566-A064-A5808A5B7C20}" dt="2020-10-01T06:54:35.301" v="212" actId="1076"/>
+          <ac:spMkLst>
+            <pc:docMk/>
+            <pc:sldMk cId="907775006" sldId="263"/>
+            <ac:spMk id="3" creationId="{A189038A-19DB-4F75-B565-CF0D1DCBB074}"/>
+          </ac:spMkLst>
+        </pc:spChg>
+        <pc:cxnChg chg="add mod">
+          <ac:chgData name="tiphaine laurent" userId="47e1512d-562f-482f-b765-2bb88f8643fa" providerId="ADAL" clId="{B592F19F-9CC7-4566-A064-A5808A5B7C20}" dt="2020-10-01T06:54:51.672" v="215" actId="208"/>
+          <ac:cxnSpMkLst>
+            <pc:docMk/>
+            <pc:sldMk cId="907775006" sldId="263"/>
+            <ac:cxnSpMk id="7" creationId="{89480884-F70E-4476-9234-6DC39CE85CFA}"/>
+          </ac:cxnSpMkLst>
+        </pc:cxnChg>
+      </pc:sldChg>
+      <pc:sldChg chg="addSp delSp modSp add mod">
+        <pc:chgData name="tiphaine laurent" userId="47e1512d-562f-482f-b765-2bb88f8643fa" providerId="ADAL" clId="{B592F19F-9CC7-4566-A064-A5808A5B7C20}" dt="2020-10-01T06:55:02.648" v="219" actId="1076"/>
+        <pc:sldMkLst>
+          <pc:docMk/>
+          <pc:sldMk cId="3454510200" sldId="264"/>
+        </pc:sldMkLst>
+        <pc:spChg chg="mod">
+          <ac:chgData name="tiphaine laurent" userId="47e1512d-562f-482f-b765-2bb88f8643fa" providerId="ADAL" clId="{B592F19F-9CC7-4566-A064-A5808A5B7C20}" dt="2020-10-01T06:55:02.648" v="219" actId="1076"/>
+          <ac:spMkLst>
+            <pc:docMk/>
+            <pc:sldMk cId="3454510200" sldId="264"/>
+            <ac:spMk id="3" creationId="{A189038A-19DB-4F75-B565-CF0D1DCBB074}"/>
+          </ac:spMkLst>
+        </pc:spChg>
+        <pc:spChg chg="add del">
+          <ac:chgData name="tiphaine laurent" userId="47e1512d-562f-482f-b765-2bb88f8643fa" providerId="ADAL" clId="{B592F19F-9CC7-4566-A064-A5808A5B7C20}" dt="2020-10-01T06:54:59.997" v="218" actId="478"/>
+          <ac:spMkLst>
+            <pc:docMk/>
+            <pc:sldMk cId="3454510200" sldId="264"/>
+            <ac:spMk id="5" creationId="{3EABC101-732E-4436-9D1E-AC4BE40078F2}"/>
+          </ac:spMkLst>
+        </pc:spChg>
+      </pc:sldChg>
+      <pc:sldChg chg="addSp modSp add mod">
+        <pc:chgData name="tiphaine laurent" userId="47e1512d-562f-482f-b765-2bb88f8643fa" providerId="ADAL" clId="{B592F19F-9CC7-4566-A064-A5808A5B7C20}" dt="2020-10-01T06:55:37.156" v="230" actId="207"/>
+        <pc:sldMkLst>
+          <pc:docMk/>
+          <pc:sldMk cId="163224567" sldId="265"/>
+        </pc:sldMkLst>
+        <pc:spChg chg="add mod">
+          <ac:chgData name="tiphaine laurent" userId="47e1512d-562f-482f-b765-2bb88f8643fa" providerId="ADAL" clId="{B592F19F-9CC7-4566-A064-A5808A5B7C20}" dt="2020-10-01T06:55:37.156" v="230" actId="207"/>
+          <ac:spMkLst>
+            <pc:docMk/>
+            <pc:sldMk cId="163224567" sldId="265"/>
+            <ac:spMk id="5" creationId="{EB897F94-7D53-4978-BB19-131DC98BAA3D}"/>
+          </ac:spMkLst>
+        </pc:spChg>
+      </pc:sldChg>
+      <pc:sldChg chg="delSp modSp add mod">
+        <pc:chgData name="tiphaine laurent" userId="47e1512d-562f-482f-b765-2bb88f8643fa" providerId="ADAL" clId="{B592F19F-9CC7-4566-A064-A5808A5B7C20}" dt="2020-10-01T06:57:11.593" v="234" actId="478"/>
+        <pc:sldMkLst>
+          <pc:docMk/>
+          <pc:sldMk cId="467553695" sldId="266"/>
+        </pc:sldMkLst>
+        <pc:spChg chg="del">
+          <ac:chgData name="tiphaine laurent" userId="47e1512d-562f-482f-b765-2bb88f8643fa" providerId="ADAL" clId="{B592F19F-9CC7-4566-A064-A5808A5B7C20}" dt="2020-10-01T06:57:11.593" v="234" actId="478"/>
+          <ac:spMkLst>
+            <pc:docMk/>
+            <pc:sldMk cId="467553695" sldId="266"/>
+            <ac:spMk id="5" creationId="{EB897F94-7D53-4978-BB19-131DC98BAA3D}"/>
+          </ac:spMkLst>
+        </pc:spChg>
+        <pc:spChg chg="mod">
+          <ac:chgData name="tiphaine laurent" userId="47e1512d-562f-482f-b765-2bb88f8643fa" providerId="ADAL" clId="{B592F19F-9CC7-4566-A064-A5808A5B7C20}" dt="2020-10-01T06:55:48.430" v="232" actId="1076"/>
+          <ac:spMkLst>
+            <pc:docMk/>
+            <pc:sldMk cId="467553695" sldId="266"/>
+            <ac:spMk id="21" creationId="{7BF83664-416F-421B-897D-B524C2D82A2C}"/>
+          </ac:spMkLst>
+        </pc:spChg>
+        <pc:cxnChg chg="mod">
+          <ac:chgData name="tiphaine laurent" userId="47e1512d-562f-482f-b765-2bb88f8643fa" providerId="ADAL" clId="{B592F19F-9CC7-4566-A064-A5808A5B7C20}" dt="2020-10-01T06:55:51.482" v="233" actId="14100"/>
+          <ac:cxnSpMkLst>
+            <pc:docMk/>
+            <pc:sldMk cId="467553695" sldId="266"/>
+            <ac:cxnSpMk id="23" creationId="{73DA6B45-E50C-4DFF-AAFB-39E4954D44CB}"/>
+          </ac:cxnSpMkLst>
+        </pc:cxnChg>
+      </pc:sldChg>
+      <pc:sldChg chg="new del">
+        <pc:chgData name="tiphaine laurent" userId="47e1512d-562f-482f-b765-2bb88f8643fa" providerId="ADAL" clId="{B592F19F-9CC7-4566-A064-A5808A5B7C20}" dt="2020-10-01T06:57:24.534" v="236" actId="47"/>
+        <pc:sldMkLst>
+          <pc:docMk/>
+          <pc:sldMk cId="3809330920" sldId="267"/>
+        </pc:sldMkLst>
+      </pc:sldChg>
+      <pc:sldChg chg="addSp delSp modSp add mod">
+        <pc:chgData name="tiphaine laurent" userId="47e1512d-562f-482f-b765-2bb88f8643fa" providerId="ADAL" clId="{B592F19F-9CC7-4566-A064-A5808A5B7C20}" dt="2020-10-01T07:32:00.914" v="387" actId="478"/>
+        <pc:sldMkLst>
+          <pc:docMk/>
+          <pc:sldMk cId="3842869157" sldId="267"/>
+        </pc:sldMkLst>
+        <pc:spChg chg="mod">
+          <ac:chgData name="tiphaine laurent" userId="47e1512d-562f-482f-b765-2bb88f8643fa" providerId="ADAL" clId="{B592F19F-9CC7-4566-A064-A5808A5B7C20}" dt="2020-10-01T06:57:33.226" v="255" actId="20577"/>
+          <ac:spMkLst>
+            <pc:docMk/>
+            <pc:sldMk cId="3842869157" sldId="267"/>
+            <ac:spMk id="2" creationId="{E517851D-8C92-414A-BEA7-4A57A56E3766}"/>
+          </ac:spMkLst>
+        </pc:spChg>
+        <pc:inkChg chg="add del">
+          <ac:chgData name="tiphaine laurent" userId="47e1512d-562f-482f-b765-2bb88f8643fa" providerId="ADAL" clId="{B592F19F-9CC7-4566-A064-A5808A5B7C20}" dt="2020-10-01T07:32:00.914" v="387" actId="478"/>
+          <ac:inkMkLst>
+            <pc:docMk/>
+            <pc:sldMk cId="3842869157" sldId="267"/>
+            <ac:inkMk id="5" creationId="{36415181-994F-406F-9B2D-B8FBA0D0E5D9}"/>
+          </ac:inkMkLst>
+        </pc:inkChg>
+      </pc:sldChg>
+      <pc:sldChg chg="new del">
+        <pc:chgData name="tiphaine laurent" userId="47e1512d-562f-482f-b765-2bb88f8643fa" providerId="ADAL" clId="{B592F19F-9CC7-4566-A064-A5808A5B7C20}" dt="2020-10-01T06:58:01.692" v="257" actId="47"/>
+        <pc:sldMkLst>
+          <pc:docMk/>
+          <pc:sldMk cId="2883638040" sldId="268"/>
+        </pc:sldMkLst>
+      </pc:sldChg>
+      <pc:sldChg chg="addSp delSp modSp add mod">
+        <pc:chgData name="tiphaine laurent" userId="47e1512d-562f-482f-b765-2bb88f8643fa" providerId="ADAL" clId="{B592F19F-9CC7-4566-A064-A5808A5B7C20}" dt="2020-10-01T07:03:38.739" v="341" actId="208"/>
+        <pc:sldMkLst>
+          <pc:docMk/>
+          <pc:sldMk cId="3287148847" sldId="268"/>
+        </pc:sldMkLst>
+        <pc:spChg chg="mod">
+          <ac:chgData name="tiphaine laurent" userId="47e1512d-562f-482f-b765-2bb88f8643fa" providerId="ADAL" clId="{B592F19F-9CC7-4566-A064-A5808A5B7C20}" dt="2020-10-01T06:58:53.541" v="273" actId="20577"/>
+          <ac:spMkLst>
+            <pc:docMk/>
+            <pc:sldMk cId="3287148847" sldId="268"/>
+            <ac:spMk id="2" creationId="{E517851D-8C92-414A-BEA7-4A57A56E3766}"/>
+          </ac:spMkLst>
+        </pc:spChg>
+        <pc:cxnChg chg="del">
+          <ac:chgData name="tiphaine laurent" userId="47e1512d-562f-482f-b765-2bb88f8643fa" providerId="ADAL" clId="{B592F19F-9CC7-4566-A064-A5808A5B7C20}" dt="2020-10-01T06:58:56.774" v="274" actId="478"/>
+          <ac:cxnSpMkLst>
+            <pc:docMk/>
+            <pc:sldMk cId="3287148847" sldId="268"/>
+            <ac:cxnSpMk id="7" creationId="{89480884-F70E-4476-9234-6DC39CE85CFA}"/>
+          </ac:cxnSpMkLst>
+        </pc:cxnChg>
+        <pc:cxnChg chg="add mod">
+          <ac:chgData name="tiphaine laurent" userId="47e1512d-562f-482f-b765-2bb88f8643fa" providerId="ADAL" clId="{B592F19F-9CC7-4566-A064-A5808A5B7C20}" dt="2020-10-01T07:03:38.739" v="341" actId="208"/>
+          <ac:cxnSpMkLst>
+            <pc:docMk/>
+            <pc:sldMk cId="3287148847" sldId="268"/>
+            <ac:cxnSpMk id="8" creationId="{5DCF4C61-4904-46A5-8CB0-95DB8F6FEDAF}"/>
+          </ac:cxnSpMkLst>
+        </pc:cxnChg>
+      </pc:sldChg>
+      <pc:sldChg chg="addSp modSp add mod">
+        <pc:chgData name="tiphaine laurent" userId="47e1512d-562f-482f-b765-2bb88f8643fa" providerId="ADAL" clId="{B592F19F-9CC7-4566-A064-A5808A5B7C20}" dt="2020-10-01T07:05:32.679" v="380" actId="14100"/>
+        <pc:sldMkLst>
+          <pc:docMk/>
+          <pc:sldMk cId="3811679722" sldId="269"/>
+        </pc:sldMkLst>
+        <pc:spChg chg="mod">
+          <ac:chgData name="tiphaine laurent" userId="47e1512d-562f-482f-b765-2bb88f8643fa" providerId="ADAL" clId="{B592F19F-9CC7-4566-A064-A5808A5B7C20}" dt="2020-10-01T07:03:13.437" v="336"/>
+          <ac:spMkLst>
+            <pc:docMk/>
+            <pc:sldMk cId="3811679722" sldId="269"/>
+            <ac:spMk id="2" creationId="{E517851D-8C92-414A-BEA7-4A57A56E3766}"/>
+          </ac:spMkLst>
+        </pc:spChg>
+        <pc:spChg chg="mod">
+          <ac:chgData name="tiphaine laurent" userId="47e1512d-562f-482f-b765-2bb88f8643fa" providerId="ADAL" clId="{B592F19F-9CC7-4566-A064-A5808A5B7C20}" dt="2020-10-01T07:00:57.439" v="306" actId="20577"/>
+          <ac:spMkLst>
+            <pc:docMk/>
+            <pc:sldMk cId="3811679722" sldId="269"/>
+            <ac:spMk id="3" creationId="{A189038A-19DB-4F75-B565-CF0D1DCBB074}"/>
+          </ac:spMkLst>
+        </pc:spChg>
+        <pc:spChg chg="add mod">
+          <ac:chgData name="tiphaine laurent" userId="47e1512d-562f-482f-b765-2bb88f8643fa" providerId="ADAL" clId="{B592F19F-9CC7-4566-A064-A5808A5B7C20}" dt="2020-10-01T06:59:33.127" v="287" actId="20577"/>
+          <ac:spMkLst>
+            <pc:docMk/>
+            <pc:sldMk cId="3811679722" sldId="269"/>
+            <ac:spMk id="5" creationId="{6CE2DA81-95C2-42BC-B41A-680BE7BE00C4}"/>
+          </ac:spMkLst>
+        </pc:spChg>
+        <pc:spChg chg="add mod">
+          <ac:chgData name="tiphaine laurent" userId="47e1512d-562f-482f-b765-2bb88f8643fa" providerId="ADAL" clId="{B592F19F-9CC7-4566-A064-A5808A5B7C20}" dt="2020-10-01T06:59:44.843" v="290" actId="1076"/>
+          <ac:spMkLst>
+            <pc:docMk/>
+            <pc:sldMk cId="3811679722" sldId="269"/>
+            <ac:spMk id="8" creationId="{C7A80B0F-ABC1-4B20-ACA0-DC9822FBA936}"/>
+          </ac:spMkLst>
+        </pc:spChg>
+        <pc:spChg chg="add">
+          <ac:chgData name="tiphaine laurent" userId="47e1512d-562f-482f-b765-2bb88f8643fa" providerId="ADAL" clId="{B592F19F-9CC7-4566-A064-A5808A5B7C20}" dt="2020-10-01T07:00:44.377" v="303" actId="22"/>
+          <ac:spMkLst>
+            <pc:docMk/>
+            <pc:sldMk cId="3811679722" sldId="269"/>
+            <ac:spMk id="9" creationId="{F435A651-E8A5-42F6-A893-FA35130E7A5A}"/>
+          </ac:spMkLst>
+        </pc:spChg>
+        <pc:spChg chg="mod">
+          <ac:chgData name="tiphaine laurent" userId="47e1512d-562f-482f-b765-2bb88f8643fa" providerId="ADAL" clId="{B592F19F-9CC7-4566-A064-A5808A5B7C20}" dt="2020-10-01T07:00:51.244" v="304" actId="1076"/>
+          <ac:spMkLst>
+            <pc:docMk/>
+            <pc:sldMk cId="3811679722" sldId="269"/>
+            <ac:spMk id="21" creationId="{7BF83664-416F-421B-897D-B524C2D82A2C}"/>
+          </ac:spMkLst>
+        </pc:spChg>
+        <pc:spChg chg="add mod">
+          <ac:chgData name="tiphaine laurent" userId="47e1512d-562f-482f-b765-2bb88f8643fa" providerId="ADAL" clId="{B592F19F-9CC7-4566-A064-A5808A5B7C20}" dt="2020-10-01T07:04:37.096" v="355" actId="1076"/>
+          <ac:spMkLst>
+            <pc:docMk/>
+            <pc:sldMk cId="3811679722" sldId="269"/>
+            <ac:spMk id="24" creationId="{5B9B93ED-0150-4ABA-BEAF-A80BF66962CE}"/>
+          </ac:spMkLst>
+        </pc:spChg>
+        <pc:cxnChg chg="mod">
+          <ac:chgData name="tiphaine laurent" userId="47e1512d-562f-482f-b765-2bb88f8643fa" providerId="ADAL" clId="{B592F19F-9CC7-4566-A064-A5808A5B7C20}" dt="2020-10-01T07:05:32.679" v="380" actId="14100"/>
+          <ac:cxnSpMkLst>
+            <pc:docMk/>
+            <pc:sldMk cId="3811679722" sldId="269"/>
+            <ac:cxnSpMk id="7" creationId="{89480884-F70E-4476-9234-6DC39CE85CFA}"/>
+          </ac:cxnSpMkLst>
+        </pc:cxnChg>
+        <pc:cxnChg chg="add mod">
+          <ac:chgData name="tiphaine laurent" userId="47e1512d-562f-482f-b765-2bb88f8643fa" providerId="ADAL" clId="{B592F19F-9CC7-4566-A064-A5808A5B7C20}" dt="2020-10-01T07:04:06.992" v="347" actId="208"/>
+          <ac:cxnSpMkLst>
+            <pc:docMk/>
+            <pc:sldMk cId="3811679722" sldId="269"/>
+            <ac:cxnSpMk id="13" creationId="{55E41364-0143-4069-B1A7-C2B29C350A81}"/>
+          </ac:cxnSpMkLst>
+        </pc:cxnChg>
+        <pc:cxnChg chg="add mod">
+          <ac:chgData name="tiphaine laurent" userId="47e1512d-562f-482f-b765-2bb88f8643fa" providerId="ADAL" clId="{B592F19F-9CC7-4566-A064-A5808A5B7C20}" dt="2020-10-01T07:03:43.287" v="342"/>
+          <ac:cxnSpMkLst>
+            <pc:docMk/>
+            <pc:sldMk cId="3811679722" sldId="269"/>
+            <ac:cxnSpMk id="20" creationId="{E2739AA0-AB3E-42A9-A623-396C0145C3DC}"/>
+          </ac:cxnSpMkLst>
+        </pc:cxnChg>
+        <pc:cxnChg chg="mod">
+          <ac:chgData name="tiphaine laurent" userId="47e1512d-562f-482f-b765-2bb88f8643fa" providerId="ADAL" clId="{B592F19F-9CC7-4566-A064-A5808A5B7C20}" dt="2020-10-01T07:00:51.244" v="304" actId="1076"/>
+          <ac:cxnSpMkLst>
+            <pc:docMk/>
+            <pc:sldMk cId="3811679722" sldId="269"/>
+            <ac:cxnSpMk id="23" creationId="{73DA6B45-E50C-4DFF-AAFB-39E4954D44CB}"/>
+          </ac:cxnSpMkLst>
+        </pc:cxnChg>
+        <pc:cxnChg chg="add mod">
+          <ac:chgData name="tiphaine laurent" userId="47e1512d-562f-482f-b765-2bb88f8643fa" providerId="ADAL" clId="{B592F19F-9CC7-4566-A064-A5808A5B7C20}" dt="2020-10-01T07:04:37.096" v="355" actId="1076"/>
+          <ac:cxnSpMkLst>
+            <pc:docMk/>
+            <pc:sldMk cId="3811679722" sldId="269"/>
+            <ac:cxnSpMk id="25" creationId="{ECC4D6A3-6300-40E4-B668-C0ADB35BE310}"/>
+          </ac:cxnSpMkLst>
+        </pc:cxnChg>
+      </pc:sldChg>
+      <pc:sldChg chg="addSp delSp modSp add mod">
+        <pc:chgData name="tiphaine laurent" userId="47e1512d-562f-482f-b765-2bb88f8643fa" providerId="ADAL" clId="{B592F19F-9CC7-4566-A064-A5808A5B7C20}" dt="2020-10-01T07:31:53.915" v="386" actId="478"/>
+        <pc:sldMkLst>
+          <pc:docMk/>
+          <pc:sldMk cId="856888571" sldId="270"/>
+        </pc:sldMkLst>
+        <pc:spChg chg="mod">
+          <ac:chgData name="tiphaine laurent" userId="47e1512d-562f-482f-b765-2bb88f8643fa" providerId="ADAL" clId="{B592F19F-9CC7-4566-A064-A5808A5B7C20}" dt="2020-10-01T07:03:15.089" v="337"/>
+          <ac:spMkLst>
+            <pc:docMk/>
+            <pc:sldMk cId="856888571" sldId="270"/>
+            <ac:spMk id="2" creationId="{E517851D-8C92-414A-BEA7-4A57A56E3766}"/>
+          </ac:spMkLst>
+        </pc:spChg>
+        <pc:spChg chg="del">
+          <ac:chgData name="tiphaine laurent" userId="47e1512d-562f-482f-b765-2bb88f8643fa" providerId="ADAL" clId="{B592F19F-9CC7-4566-A064-A5808A5B7C20}" dt="2020-10-01T06:59:54.445" v="293" actId="478"/>
+          <ac:spMkLst>
+            <pc:docMk/>
+            <pc:sldMk cId="856888571" sldId="270"/>
+            <ac:spMk id="3" creationId="{A189038A-19DB-4F75-B565-CF0D1DCBB074}"/>
+          </ac:spMkLst>
+        </pc:spChg>
+        <pc:spChg chg="add mod">
+          <ac:chgData name="tiphaine laurent" userId="47e1512d-562f-482f-b765-2bb88f8643fa" providerId="ADAL" clId="{B592F19F-9CC7-4566-A064-A5808A5B7C20}" dt="2020-10-01T06:59:58.484" v="294" actId="1076"/>
+          <ac:spMkLst>
+            <pc:docMk/>
+            <pc:sldMk cId="856888571" sldId="270"/>
+            <ac:spMk id="5" creationId="{382C8FFC-8D65-40A3-A5BD-58ADC11F8726}"/>
+          </ac:spMkLst>
+        </pc:spChg>
+        <pc:spChg chg="add mod">
+          <ac:chgData name="tiphaine laurent" userId="47e1512d-562f-482f-b765-2bb88f8643fa" providerId="ADAL" clId="{B592F19F-9CC7-4566-A064-A5808A5B7C20}" dt="2020-10-01T07:01:12.510" v="311" actId="20577"/>
+          <ac:spMkLst>
+            <pc:docMk/>
+            <pc:sldMk cId="856888571" sldId="270"/>
+            <ac:spMk id="8" creationId="{E0C643E9-7F9E-4ED2-B67A-5D19DAC79704}"/>
+          </ac:spMkLst>
+        </pc:spChg>
+        <pc:spChg chg="add mod">
+          <ac:chgData name="tiphaine laurent" userId="47e1512d-562f-482f-b765-2bb88f8643fa" providerId="ADAL" clId="{B592F19F-9CC7-4566-A064-A5808A5B7C20}" dt="2020-10-01T07:01:15.190" v="313" actId="20577"/>
+          <ac:spMkLst>
+            <pc:docMk/>
+            <pc:sldMk cId="856888571" sldId="270"/>
+            <ac:spMk id="9" creationId="{AC0F6A4D-D99C-4B50-890D-B35AD19B2B41}"/>
+          </ac:spMkLst>
+        </pc:spChg>
+        <pc:spChg chg="add mod">
+          <ac:chgData name="tiphaine laurent" userId="47e1512d-562f-482f-b765-2bb88f8643fa" providerId="ADAL" clId="{B592F19F-9CC7-4566-A064-A5808A5B7C20}" dt="2020-10-01T07:01:08.885" v="308" actId="1076"/>
+          <ac:spMkLst>
+            <pc:docMk/>
+            <pc:sldMk cId="856888571" sldId="270"/>
+            <ac:spMk id="11" creationId="{6F38A9E7-0CD6-429E-8F9F-9DA0292ECD2D}"/>
+          </ac:spMkLst>
+        </pc:spChg>
+        <pc:spChg chg="mod">
+          <ac:chgData name="tiphaine laurent" userId="47e1512d-562f-482f-b765-2bb88f8643fa" providerId="ADAL" clId="{B592F19F-9CC7-4566-A064-A5808A5B7C20}" dt="2020-10-01T07:01:21.983" v="314" actId="1076"/>
+          <ac:spMkLst>
+            <pc:docMk/>
+            <pc:sldMk cId="856888571" sldId="270"/>
+            <ac:spMk id="21" creationId="{7BF83664-416F-421B-897D-B524C2D82A2C}"/>
+          </ac:spMkLst>
+        </pc:spChg>
+        <pc:spChg chg="add del mod">
+          <ac:chgData name="tiphaine laurent" userId="47e1512d-562f-482f-b765-2bb88f8643fa" providerId="ADAL" clId="{B592F19F-9CC7-4566-A064-A5808A5B7C20}" dt="2020-10-01T07:04:43.098" v="357" actId="478"/>
+          <ac:spMkLst>
+            <pc:docMk/>
+            <pc:sldMk cId="856888571" sldId="270"/>
+            <ac:spMk id="26" creationId="{2025DAED-3715-4B60-A6D1-3CF7FA77DC69}"/>
+          </ac:spMkLst>
+        </pc:spChg>
+        <pc:spChg chg="add mod">
+          <ac:chgData name="tiphaine laurent" userId="47e1512d-562f-482f-b765-2bb88f8643fa" providerId="ADAL" clId="{B592F19F-9CC7-4566-A064-A5808A5B7C20}" dt="2020-10-01T07:05:07.213" v="378" actId="20577"/>
+          <ac:spMkLst>
+            <pc:docMk/>
+            <pc:sldMk cId="856888571" sldId="270"/>
+            <ac:spMk id="28" creationId="{58DA02F5-D519-4E8D-A8DC-B76DABAE397D}"/>
+          </ac:spMkLst>
+        </pc:spChg>
+        <pc:inkChg chg="add del">
+          <ac:chgData name="tiphaine laurent" userId="47e1512d-562f-482f-b765-2bb88f8643fa" providerId="ADAL" clId="{B592F19F-9CC7-4566-A064-A5808A5B7C20}" dt="2020-10-01T07:31:53.915" v="386" actId="478"/>
+          <ac:inkMkLst>
+            <pc:docMk/>
+            <pc:sldMk cId="856888571" sldId="270"/>
+            <ac:inkMk id="34" creationId="{62A7918E-5578-4D93-B290-7209FF23A0E8}"/>
+          </ac:inkMkLst>
+        </pc:inkChg>
+        <pc:cxnChg chg="del mod">
+          <ac:chgData name="tiphaine laurent" userId="47e1512d-562f-482f-b765-2bb88f8643fa" providerId="ADAL" clId="{B592F19F-9CC7-4566-A064-A5808A5B7C20}" dt="2020-10-01T07:05:39.574" v="382" actId="478"/>
+          <ac:cxnSpMkLst>
+            <pc:docMk/>
+            <pc:sldMk cId="856888571" sldId="270"/>
+            <ac:cxnSpMk id="7" creationId="{89480884-F70E-4476-9234-6DC39CE85CFA}"/>
+          </ac:cxnSpMkLst>
+        </pc:cxnChg>
+        <pc:cxnChg chg="mod">
+          <ac:chgData name="tiphaine laurent" userId="47e1512d-562f-482f-b765-2bb88f8643fa" providerId="ADAL" clId="{B592F19F-9CC7-4566-A064-A5808A5B7C20}" dt="2020-10-01T07:01:24.504" v="315" actId="14100"/>
+          <ac:cxnSpMkLst>
+            <pc:docMk/>
+            <pc:sldMk cId="856888571" sldId="270"/>
+            <ac:cxnSpMk id="23" creationId="{73DA6B45-E50C-4DFF-AAFB-39E4954D44CB}"/>
+          </ac:cxnSpMkLst>
+        </pc:cxnChg>
+        <pc:cxnChg chg="add mod">
+          <ac:chgData name="tiphaine laurent" userId="47e1512d-562f-482f-b765-2bb88f8643fa" providerId="ADAL" clId="{B592F19F-9CC7-4566-A064-A5808A5B7C20}" dt="2020-10-01T07:03:45.209" v="343"/>
+          <ac:cxnSpMkLst>
+            <pc:docMk/>
+            <pc:sldMk cId="856888571" sldId="270"/>
+            <ac:cxnSpMk id="24" creationId="{FF587D71-696C-4729-A020-66275E08440B}"/>
+          </ac:cxnSpMkLst>
+        </pc:cxnChg>
+        <pc:cxnChg chg="add mod">
+          <ac:chgData name="tiphaine laurent" userId="47e1512d-562f-482f-b765-2bb88f8643fa" providerId="ADAL" clId="{B592F19F-9CC7-4566-A064-A5808A5B7C20}" dt="2020-10-01T07:04:11.772" v="349" actId="1076"/>
+          <ac:cxnSpMkLst>
+            <pc:docMk/>
+            <pc:sldMk cId="856888571" sldId="270"/>
+            <ac:cxnSpMk id="25" creationId="{C2ABC684-E397-4F41-8273-E5A13B2C5BF1}"/>
+          </ac:cxnSpMkLst>
+        </pc:cxnChg>
+        <pc:cxnChg chg="add del mod">
+          <ac:chgData name="tiphaine laurent" userId="47e1512d-562f-482f-b765-2bb88f8643fa" providerId="ADAL" clId="{B592F19F-9CC7-4566-A064-A5808A5B7C20}" dt="2020-10-01T07:04:43.098" v="357" actId="478"/>
+          <ac:cxnSpMkLst>
+            <pc:docMk/>
+            <pc:sldMk cId="856888571" sldId="270"/>
+            <ac:cxnSpMk id="27" creationId="{448A75A0-41C9-482F-B169-F5A245284234}"/>
+          </ac:cxnSpMkLst>
+        </pc:cxnChg>
+        <pc:cxnChg chg="add mod">
+          <ac:chgData name="tiphaine laurent" userId="47e1512d-562f-482f-b765-2bb88f8643fa" providerId="ADAL" clId="{B592F19F-9CC7-4566-A064-A5808A5B7C20}" dt="2020-10-01T07:05:01.307" v="362" actId="14100"/>
+          <ac:cxnSpMkLst>
+            <pc:docMk/>
+            <pc:sldMk cId="856888571" sldId="270"/>
+            <ac:cxnSpMk id="29" creationId="{E8517297-7273-4F48-BBAE-4C05B7ACCC15}"/>
+          </ac:cxnSpMkLst>
+        </pc:cxnChg>
+      </pc:sldChg>
+      <pc:sldChg chg="addSp delSp modSp add mod">
+        <pc:chgData name="tiphaine laurent" userId="47e1512d-562f-482f-b765-2bb88f8643fa" providerId="ADAL" clId="{B592F19F-9CC7-4566-A064-A5808A5B7C20}" dt="2020-10-01T07:05:42.361" v="383" actId="478"/>
+        <pc:sldMkLst>
+          <pc:docMk/>
+          <pc:sldMk cId="3131899790" sldId="271"/>
+        </pc:sldMkLst>
+        <pc:spChg chg="mod">
+          <ac:chgData name="tiphaine laurent" userId="47e1512d-562f-482f-b765-2bb88f8643fa" providerId="ADAL" clId="{B592F19F-9CC7-4566-A064-A5808A5B7C20}" dt="2020-10-01T07:03:17.317" v="338"/>
+          <ac:spMkLst>
+            <pc:docMk/>
+            <pc:sldMk cId="3131899790" sldId="271"/>
+            <ac:spMk id="2" creationId="{E517851D-8C92-414A-BEA7-4A57A56E3766}"/>
+          </ac:spMkLst>
+        </pc:spChg>
+        <pc:spChg chg="del">
+          <ac:chgData name="tiphaine laurent" userId="47e1512d-562f-482f-b765-2bb88f8643fa" providerId="ADAL" clId="{B592F19F-9CC7-4566-A064-A5808A5B7C20}" dt="2020-10-01T07:00:07.400" v="297" actId="478"/>
+          <ac:spMkLst>
+            <pc:docMk/>
+            <pc:sldMk cId="3131899790" sldId="271"/>
+            <ac:spMk id="3" creationId="{A189038A-19DB-4F75-B565-CF0D1DCBB074}"/>
+          </ac:spMkLst>
+        </pc:spChg>
+        <pc:spChg chg="mod">
+          <ac:chgData name="tiphaine laurent" userId="47e1512d-562f-482f-b765-2bb88f8643fa" providerId="ADAL" clId="{B592F19F-9CC7-4566-A064-A5808A5B7C20}" dt="2020-10-01T07:02:52.556" v="328" actId="20577"/>
+          <ac:spMkLst>
+            <pc:docMk/>
+            <pc:sldMk cId="3131899790" sldId="271"/>
+            <ac:spMk id="5" creationId="{EB897F94-7D53-4978-BB19-131DC98BAA3D}"/>
+          </ac:spMkLst>
+        </pc:spChg>
+        <pc:spChg chg="add mod">
+          <ac:chgData name="tiphaine laurent" userId="47e1512d-562f-482f-b765-2bb88f8643fa" providerId="ADAL" clId="{B592F19F-9CC7-4566-A064-A5808A5B7C20}" dt="2020-10-01T07:00:12.406" v="298" actId="1076"/>
+          <ac:spMkLst>
+            <pc:docMk/>
+            <pc:sldMk cId="3131899790" sldId="271"/>
+            <ac:spMk id="8" creationId="{E9535223-CAB3-4B4C-A85C-ACD12E788E2E}"/>
+          </ac:spMkLst>
+        </pc:spChg>
+        <pc:spChg chg="add mod">
+          <ac:chgData name="tiphaine laurent" userId="47e1512d-562f-482f-b765-2bb88f8643fa" providerId="ADAL" clId="{B592F19F-9CC7-4566-A064-A5808A5B7C20}" dt="2020-10-01T07:01:34.756" v="318" actId="20577"/>
+          <ac:spMkLst>
+            <pc:docMk/>
+            <pc:sldMk cId="3131899790" sldId="271"/>
+            <ac:spMk id="9" creationId="{BA8FB800-F46A-4813-A2CF-88397AB442DD}"/>
+          </ac:spMkLst>
+        </pc:spChg>
+        <pc:spChg chg="add mod">
+          <ac:chgData name="tiphaine laurent" userId="47e1512d-562f-482f-b765-2bb88f8643fa" providerId="ADAL" clId="{B592F19F-9CC7-4566-A064-A5808A5B7C20}" dt="2020-10-01T07:01:37.052" v="321" actId="20577"/>
+          <ac:spMkLst>
+            <pc:docMk/>
+            <pc:sldMk cId="3131899790" sldId="271"/>
+            <ac:spMk id="11" creationId="{672B5496-FBC7-4B63-8511-CF969025D0BD}"/>
+          </ac:spMkLst>
+        </pc:spChg>
+        <pc:spChg chg="add mod">
+          <ac:chgData name="tiphaine laurent" userId="47e1512d-562f-482f-b765-2bb88f8643fa" providerId="ADAL" clId="{B592F19F-9CC7-4566-A064-A5808A5B7C20}" dt="2020-10-01T07:01:32.945" v="317" actId="1076"/>
+          <ac:spMkLst>
+            <pc:docMk/>
+            <pc:sldMk cId="3131899790" sldId="271"/>
+            <ac:spMk id="13" creationId="{2300E7EC-E4BF-45F1-B212-3C4BFBD3E4B9}"/>
+          </ac:spMkLst>
+        </pc:spChg>
+        <pc:spChg chg="mod">
+          <ac:chgData name="tiphaine laurent" userId="47e1512d-562f-482f-b765-2bb88f8643fa" providerId="ADAL" clId="{B592F19F-9CC7-4566-A064-A5808A5B7C20}" dt="2020-10-01T07:02:41.553" v="322" actId="1076"/>
+          <ac:spMkLst>
+            <pc:docMk/>
+            <pc:sldMk cId="3131899790" sldId="271"/>
+            <ac:spMk id="21" creationId="{7BF83664-416F-421B-897D-B524C2D82A2C}"/>
+          </ac:spMkLst>
+        </pc:spChg>
+        <pc:spChg chg="add mod">
+          <ac:chgData name="tiphaine laurent" userId="47e1512d-562f-482f-b765-2bb88f8643fa" providerId="ADAL" clId="{B592F19F-9CC7-4566-A064-A5808A5B7C20}" dt="2020-10-01T07:05:14.734" v="379"/>
+          <ac:spMkLst>
+            <pc:docMk/>
+            <pc:sldMk cId="3131899790" sldId="271"/>
+            <ac:spMk id="26" creationId="{BF25EEDB-CD57-47A7-A451-C77EB23E06E4}"/>
+          </ac:spMkLst>
+        </pc:spChg>
+        <pc:cxnChg chg="del">
+          <ac:chgData name="tiphaine laurent" userId="47e1512d-562f-482f-b765-2bb88f8643fa" providerId="ADAL" clId="{B592F19F-9CC7-4566-A064-A5808A5B7C20}" dt="2020-10-01T07:05:42.361" v="383" actId="478"/>
+          <ac:cxnSpMkLst>
+            <pc:docMk/>
+            <pc:sldMk cId="3131899790" sldId="271"/>
+            <ac:cxnSpMk id="7" creationId="{89480884-F70E-4476-9234-6DC39CE85CFA}"/>
+          </ac:cxnSpMkLst>
+        </pc:cxnChg>
+        <pc:cxnChg chg="mod">
+          <ac:chgData name="tiphaine laurent" userId="47e1512d-562f-482f-b765-2bb88f8643fa" providerId="ADAL" clId="{B592F19F-9CC7-4566-A064-A5808A5B7C20}" dt="2020-10-01T07:02:41.553" v="322" actId="1076"/>
+          <ac:cxnSpMkLst>
+            <pc:docMk/>
+            <pc:sldMk cId="3131899790" sldId="271"/>
+            <ac:cxnSpMk id="23" creationId="{73DA6B45-E50C-4DFF-AAFB-39E4954D44CB}"/>
+          </ac:cxnSpMkLst>
+        </pc:cxnChg>
+        <pc:cxnChg chg="add mod">
+          <ac:chgData name="tiphaine laurent" userId="47e1512d-562f-482f-b765-2bb88f8643fa" providerId="ADAL" clId="{B592F19F-9CC7-4566-A064-A5808A5B7C20}" dt="2020-10-01T07:03:46.723" v="344"/>
+          <ac:cxnSpMkLst>
+            <pc:docMk/>
+            <pc:sldMk cId="3131899790" sldId="271"/>
+            <ac:cxnSpMk id="24" creationId="{D648685C-E793-40FD-B866-C764DC30269D}"/>
+          </ac:cxnSpMkLst>
+        </pc:cxnChg>
+        <pc:cxnChg chg="add mod">
+          <ac:chgData name="tiphaine laurent" userId="47e1512d-562f-482f-b765-2bb88f8643fa" providerId="ADAL" clId="{B592F19F-9CC7-4566-A064-A5808A5B7C20}" dt="2020-10-01T07:04:16.596" v="351" actId="1076"/>
+          <ac:cxnSpMkLst>
+            <pc:docMk/>
+            <pc:sldMk cId="3131899790" sldId="271"/>
+            <ac:cxnSpMk id="25" creationId="{9F0615C2-0FA7-4A3C-8468-FE2A0C5B0F8E}"/>
+          </ac:cxnSpMkLst>
+        </pc:cxnChg>
+        <pc:cxnChg chg="add mod">
+          <ac:chgData name="tiphaine laurent" userId="47e1512d-562f-482f-b765-2bb88f8643fa" providerId="ADAL" clId="{B592F19F-9CC7-4566-A064-A5808A5B7C20}" dt="2020-10-01T07:05:14.734" v="379"/>
+          <ac:cxnSpMkLst>
+            <pc:docMk/>
+            <pc:sldMk cId="3131899790" sldId="271"/>
+            <ac:cxnSpMk id="27" creationId="{E35127C8-EE74-49DA-8BE2-059CEF279265}"/>
+          </ac:cxnSpMkLst>
+        </pc:cxnChg>
+      </pc:sldChg>
+      <pc:sldChg chg="addSp delSp modSp add mod">
+        <pc:chgData name="tiphaine laurent" userId="47e1512d-562f-482f-b765-2bb88f8643fa" providerId="ADAL" clId="{B592F19F-9CC7-4566-A064-A5808A5B7C20}" dt="2020-10-01T07:05:44.275" v="384" actId="478"/>
+        <pc:sldMkLst>
+          <pc:docMk/>
+          <pc:sldMk cId="2343619555" sldId="272"/>
+        </pc:sldMkLst>
+        <pc:spChg chg="mod">
+          <ac:chgData name="tiphaine laurent" userId="47e1512d-562f-482f-b765-2bb88f8643fa" providerId="ADAL" clId="{B592F19F-9CC7-4566-A064-A5808A5B7C20}" dt="2020-10-01T07:03:18.918" v="339"/>
+          <ac:spMkLst>
+            <pc:docMk/>
+            <pc:sldMk cId="2343619555" sldId="272"/>
+            <ac:spMk id="2" creationId="{E517851D-8C92-414A-BEA7-4A57A56E3766}"/>
+          </ac:spMkLst>
+        </pc:spChg>
+        <pc:spChg chg="del">
+          <ac:chgData name="tiphaine laurent" userId="47e1512d-562f-482f-b765-2bb88f8643fa" providerId="ADAL" clId="{B592F19F-9CC7-4566-A064-A5808A5B7C20}" dt="2020-10-01T07:00:19.025" v="301" actId="478"/>
+          <ac:spMkLst>
+            <pc:docMk/>
+            <pc:sldMk cId="2343619555" sldId="272"/>
+            <ac:spMk id="3" creationId="{A189038A-19DB-4F75-B565-CF0D1DCBB074}"/>
+          </ac:spMkLst>
+        </pc:spChg>
+        <pc:spChg chg="add mod">
+          <ac:chgData name="tiphaine laurent" userId="47e1512d-562f-482f-b765-2bb88f8643fa" providerId="ADAL" clId="{B592F19F-9CC7-4566-A064-A5808A5B7C20}" dt="2020-10-01T07:00:25.616" v="302" actId="1076"/>
+          <ac:spMkLst>
+            <pc:docMk/>
+            <pc:sldMk cId="2343619555" sldId="272"/>
+            <ac:spMk id="5" creationId="{E5A0B8E9-4E41-4413-A965-7BC2C9856C92}"/>
+          </ac:spMkLst>
+        </pc:spChg>
+        <pc:spChg chg="add mod">
+          <ac:chgData name="tiphaine laurent" userId="47e1512d-562f-482f-b765-2bb88f8643fa" providerId="ADAL" clId="{B592F19F-9CC7-4566-A064-A5808A5B7C20}" dt="2020-10-01T07:03:05.545" v="333" actId="20577"/>
+          <ac:spMkLst>
+            <pc:docMk/>
+            <pc:sldMk cId="2343619555" sldId="272"/>
+            <ac:spMk id="8" creationId="{8965D322-5F55-4015-B5F0-7046DFEF773B}"/>
+          </ac:spMkLst>
+        </pc:spChg>
+        <pc:spChg chg="add mod">
+          <ac:chgData name="tiphaine laurent" userId="47e1512d-562f-482f-b765-2bb88f8643fa" providerId="ADAL" clId="{B592F19F-9CC7-4566-A064-A5808A5B7C20}" dt="2020-10-01T07:03:06.875" v="335" actId="20577"/>
+          <ac:spMkLst>
+            <pc:docMk/>
+            <pc:sldMk cId="2343619555" sldId="272"/>
+            <ac:spMk id="9" creationId="{EDC7BB24-A66F-4053-98D7-9770A7489E8D}"/>
+          </ac:spMkLst>
+        </pc:spChg>
+        <pc:spChg chg="add mod">
+          <ac:chgData name="tiphaine laurent" userId="47e1512d-562f-482f-b765-2bb88f8643fa" providerId="ADAL" clId="{B592F19F-9CC7-4566-A064-A5808A5B7C20}" dt="2020-10-01T07:03:03.060" v="330" actId="1076"/>
+          <ac:spMkLst>
+            <pc:docMk/>
+            <pc:sldMk cId="2343619555" sldId="272"/>
+            <ac:spMk id="11" creationId="{04BA2560-C54E-4CFC-9ABD-68F8C89F4C9E}"/>
+          </ac:spMkLst>
+        </pc:spChg>
+        <pc:cxnChg chg="del">
+          <ac:chgData name="tiphaine laurent" userId="47e1512d-562f-482f-b765-2bb88f8643fa" providerId="ADAL" clId="{B592F19F-9CC7-4566-A064-A5808A5B7C20}" dt="2020-10-01T07:05:44.275" v="384" actId="478"/>
+          <ac:cxnSpMkLst>
+            <pc:docMk/>
+            <pc:sldMk cId="2343619555" sldId="272"/>
+            <ac:cxnSpMk id="7" creationId="{89480884-F70E-4476-9234-6DC39CE85CFA}"/>
+          </ac:cxnSpMkLst>
+        </pc:cxnChg>
+        <pc:cxnChg chg="add mod">
+          <ac:chgData name="tiphaine laurent" userId="47e1512d-562f-482f-b765-2bb88f8643fa" providerId="ADAL" clId="{B592F19F-9CC7-4566-A064-A5808A5B7C20}" dt="2020-10-01T07:03:47.604" v="345"/>
+          <ac:cxnSpMkLst>
+            <pc:docMk/>
+            <pc:sldMk cId="2343619555" sldId="272"/>
+            <ac:cxnSpMk id="22" creationId="{0A45C5DC-0501-4FD3-A96F-B058D29E2C34}"/>
+          </ac:cxnSpMkLst>
+        </pc:cxnChg>
+        <pc:cxnChg chg="mod">
+          <ac:chgData name="tiphaine laurent" userId="47e1512d-562f-482f-b765-2bb88f8643fa" providerId="ADAL" clId="{B592F19F-9CC7-4566-A064-A5808A5B7C20}" dt="2020-10-01T07:00:19.025" v="301" actId="478"/>
+          <ac:cxnSpMkLst>
+            <pc:docMk/>
+            <pc:sldMk cId="2343619555" sldId="272"/>
+            <ac:cxnSpMk id="23" creationId="{73DA6B45-E50C-4DFF-AAFB-39E4954D44CB}"/>
+          </ac:cxnSpMkLst>
+        </pc:cxnChg>
+        <pc:cxnChg chg="add mod">
+          <ac:chgData name="tiphaine laurent" userId="47e1512d-562f-482f-b765-2bb88f8643fa" providerId="ADAL" clId="{B592F19F-9CC7-4566-A064-A5808A5B7C20}" dt="2020-10-01T07:04:21.765" v="353" actId="1076"/>
+          <ac:cxnSpMkLst>
+            <pc:docMk/>
+            <pc:sldMk cId="2343619555" sldId="272"/>
+            <ac:cxnSpMk id="24" creationId="{5658D6F9-D589-4A00-8FCB-65A70F46DD17}"/>
+          </ac:cxnSpMkLst>
+        </pc:cxnChg>
+      </pc:sldChg>
     </pc:docChg>
   </pc:docChgLst>
 </pc:chgInfo>
@@ -688,7 +1464,7 @@
             <a:fld id="{B61BEF0D-F0BB-DE4B-95CE-6DB70DBA9567}" type="datetimeFigureOut">
               <a:rPr lang="en-US" dirty="0"/>
               <a:pPr/>
-              <a:t>9/30/2020</a:t>
+              <a:t>10/1/2020</a:t>
             </a:fld>
             <a:endParaRPr lang="en-US" dirty="0"/>
           </a:p>
@@ -1121,7 +1897,7 @@
             <a:fld id="{B61BEF0D-F0BB-DE4B-95CE-6DB70DBA9567}" type="datetimeFigureOut">
               <a:rPr lang="en-US" dirty="0"/>
               <a:pPr/>
-              <a:t>9/30/2020</a:t>
+              <a:t>10/1/2020</a:t>
             </a:fld>
             <a:endParaRPr lang="en-US" dirty="0"/>
           </a:p>
@@ -1368,7 +2144,7 @@
             <a:fld id="{B61BEF0D-F0BB-DE4B-95CE-6DB70DBA9567}" type="datetimeFigureOut">
               <a:rPr lang="en-US" dirty="0"/>
               <a:pPr/>
-              <a:t>9/30/2020</a:t>
+              <a:t>10/1/2020</a:t>
             </a:fld>
             <a:endParaRPr lang="en-US" dirty="0"/>
           </a:p>
@@ -1673,7 +2449,7 @@
             <a:fld id="{B61BEF0D-F0BB-DE4B-95CE-6DB70DBA9567}" type="datetimeFigureOut">
               <a:rPr lang="en-US" dirty="0"/>
               <a:pPr/>
-              <a:t>9/30/2020</a:t>
+              <a:t>10/1/2020</a:t>
             </a:fld>
             <a:endParaRPr lang="en-US" dirty="0"/>
           </a:p>
@@ -1988,7 +2764,7 @@
             <a:fld id="{B61BEF0D-F0BB-DE4B-95CE-6DB70DBA9567}" type="datetimeFigureOut">
               <a:rPr lang="en-US" dirty="0"/>
               <a:pPr/>
-              <a:t>9/30/2020</a:t>
+              <a:t>10/1/2020</a:t>
             </a:fld>
             <a:endParaRPr lang="en-US" dirty="0"/>
           </a:p>
@@ -2287,7 +3063,7 @@
             <a:fld id="{B61BEF0D-F0BB-DE4B-95CE-6DB70DBA9567}" type="datetimeFigureOut">
               <a:rPr lang="en-US" dirty="0"/>
               <a:pPr/>
-              <a:t>9/30/2020</a:t>
+              <a:t>10/1/2020</a:t>
             </a:fld>
             <a:endParaRPr lang="en-US" dirty="0"/>
           </a:p>
@@ -2651,7 +3427,7 @@
             <a:fld id="{B61BEF0D-F0BB-DE4B-95CE-6DB70DBA9567}" type="datetimeFigureOut">
               <a:rPr lang="en-US" dirty="0"/>
               <a:pPr/>
-              <a:t>9/30/2020</a:t>
+              <a:t>10/1/2020</a:t>
             </a:fld>
             <a:endParaRPr lang="en-US" dirty="0"/>
           </a:p>
@@ -2822,7 +3598,7 @@
             <a:fld id="{B61BEF0D-F0BB-DE4B-95CE-6DB70DBA9567}" type="datetimeFigureOut">
               <a:rPr lang="en-US" dirty="0"/>
               <a:pPr/>
-              <a:t>9/30/2020</a:t>
+              <a:t>10/1/2020</a:t>
             </a:fld>
             <a:endParaRPr lang="en-US" dirty="0"/>
           </a:p>
@@ -2999,7 +3775,7 @@
             <a:fld id="{B61BEF0D-F0BB-DE4B-95CE-6DB70DBA9567}" type="datetimeFigureOut">
               <a:rPr lang="en-US" dirty="0"/>
               <a:pPr/>
-              <a:t>9/30/2020</a:t>
+              <a:t>10/1/2020</a:t>
             </a:fld>
             <a:endParaRPr lang="en-US" dirty="0"/>
           </a:p>
@@ -3166,7 +3942,7 @@
             <a:fld id="{B61BEF0D-F0BB-DE4B-95CE-6DB70DBA9567}" type="datetimeFigureOut">
               <a:rPr lang="en-US" dirty="0"/>
               <a:pPr/>
-              <a:t>9/30/2020</a:t>
+              <a:t>10/1/2020</a:t>
             </a:fld>
             <a:endParaRPr lang="en-US" dirty="0"/>
           </a:p>
@@ -3413,7 +4189,7 @@
             <a:fld id="{B61BEF0D-F0BB-DE4B-95CE-6DB70DBA9567}" type="datetimeFigureOut">
               <a:rPr lang="en-US" dirty="0"/>
               <a:pPr/>
-              <a:t>9/30/2020</a:t>
+              <a:t>10/1/2020</a:t>
             </a:fld>
             <a:endParaRPr lang="en-US" dirty="0"/>
           </a:p>
@@ -3646,7 +4422,7 @@
             <a:fld id="{B61BEF0D-F0BB-DE4B-95CE-6DB70DBA9567}" type="datetimeFigureOut">
               <a:rPr lang="en-US" dirty="0"/>
               <a:pPr/>
-              <a:t>9/30/2020</a:t>
+              <a:t>10/1/2020</a:t>
             </a:fld>
             <a:endParaRPr lang="en-US" dirty="0"/>
           </a:p>
@@ -4025,7 +4801,7 @@
             <a:fld id="{B61BEF0D-F0BB-DE4B-95CE-6DB70DBA9567}" type="datetimeFigureOut">
               <a:rPr lang="en-US" dirty="0"/>
               <a:pPr/>
-              <a:t>9/30/2020</a:t>
+              <a:t>10/1/2020</a:t>
             </a:fld>
             <a:endParaRPr lang="en-US" dirty="0"/>
           </a:p>
@@ -4140,7 +4916,7 @@
             <a:fld id="{B61BEF0D-F0BB-DE4B-95CE-6DB70DBA9567}" type="datetimeFigureOut">
               <a:rPr lang="en-US" dirty="0"/>
               <a:pPr/>
-              <a:t>9/30/2020</a:t>
+              <a:t>10/1/2020</a:t>
             </a:fld>
             <a:endParaRPr lang="en-US" dirty="0"/>
           </a:p>
@@ -4232,7 +5008,7 @@
             <a:fld id="{B61BEF0D-F0BB-DE4B-95CE-6DB70DBA9567}" type="datetimeFigureOut">
               <a:rPr lang="en-US" dirty="0"/>
               <a:pPr/>
-              <a:t>9/30/2020</a:t>
+              <a:t>10/1/2020</a:t>
             </a:fld>
             <a:endParaRPr lang="en-US" dirty="0"/>
           </a:p>
@@ -4484,7 +5260,7 @@
             <a:fld id="{B61BEF0D-F0BB-DE4B-95CE-6DB70DBA9567}" type="datetimeFigureOut">
               <a:rPr lang="en-US" dirty="0"/>
               <a:pPr/>
-              <a:t>9/30/2020</a:t>
+              <a:t>10/1/2020</a:t>
             </a:fld>
             <a:endParaRPr lang="en-US" dirty="0"/>
           </a:p>
@@ -4764,7 +5540,7 @@
             <a:fld id="{B61BEF0D-F0BB-DE4B-95CE-6DB70DBA9567}" type="datetimeFigureOut">
               <a:rPr lang="en-US" dirty="0"/>
               <a:pPr/>
-              <a:t>9/30/2020</a:t>
+              <a:t>10/1/2020</a:t>
             </a:fld>
             <a:endParaRPr lang="en-US" dirty="0"/>
           </a:p>
@@ -5167,7 +5943,7 @@
             <a:fld id="{B61BEF0D-F0BB-DE4B-95CE-6DB70DBA9567}" type="datetimeFigureOut">
               <a:rPr lang="en-US" dirty="0"/>
               <a:pPr/>
-              <a:t>9/30/2020</a:t>
+              <a:t>10/1/2020</a:t>
             </a:fld>
             <a:endParaRPr lang="en-US" dirty="0"/>
           </a:p>
@@ -5771,6 +6547,5886 @@
 </p:sld>
 </file>
 
+<file path=ppt/slides/slide10.xml><?xml version="1.0" encoding="utf-8"?>
+<p:sld xmlns:a="http://schemas.openxmlformats.org/drawingml/2006/main" xmlns:r="http://schemas.openxmlformats.org/officeDocument/2006/relationships" xmlns:p="http://schemas.openxmlformats.org/presentationml/2006/main">
+  <p:cSld>
+    <p:spTree>
+      <p:nvGrpSpPr>
+        <p:cNvPr id="1" name=""/>
+        <p:cNvGrpSpPr/>
+        <p:nvPr/>
+      </p:nvGrpSpPr>
+      <p:grpSpPr>
+        <a:xfrm>
+          <a:off x="0" y="0"/>
+          <a:ext cx="0" cy="0"/>
+          <a:chOff x="0" y="0"/>
+          <a:chExt cx="0" cy="0"/>
+        </a:xfrm>
+      </p:grpSpPr>
+      <p:sp>
+        <p:nvSpPr>
+          <p:cNvPr id="4" name="Rectangle 3">
+            <a:extLst>
+              <a:ext uri="{FF2B5EF4-FFF2-40B4-BE49-F238E27FC236}">
+                <a16:creationId xmlns:a16="http://schemas.microsoft.com/office/drawing/2014/main" id="{42CA08E4-B55C-4CBA-8A8A-F6E7B963880C}"/>
+              </a:ext>
+            </a:extLst>
+          </p:cNvPr>
+          <p:cNvSpPr/>
+          <p:nvPr/>
+        </p:nvSpPr>
+        <p:spPr>
+          <a:xfrm>
+            <a:off x="905347" y="851026"/>
+            <a:ext cx="651849" cy="624689"/>
+          </a:xfrm>
+          <a:prstGeom prst="rect">
+            <a:avLst/>
+          </a:prstGeom>
+        </p:spPr>
+        <p:style>
+          <a:lnRef idx="2">
+            <a:schemeClr val="accent1">
+              <a:shade val="50000"/>
+            </a:schemeClr>
+          </a:lnRef>
+          <a:fillRef idx="1">
+            <a:schemeClr val="accent1"/>
+          </a:fillRef>
+          <a:effectRef idx="0">
+            <a:schemeClr val="accent1"/>
+          </a:effectRef>
+          <a:fontRef idx="minor">
+            <a:schemeClr val="lt1"/>
+          </a:fontRef>
+        </p:style>
+        <p:txBody>
+          <a:bodyPr rtlCol="0" anchor="ctr"/>
+          <a:lstStyle/>
+          <a:p>
+            <a:pPr algn="ctr"/>
+            <a:r>
+              <a:rPr lang="fr-FR" dirty="0"/>
+              <a:t>5</a:t>
+            </a:r>
+          </a:p>
+        </p:txBody>
+      </p:sp>
+      <p:sp>
+        <p:nvSpPr>
+          <p:cNvPr id="6" name="Rectangle 5">
+            <a:extLst>
+              <a:ext uri="{FF2B5EF4-FFF2-40B4-BE49-F238E27FC236}">
+                <a16:creationId xmlns:a16="http://schemas.microsoft.com/office/drawing/2014/main" id="{4A554B94-F045-4FEA-984D-5C7314FAC83A}"/>
+              </a:ext>
+            </a:extLst>
+          </p:cNvPr>
+          <p:cNvSpPr/>
+          <p:nvPr/>
+        </p:nvSpPr>
+        <p:spPr>
+          <a:xfrm>
+            <a:off x="6323839" y="837446"/>
+            <a:ext cx="651849" cy="624689"/>
+          </a:xfrm>
+          <a:prstGeom prst="rect">
+            <a:avLst/>
+          </a:prstGeom>
+        </p:spPr>
+        <p:style>
+          <a:lnRef idx="2">
+            <a:schemeClr val="accent1">
+              <a:shade val="50000"/>
+            </a:schemeClr>
+          </a:lnRef>
+          <a:fillRef idx="1">
+            <a:schemeClr val="accent1"/>
+          </a:fillRef>
+          <a:effectRef idx="0">
+            <a:schemeClr val="accent1"/>
+          </a:effectRef>
+          <a:fontRef idx="minor">
+            <a:schemeClr val="lt1"/>
+          </a:fontRef>
+        </p:style>
+        <p:txBody>
+          <a:bodyPr rtlCol="0" anchor="ctr"/>
+          <a:lstStyle/>
+          <a:p>
+            <a:pPr algn="ctr"/>
+            <a:r>
+              <a:rPr lang="fr-FR" dirty="0"/>
+              <a:t>18</a:t>
+            </a:r>
+          </a:p>
+        </p:txBody>
+      </p:sp>
+      <p:sp>
+        <p:nvSpPr>
+          <p:cNvPr id="10" name="Rectangle 9">
+            <a:extLst>
+              <a:ext uri="{FF2B5EF4-FFF2-40B4-BE49-F238E27FC236}">
+                <a16:creationId xmlns:a16="http://schemas.microsoft.com/office/drawing/2014/main" id="{AA5DD5E5-6A2A-4548-A08C-DD931FBD3769}"/>
+              </a:ext>
+            </a:extLst>
+          </p:cNvPr>
+          <p:cNvSpPr/>
+          <p:nvPr/>
+        </p:nvSpPr>
+        <p:spPr>
+          <a:xfrm>
+            <a:off x="4531255" y="843481"/>
+            <a:ext cx="651849" cy="624689"/>
+          </a:xfrm>
+          <a:prstGeom prst="rect">
+            <a:avLst/>
+          </a:prstGeom>
+        </p:spPr>
+        <p:style>
+          <a:lnRef idx="2">
+            <a:schemeClr val="accent1">
+              <a:shade val="50000"/>
+            </a:schemeClr>
+          </a:lnRef>
+          <a:fillRef idx="1">
+            <a:schemeClr val="accent1"/>
+          </a:fillRef>
+          <a:effectRef idx="0">
+            <a:schemeClr val="accent1"/>
+          </a:effectRef>
+          <a:fontRef idx="minor">
+            <a:schemeClr val="lt1"/>
+          </a:fontRef>
+        </p:style>
+        <p:txBody>
+          <a:bodyPr rtlCol="0" anchor="ctr"/>
+          <a:lstStyle/>
+          <a:p>
+            <a:pPr algn="ctr"/>
+            <a:r>
+              <a:rPr lang="fr-FR" dirty="0"/>
+              <a:t>9</a:t>
+            </a:r>
+          </a:p>
+        </p:txBody>
+      </p:sp>
+      <p:sp>
+        <p:nvSpPr>
+          <p:cNvPr id="12" name="Rectangle 11">
+            <a:extLst>
+              <a:ext uri="{FF2B5EF4-FFF2-40B4-BE49-F238E27FC236}">
+                <a16:creationId xmlns:a16="http://schemas.microsoft.com/office/drawing/2014/main" id="{01000056-17C3-4074-8CC8-640819CC4C2F}"/>
+              </a:ext>
+            </a:extLst>
+          </p:cNvPr>
+          <p:cNvSpPr/>
+          <p:nvPr/>
+        </p:nvSpPr>
+        <p:spPr>
+          <a:xfrm>
+            <a:off x="3621383" y="851026"/>
+            <a:ext cx="651849" cy="624689"/>
+          </a:xfrm>
+          <a:prstGeom prst="rect">
+            <a:avLst/>
+          </a:prstGeom>
+        </p:spPr>
+        <p:style>
+          <a:lnRef idx="2">
+            <a:schemeClr val="accent1">
+              <a:shade val="50000"/>
+            </a:schemeClr>
+          </a:lnRef>
+          <a:fillRef idx="1">
+            <a:schemeClr val="accent1"/>
+          </a:fillRef>
+          <a:effectRef idx="0">
+            <a:schemeClr val="accent1"/>
+          </a:effectRef>
+          <a:fontRef idx="minor">
+            <a:schemeClr val="lt1"/>
+          </a:fontRef>
+        </p:style>
+        <p:txBody>
+          <a:bodyPr rtlCol="0" anchor="ctr"/>
+          <a:lstStyle/>
+          <a:p>
+            <a:pPr algn="ctr"/>
+            <a:r>
+              <a:rPr lang="fr-FR" dirty="0"/>
+              <a:t>1</a:t>
+            </a:r>
+          </a:p>
+        </p:txBody>
+      </p:sp>
+      <p:sp>
+        <p:nvSpPr>
+          <p:cNvPr id="14" name="Rectangle 13">
+            <a:extLst>
+              <a:ext uri="{FF2B5EF4-FFF2-40B4-BE49-F238E27FC236}">
+                <a16:creationId xmlns:a16="http://schemas.microsoft.com/office/drawing/2014/main" id="{7D7E7D27-0EE7-40E3-9ABC-5EFBAF6DC89F}"/>
+              </a:ext>
+            </a:extLst>
+          </p:cNvPr>
+          <p:cNvSpPr/>
+          <p:nvPr/>
+        </p:nvSpPr>
+        <p:spPr>
+          <a:xfrm>
+            <a:off x="2725091" y="852535"/>
+            <a:ext cx="651849" cy="624689"/>
+          </a:xfrm>
+          <a:prstGeom prst="rect">
+            <a:avLst/>
+          </a:prstGeom>
+        </p:spPr>
+        <p:style>
+          <a:lnRef idx="2">
+            <a:schemeClr val="accent1">
+              <a:shade val="50000"/>
+            </a:schemeClr>
+          </a:lnRef>
+          <a:fillRef idx="1">
+            <a:schemeClr val="accent1"/>
+          </a:fillRef>
+          <a:effectRef idx="0">
+            <a:schemeClr val="accent1"/>
+          </a:effectRef>
+          <a:fontRef idx="minor">
+            <a:schemeClr val="lt1"/>
+          </a:fontRef>
+        </p:style>
+        <p:txBody>
+          <a:bodyPr rtlCol="0" anchor="ctr"/>
+          <a:lstStyle/>
+          <a:p>
+            <a:pPr algn="ctr"/>
+            <a:r>
+              <a:rPr lang="fr-FR" dirty="0"/>
+              <a:t>41</a:t>
+            </a:r>
+          </a:p>
+        </p:txBody>
+      </p:sp>
+      <p:sp>
+        <p:nvSpPr>
+          <p:cNvPr id="16" name="Rectangle 15">
+            <a:extLst>
+              <a:ext uri="{FF2B5EF4-FFF2-40B4-BE49-F238E27FC236}">
+                <a16:creationId xmlns:a16="http://schemas.microsoft.com/office/drawing/2014/main" id="{03FD576F-8FCA-494F-9393-A5883588CF16}"/>
+              </a:ext>
+            </a:extLst>
+          </p:cNvPr>
+          <p:cNvSpPr/>
+          <p:nvPr/>
+        </p:nvSpPr>
+        <p:spPr>
+          <a:xfrm>
+            <a:off x="1815219" y="851026"/>
+            <a:ext cx="651849" cy="624689"/>
+          </a:xfrm>
+          <a:prstGeom prst="rect">
+            <a:avLst/>
+          </a:prstGeom>
+        </p:spPr>
+        <p:style>
+          <a:lnRef idx="2">
+            <a:schemeClr val="accent1">
+              <a:shade val="50000"/>
+            </a:schemeClr>
+          </a:lnRef>
+          <a:fillRef idx="1">
+            <a:schemeClr val="accent1"/>
+          </a:fillRef>
+          <a:effectRef idx="0">
+            <a:schemeClr val="accent1"/>
+          </a:effectRef>
+          <a:fontRef idx="minor">
+            <a:schemeClr val="lt1"/>
+          </a:fontRef>
+        </p:style>
+        <p:txBody>
+          <a:bodyPr rtlCol="0" anchor="ctr"/>
+          <a:lstStyle/>
+          <a:p>
+            <a:pPr algn="ctr"/>
+            <a:r>
+              <a:rPr lang="fr-FR" dirty="0"/>
+              <a:t>10</a:t>
+            </a:r>
+          </a:p>
+        </p:txBody>
+      </p:sp>
+      <p:sp>
+        <p:nvSpPr>
+          <p:cNvPr id="18" name="Rectangle 17">
+            <a:extLst>
+              <a:ext uri="{FF2B5EF4-FFF2-40B4-BE49-F238E27FC236}">
+                <a16:creationId xmlns:a16="http://schemas.microsoft.com/office/drawing/2014/main" id="{995ACC9E-D875-42F3-B41A-611CE3547416}"/>
+              </a:ext>
+            </a:extLst>
+          </p:cNvPr>
+          <p:cNvSpPr/>
+          <p:nvPr/>
+        </p:nvSpPr>
+        <p:spPr>
+          <a:xfrm>
+            <a:off x="5413967" y="837445"/>
+            <a:ext cx="651849" cy="624689"/>
+          </a:xfrm>
+          <a:prstGeom prst="rect">
+            <a:avLst/>
+          </a:prstGeom>
+        </p:spPr>
+        <p:style>
+          <a:lnRef idx="2">
+            <a:schemeClr val="accent1">
+              <a:shade val="50000"/>
+            </a:schemeClr>
+          </a:lnRef>
+          <a:fillRef idx="1">
+            <a:schemeClr val="accent1"/>
+          </a:fillRef>
+          <a:effectRef idx="0">
+            <a:schemeClr val="accent1"/>
+          </a:effectRef>
+          <a:fontRef idx="minor">
+            <a:schemeClr val="lt1"/>
+          </a:fontRef>
+        </p:style>
+        <p:txBody>
+          <a:bodyPr rtlCol="0" anchor="ctr"/>
+          <a:lstStyle/>
+          <a:p>
+            <a:pPr algn="ctr"/>
+            <a:r>
+              <a:rPr lang="fr-FR" dirty="0"/>
+              <a:t>27</a:t>
+            </a:r>
+          </a:p>
+        </p:txBody>
+      </p:sp>
+      <p:sp>
+        <p:nvSpPr>
+          <p:cNvPr id="21" name="ZoneTexte 20">
+            <a:extLst>
+              <a:ext uri="{FF2B5EF4-FFF2-40B4-BE49-F238E27FC236}">
+                <a16:creationId xmlns:a16="http://schemas.microsoft.com/office/drawing/2014/main" id="{7BF83664-416F-421B-897D-B524C2D82A2C}"/>
+              </a:ext>
+            </a:extLst>
+          </p:cNvPr>
+          <p:cNvSpPr txBox="1"/>
+          <p:nvPr/>
+        </p:nvSpPr>
+        <p:spPr>
+          <a:xfrm>
+            <a:off x="3345219" y="117695"/>
+            <a:ext cx="1204176" cy="369332"/>
+          </a:xfrm>
+          <a:prstGeom prst="rect">
+            <a:avLst/>
+          </a:prstGeom>
+          <a:noFill/>
+        </p:spPr>
+        <p:txBody>
+          <a:bodyPr wrap="none" rtlCol="0">
+            <a:spAutoFit/>
+          </a:bodyPr>
+          <a:lstStyle/>
+          <a:p>
+            <a:r>
+              <a:rPr lang="fr-FR" dirty="0">
+                <a:solidFill>
+                  <a:schemeClr val="bg1"/>
+                </a:solidFill>
+              </a:rPr>
+              <a:t>Minimum</a:t>
+            </a:r>
+          </a:p>
+        </p:txBody>
+      </p:sp>
+      <p:cxnSp>
+        <p:nvCxnSpPr>
+          <p:cNvPr id="23" name="Connecteur droit avec flèche 22">
+            <a:extLst>
+              <a:ext uri="{FF2B5EF4-FFF2-40B4-BE49-F238E27FC236}">
+                <a16:creationId xmlns:a16="http://schemas.microsoft.com/office/drawing/2014/main" id="{73DA6B45-E50C-4DFF-AAFB-39E4954D44CB}"/>
+              </a:ext>
+            </a:extLst>
+          </p:cNvPr>
+          <p:cNvCxnSpPr>
+            <a:stCxn id="21" idx="2"/>
+            <a:endCxn id="12" idx="0"/>
+          </p:cNvCxnSpPr>
+          <p:nvPr/>
+        </p:nvCxnSpPr>
+        <p:spPr>
+          <a:xfrm>
+            <a:off x="3947307" y="487027"/>
+            <a:ext cx="1" cy="363999"/>
+          </a:xfrm>
+          <a:prstGeom prst="straightConnector1">
+            <a:avLst/>
+          </a:prstGeom>
+          <a:ln>
+            <a:solidFill>
+              <a:schemeClr val="bg1">
+                <a:alpha val="60000"/>
+              </a:schemeClr>
+            </a:solidFill>
+            <a:tailEnd type="triangle"/>
+          </a:ln>
+        </p:spPr>
+        <p:style>
+          <a:lnRef idx="1">
+            <a:schemeClr val="accent1"/>
+          </a:lnRef>
+          <a:fillRef idx="0">
+            <a:schemeClr val="accent1"/>
+          </a:fillRef>
+          <a:effectRef idx="0">
+            <a:schemeClr val="accent1"/>
+          </a:effectRef>
+          <a:fontRef idx="minor">
+            <a:schemeClr val="tx1"/>
+          </a:fontRef>
+        </p:style>
+      </p:cxnSp>
+      <p:sp>
+        <p:nvSpPr>
+          <p:cNvPr id="2" name="ZoneTexte 1">
+            <a:extLst>
+              <a:ext uri="{FF2B5EF4-FFF2-40B4-BE49-F238E27FC236}">
+                <a16:creationId xmlns:a16="http://schemas.microsoft.com/office/drawing/2014/main" id="{E517851D-8C92-414A-BEA7-4A57A56E3766}"/>
+              </a:ext>
+            </a:extLst>
+          </p:cNvPr>
+          <p:cNvSpPr txBox="1"/>
+          <p:nvPr/>
+        </p:nvSpPr>
+        <p:spPr>
+          <a:xfrm>
+            <a:off x="1815219" y="4671588"/>
+            <a:ext cx="1616148" cy="523220"/>
+          </a:xfrm>
+          <a:prstGeom prst="rect">
+            <a:avLst/>
+          </a:prstGeom>
+          <a:noFill/>
+        </p:spPr>
+        <p:txBody>
+          <a:bodyPr wrap="none" rtlCol="0">
+            <a:spAutoFit/>
+          </a:bodyPr>
+          <a:lstStyle/>
+          <a:p>
+            <a:r>
+              <a:rPr lang="fr-FR" sz="2800" dirty="0"/>
+              <a:t>Insertion</a:t>
+            </a:r>
+          </a:p>
+        </p:txBody>
+      </p:sp>
+      <p:sp>
+        <p:nvSpPr>
+          <p:cNvPr id="3" name="Rectangle 2">
+            <a:extLst>
+              <a:ext uri="{FF2B5EF4-FFF2-40B4-BE49-F238E27FC236}">
+                <a16:creationId xmlns:a16="http://schemas.microsoft.com/office/drawing/2014/main" id="{A189038A-19DB-4F75-B565-CF0D1DCBB074}"/>
+              </a:ext>
+            </a:extLst>
+          </p:cNvPr>
+          <p:cNvSpPr/>
+          <p:nvPr/>
+        </p:nvSpPr>
+        <p:spPr>
+          <a:xfrm>
+            <a:off x="7206550" y="851026"/>
+            <a:ext cx="651849" cy="624689"/>
+          </a:xfrm>
+          <a:prstGeom prst="rect">
+            <a:avLst/>
+          </a:prstGeom>
+        </p:spPr>
+        <p:style>
+          <a:lnRef idx="2">
+            <a:schemeClr val="accent1">
+              <a:shade val="50000"/>
+            </a:schemeClr>
+          </a:lnRef>
+          <a:fillRef idx="1">
+            <a:schemeClr val="accent1"/>
+          </a:fillRef>
+          <a:effectRef idx="0">
+            <a:schemeClr val="accent1"/>
+          </a:effectRef>
+          <a:fontRef idx="minor">
+            <a:schemeClr val="lt1"/>
+          </a:fontRef>
+        </p:style>
+        <p:txBody>
+          <a:bodyPr rtlCol="0" anchor="ctr"/>
+          <a:lstStyle/>
+          <a:p>
+            <a:pPr algn="ctr"/>
+            <a:r>
+              <a:rPr lang="fr-FR" dirty="0"/>
+              <a:t>0</a:t>
+            </a:r>
+          </a:p>
+        </p:txBody>
+      </p:sp>
+      <p:cxnSp>
+        <p:nvCxnSpPr>
+          <p:cNvPr id="7" name="Connecteur droit avec flèche 6">
+            <a:extLst>
+              <a:ext uri="{FF2B5EF4-FFF2-40B4-BE49-F238E27FC236}">
+                <a16:creationId xmlns:a16="http://schemas.microsoft.com/office/drawing/2014/main" id="{89480884-F70E-4476-9234-6DC39CE85CFA}"/>
+              </a:ext>
+            </a:extLst>
+          </p:cNvPr>
+          <p:cNvCxnSpPr>
+            <a:cxnSpLocks/>
+          </p:cNvCxnSpPr>
+          <p:nvPr/>
+        </p:nvCxnSpPr>
+        <p:spPr>
+          <a:xfrm flipV="1">
+            <a:off x="5183104" y="1475715"/>
+            <a:ext cx="2041561" cy="3114393"/>
+          </a:xfrm>
+          <a:prstGeom prst="straightConnector1">
+            <a:avLst/>
+          </a:prstGeom>
+          <a:ln>
+            <a:solidFill>
+              <a:schemeClr val="bg1">
+                <a:alpha val="60000"/>
+              </a:schemeClr>
+            </a:solidFill>
+            <a:tailEnd type="triangle"/>
+          </a:ln>
+        </p:spPr>
+        <p:style>
+          <a:lnRef idx="1">
+            <a:schemeClr val="accent1"/>
+          </a:lnRef>
+          <a:fillRef idx="0">
+            <a:schemeClr val="accent1"/>
+          </a:fillRef>
+          <a:effectRef idx="0">
+            <a:schemeClr val="accent1"/>
+          </a:effectRef>
+          <a:fontRef idx="minor">
+            <a:schemeClr val="tx1"/>
+          </a:fontRef>
+        </p:style>
+      </p:cxnSp>
+      <p:sp>
+        <p:nvSpPr>
+          <p:cNvPr id="5" name="ZoneTexte 4">
+            <a:extLst>
+              <a:ext uri="{FF2B5EF4-FFF2-40B4-BE49-F238E27FC236}">
+                <a16:creationId xmlns:a16="http://schemas.microsoft.com/office/drawing/2014/main" id="{EB897F94-7D53-4978-BB19-131DC98BAA3D}"/>
+              </a:ext>
+            </a:extLst>
+          </p:cNvPr>
+          <p:cNvSpPr txBox="1"/>
+          <p:nvPr/>
+        </p:nvSpPr>
+        <p:spPr>
+          <a:xfrm>
+            <a:off x="7077862" y="1620570"/>
+            <a:ext cx="909223" cy="369332"/>
+          </a:xfrm>
+          <a:prstGeom prst="rect">
+            <a:avLst/>
+          </a:prstGeom>
+          <a:noFill/>
+        </p:spPr>
+        <p:txBody>
+          <a:bodyPr wrap="none" rtlCol="0">
+            <a:spAutoFit/>
+          </a:bodyPr>
+          <a:lstStyle/>
+          <a:p>
+            <a:r>
+              <a:rPr lang="fr-FR" dirty="0">
+                <a:solidFill>
+                  <a:schemeClr val="bg1"/>
+                </a:solidFill>
+              </a:rPr>
+              <a:t>0 &lt; 1 ?</a:t>
+            </a:r>
+          </a:p>
+        </p:txBody>
+      </p:sp>
+    </p:spTree>
+    <p:extLst>
+      <p:ext uri="{BB962C8B-B14F-4D97-AF65-F5344CB8AC3E}">
+        <p14:creationId xmlns:p14="http://schemas.microsoft.com/office/powerpoint/2010/main" val="163224567"/>
+      </p:ext>
+    </p:extLst>
+  </p:cSld>
+  <p:clrMapOvr>
+    <a:masterClrMapping/>
+  </p:clrMapOvr>
+</p:sld>
+</file>
+
+<file path=ppt/slides/slide11.xml><?xml version="1.0" encoding="utf-8"?>
+<p:sld xmlns:a="http://schemas.openxmlformats.org/drawingml/2006/main" xmlns:r="http://schemas.openxmlformats.org/officeDocument/2006/relationships" xmlns:p="http://schemas.openxmlformats.org/presentationml/2006/main">
+  <p:cSld>
+    <p:spTree>
+      <p:nvGrpSpPr>
+        <p:cNvPr id="1" name=""/>
+        <p:cNvGrpSpPr/>
+        <p:nvPr/>
+      </p:nvGrpSpPr>
+      <p:grpSpPr>
+        <a:xfrm>
+          <a:off x="0" y="0"/>
+          <a:ext cx="0" cy="0"/>
+          <a:chOff x="0" y="0"/>
+          <a:chExt cx="0" cy="0"/>
+        </a:xfrm>
+      </p:grpSpPr>
+      <p:sp>
+        <p:nvSpPr>
+          <p:cNvPr id="4" name="Rectangle 3">
+            <a:extLst>
+              <a:ext uri="{FF2B5EF4-FFF2-40B4-BE49-F238E27FC236}">
+                <a16:creationId xmlns:a16="http://schemas.microsoft.com/office/drawing/2014/main" id="{42CA08E4-B55C-4CBA-8A8A-F6E7B963880C}"/>
+              </a:ext>
+            </a:extLst>
+          </p:cNvPr>
+          <p:cNvSpPr/>
+          <p:nvPr/>
+        </p:nvSpPr>
+        <p:spPr>
+          <a:xfrm>
+            <a:off x="905347" y="851026"/>
+            <a:ext cx="651849" cy="624689"/>
+          </a:xfrm>
+          <a:prstGeom prst="rect">
+            <a:avLst/>
+          </a:prstGeom>
+        </p:spPr>
+        <p:style>
+          <a:lnRef idx="2">
+            <a:schemeClr val="accent1">
+              <a:shade val="50000"/>
+            </a:schemeClr>
+          </a:lnRef>
+          <a:fillRef idx="1">
+            <a:schemeClr val="accent1"/>
+          </a:fillRef>
+          <a:effectRef idx="0">
+            <a:schemeClr val="accent1"/>
+          </a:effectRef>
+          <a:fontRef idx="minor">
+            <a:schemeClr val="lt1"/>
+          </a:fontRef>
+        </p:style>
+        <p:txBody>
+          <a:bodyPr rtlCol="0" anchor="ctr"/>
+          <a:lstStyle/>
+          <a:p>
+            <a:pPr algn="ctr"/>
+            <a:r>
+              <a:rPr lang="fr-FR" dirty="0"/>
+              <a:t>5</a:t>
+            </a:r>
+          </a:p>
+        </p:txBody>
+      </p:sp>
+      <p:sp>
+        <p:nvSpPr>
+          <p:cNvPr id="6" name="Rectangle 5">
+            <a:extLst>
+              <a:ext uri="{FF2B5EF4-FFF2-40B4-BE49-F238E27FC236}">
+                <a16:creationId xmlns:a16="http://schemas.microsoft.com/office/drawing/2014/main" id="{4A554B94-F045-4FEA-984D-5C7314FAC83A}"/>
+              </a:ext>
+            </a:extLst>
+          </p:cNvPr>
+          <p:cNvSpPr/>
+          <p:nvPr/>
+        </p:nvSpPr>
+        <p:spPr>
+          <a:xfrm>
+            <a:off x="6323839" y="837446"/>
+            <a:ext cx="651849" cy="624689"/>
+          </a:xfrm>
+          <a:prstGeom prst="rect">
+            <a:avLst/>
+          </a:prstGeom>
+        </p:spPr>
+        <p:style>
+          <a:lnRef idx="2">
+            <a:schemeClr val="accent1">
+              <a:shade val="50000"/>
+            </a:schemeClr>
+          </a:lnRef>
+          <a:fillRef idx="1">
+            <a:schemeClr val="accent1"/>
+          </a:fillRef>
+          <a:effectRef idx="0">
+            <a:schemeClr val="accent1"/>
+          </a:effectRef>
+          <a:fontRef idx="minor">
+            <a:schemeClr val="lt1"/>
+          </a:fontRef>
+        </p:style>
+        <p:txBody>
+          <a:bodyPr rtlCol="0" anchor="ctr"/>
+          <a:lstStyle/>
+          <a:p>
+            <a:pPr algn="ctr"/>
+            <a:r>
+              <a:rPr lang="fr-FR" dirty="0"/>
+              <a:t>18</a:t>
+            </a:r>
+          </a:p>
+        </p:txBody>
+      </p:sp>
+      <p:sp>
+        <p:nvSpPr>
+          <p:cNvPr id="10" name="Rectangle 9">
+            <a:extLst>
+              <a:ext uri="{FF2B5EF4-FFF2-40B4-BE49-F238E27FC236}">
+                <a16:creationId xmlns:a16="http://schemas.microsoft.com/office/drawing/2014/main" id="{AA5DD5E5-6A2A-4548-A08C-DD931FBD3769}"/>
+              </a:ext>
+            </a:extLst>
+          </p:cNvPr>
+          <p:cNvSpPr/>
+          <p:nvPr/>
+        </p:nvSpPr>
+        <p:spPr>
+          <a:xfrm>
+            <a:off x="4531255" y="843481"/>
+            <a:ext cx="651849" cy="624689"/>
+          </a:xfrm>
+          <a:prstGeom prst="rect">
+            <a:avLst/>
+          </a:prstGeom>
+        </p:spPr>
+        <p:style>
+          <a:lnRef idx="2">
+            <a:schemeClr val="accent1">
+              <a:shade val="50000"/>
+            </a:schemeClr>
+          </a:lnRef>
+          <a:fillRef idx="1">
+            <a:schemeClr val="accent1"/>
+          </a:fillRef>
+          <a:effectRef idx="0">
+            <a:schemeClr val="accent1"/>
+          </a:effectRef>
+          <a:fontRef idx="minor">
+            <a:schemeClr val="lt1"/>
+          </a:fontRef>
+        </p:style>
+        <p:txBody>
+          <a:bodyPr rtlCol="0" anchor="ctr"/>
+          <a:lstStyle/>
+          <a:p>
+            <a:pPr algn="ctr"/>
+            <a:r>
+              <a:rPr lang="fr-FR" dirty="0"/>
+              <a:t>9</a:t>
+            </a:r>
+          </a:p>
+        </p:txBody>
+      </p:sp>
+      <p:sp>
+        <p:nvSpPr>
+          <p:cNvPr id="12" name="Rectangle 11">
+            <a:extLst>
+              <a:ext uri="{FF2B5EF4-FFF2-40B4-BE49-F238E27FC236}">
+                <a16:creationId xmlns:a16="http://schemas.microsoft.com/office/drawing/2014/main" id="{01000056-17C3-4074-8CC8-640819CC4C2F}"/>
+              </a:ext>
+            </a:extLst>
+          </p:cNvPr>
+          <p:cNvSpPr/>
+          <p:nvPr/>
+        </p:nvSpPr>
+        <p:spPr>
+          <a:xfrm>
+            <a:off x="3621383" y="851026"/>
+            <a:ext cx="651849" cy="624689"/>
+          </a:xfrm>
+          <a:prstGeom prst="rect">
+            <a:avLst/>
+          </a:prstGeom>
+        </p:spPr>
+        <p:style>
+          <a:lnRef idx="2">
+            <a:schemeClr val="accent1">
+              <a:shade val="50000"/>
+            </a:schemeClr>
+          </a:lnRef>
+          <a:fillRef idx="1">
+            <a:schemeClr val="accent1"/>
+          </a:fillRef>
+          <a:effectRef idx="0">
+            <a:schemeClr val="accent1"/>
+          </a:effectRef>
+          <a:fontRef idx="minor">
+            <a:schemeClr val="lt1"/>
+          </a:fontRef>
+        </p:style>
+        <p:txBody>
+          <a:bodyPr rtlCol="0" anchor="ctr"/>
+          <a:lstStyle/>
+          <a:p>
+            <a:pPr algn="ctr"/>
+            <a:r>
+              <a:rPr lang="fr-FR" dirty="0"/>
+              <a:t>1</a:t>
+            </a:r>
+          </a:p>
+        </p:txBody>
+      </p:sp>
+      <p:sp>
+        <p:nvSpPr>
+          <p:cNvPr id="14" name="Rectangle 13">
+            <a:extLst>
+              <a:ext uri="{FF2B5EF4-FFF2-40B4-BE49-F238E27FC236}">
+                <a16:creationId xmlns:a16="http://schemas.microsoft.com/office/drawing/2014/main" id="{7D7E7D27-0EE7-40E3-9ABC-5EFBAF6DC89F}"/>
+              </a:ext>
+            </a:extLst>
+          </p:cNvPr>
+          <p:cNvSpPr/>
+          <p:nvPr/>
+        </p:nvSpPr>
+        <p:spPr>
+          <a:xfrm>
+            <a:off x="2725091" y="852535"/>
+            <a:ext cx="651849" cy="624689"/>
+          </a:xfrm>
+          <a:prstGeom prst="rect">
+            <a:avLst/>
+          </a:prstGeom>
+        </p:spPr>
+        <p:style>
+          <a:lnRef idx="2">
+            <a:schemeClr val="accent1">
+              <a:shade val="50000"/>
+            </a:schemeClr>
+          </a:lnRef>
+          <a:fillRef idx="1">
+            <a:schemeClr val="accent1"/>
+          </a:fillRef>
+          <a:effectRef idx="0">
+            <a:schemeClr val="accent1"/>
+          </a:effectRef>
+          <a:fontRef idx="minor">
+            <a:schemeClr val="lt1"/>
+          </a:fontRef>
+        </p:style>
+        <p:txBody>
+          <a:bodyPr rtlCol="0" anchor="ctr"/>
+          <a:lstStyle/>
+          <a:p>
+            <a:pPr algn="ctr"/>
+            <a:r>
+              <a:rPr lang="fr-FR" dirty="0"/>
+              <a:t>41</a:t>
+            </a:r>
+          </a:p>
+        </p:txBody>
+      </p:sp>
+      <p:sp>
+        <p:nvSpPr>
+          <p:cNvPr id="16" name="Rectangle 15">
+            <a:extLst>
+              <a:ext uri="{FF2B5EF4-FFF2-40B4-BE49-F238E27FC236}">
+                <a16:creationId xmlns:a16="http://schemas.microsoft.com/office/drawing/2014/main" id="{03FD576F-8FCA-494F-9393-A5883588CF16}"/>
+              </a:ext>
+            </a:extLst>
+          </p:cNvPr>
+          <p:cNvSpPr/>
+          <p:nvPr/>
+        </p:nvSpPr>
+        <p:spPr>
+          <a:xfrm>
+            <a:off x="1815219" y="851026"/>
+            <a:ext cx="651849" cy="624689"/>
+          </a:xfrm>
+          <a:prstGeom prst="rect">
+            <a:avLst/>
+          </a:prstGeom>
+        </p:spPr>
+        <p:style>
+          <a:lnRef idx="2">
+            <a:schemeClr val="accent1">
+              <a:shade val="50000"/>
+            </a:schemeClr>
+          </a:lnRef>
+          <a:fillRef idx="1">
+            <a:schemeClr val="accent1"/>
+          </a:fillRef>
+          <a:effectRef idx="0">
+            <a:schemeClr val="accent1"/>
+          </a:effectRef>
+          <a:fontRef idx="minor">
+            <a:schemeClr val="lt1"/>
+          </a:fontRef>
+        </p:style>
+        <p:txBody>
+          <a:bodyPr rtlCol="0" anchor="ctr"/>
+          <a:lstStyle/>
+          <a:p>
+            <a:pPr algn="ctr"/>
+            <a:r>
+              <a:rPr lang="fr-FR" dirty="0"/>
+              <a:t>10</a:t>
+            </a:r>
+          </a:p>
+        </p:txBody>
+      </p:sp>
+      <p:sp>
+        <p:nvSpPr>
+          <p:cNvPr id="18" name="Rectangle 17">
+            <a:extLst>
+              <a:ext uri="{FF2B5EF4-FFF2-40B4-BE49-F238E27FC236}">
+                <a16:creationId xmlns:a16="http://schemas.microsoft.com/office/drawing/2014/main" id="{995ACC9E-D875-42F3-B41A-611CE3547416}"/>
+              </a:ext>
+            </a:extLst>
+          </p:cNvPr>
+          <p:cNvSpPr/>
+          <p:nvPr/>
+        </p:nvSpPr>
+        <p:spPr>
+          <a:xfrm>
+            <a:off x="5413967" y="837445"/>
+            <a:ext cx="651849" cy="624689"/>
+          </a:xfrm>
+          <a:prstGeom prst="rect">
+            <a:avLst/>
+          </a:prstGeom>
+        </p:spPr>
+        <p:style>
+          <a:lnRef idx="2">
+            <a:schemeClr val="accent1">
+              <a:shade val="50000"/>
+            </a:schemeClr>
+          </a:lnRef>
+          <a:fillRef idx="1">
+            <a:schemeClr val="accent1"/>
+          </a:fillRef>
+          <a:effectRef idx="0">
+            <a:schemeClr val="accent1"/>
+          </a:effectRef>
+          <a:fontRef idx="minor">
+            <a:schemeClr val="lt1"/>
+          </a:fontRef>
+        </p:style>
+        <p:txBody>
+          <a:bodyPr rtlCol="0" anchor="ctr"/>
+          <a:lstStyle/>
+          <a:p>
+            <a:pPr algn="ctr"/>
+            <a:r>
+              <a:rPr lang="fr-FR" dirty="0"/>
+              <a:t>27</a:t>
+            </a:r>
+          </a:p>
+        </p:txBody>
+      </p:sp>
+      <p:sp>
+        <p:nvSpPr>
+          <p:cNvPr id="21" name="ZoneTexte 20">
+            <a:extLst>
+              <a:ext uri="{FF2B5EF4-FFF2-40B4-BE49-F238E27FC236}">
+                <a16:creationId xmlns:a16="http://schemas.microsoft.com/office/drawing/2014/main" id="{7BF83664-416F-421B-897D-B524C2D82A2C}"/>
+              </a:ext>
+            </a:extLst>
+          </p:cNvPr>
+          <p:cNvSpPr txBox="1"/>
+          <p:nvPr/>
+        </p:nvSpPr>
+        <p:spPr>
+          <a:xfrm>
+            <a:off x="6930385" y="81481"/>
+            <a:ext cx="1204176" cy="369332"/>
+          </a:xfrm>
+          <a:prstGeom prst="rect">
+            <a:avLst/>
+          </a:prstGeom>
+          <a:noFill/>
+        </p:spPr>
+        <p:txBody>
+          <a:bodyPr wrap="none" rtlCol="0">
+            <a:spAutoFit/>
+          </a:bodyPr>
+          <a:lstStyle/>
+          <a:p>
+            <a:r>
+              <a:rPr lang="fr-FR" dirty="0">
+                <a:solidFill>
+                  <a:schemeClr val="bg1"/>
+                </a:solidFill>
+              </a:rPr>
+              <a:t>Minimum</a:t>
+            </a:r>
+          </a:p>
+        </p:txBody>
+      </p:sp>
+      <p:cxnSp>
+        <p:nvCxnSpPr>
+          <p:cNvPr id="23" name="Connecteur droit avec flèche 22">
+            <a:extLst>
+              <a:ext uri="{FF2B5EF4-FFF2-40B4-BE49-F238E27FC236}">
+                <a16:creationId xmlns:a16="http://schemas.microsoft.com/office/drawing/2014/main" id="{73DA6B45-E50C-4DFF-AAFB-39E4954D44CB}"/>
+              </a:ext>
+            </a:extLst>
+          </p:cNvPr>
+          <p:cNvCxnSpPr>
+            <a:cxnSpLocks/>
+            <a:stCxn id="21" idx="2"/>
+            <a:endCxn id="3" idx="0"/>
+          </p:cNvCxnSpPr>
+          <p:nvPr/>
+        </p:nvCxnSpPr>
+        <p:spPr>
+          <a:xfrm>
+            <a:off x="7532473" y="450813"/>
+            <a:ext cx="2" cy="400213"/>
+          </a:xfrm>
+          <a:prstGeom prst="straightConnector1">
+            <a:avLst/>
+          </a:prstGeom>
+          <a:ln>
+            <a:solidFill>
+              <a:schemeClr val="bg1">
+                <a:alpha val="60000"/>
+              </a:schemeClr>
+            </a:solidFill>
+            <a:tailEnd type="triangle"/>
+          </a:ln>
+        </p:spPr>
+        <p:style>
+          <a:lnRef idx="1">
+            <a:schemeClr val="accent1"/>
+          </a:lnRef>
+          <a:fillRef idx="0">
+            <a:schemeClr val="accent1"/>
+          </a:fillRef>
+          <a:effectRef idx="0">
+            <a:schemeClr val="accent1"/>
+          </a:effectRef>
+          <a:fontRef idx="minor">
+            <a:schemeClr val="tx1"/>
+          </a:fontRef>
+        </p:style>
+      </p:cxnSp>
+      <p:sp>
+        <p:nvSpPr>
+          <p:cNvPr id="2" name="ZoneTexte 1">
+            <a:extLst>
+              <a:ext uri="{FF2B5EF4-FFF2-40B4-BE49-F238E27FC236}">
+                <a16:creationId xmlns:a16="http://schemas.microsoft.com/office/drawing/2014/main" id="{E517851D-8C92-414A-BEA7-4A57A56E3766}"/>
+              </a:ext>
+            </a:extLst>
+          </p:cNvPr>
+          <p:cNvSpPr txBox="1"/>
+          <p:nvPr/>
+        </p:nvSpPr>
+        <p:spPr>
+          <a:xfrm>
+            <a:off x="1815219" y="4671588"/>
+            <a:ext cx="1616148" cy="523220"/>
+          </a:xfrm>
+          <a:prstGeom prst="rect">
+            <a:avLst/>
+          </a:prstGeom>
+          <a:noFill/>
+        </p:spPr>
+        <p:txBody>
+          <a:bodyPr wrap="none" rtlCol="0">
+            <a:spAutoFit/>
+          </a:bodyPr>
+          <a:lstStyle/>
+          <a:p>
+            <a:r>
+              <a:rPr lang="fr-FR" sz="2800" dirty="0"/>
+              <a:t>Insertion</a:t>
+            </a:r>
+          </a:p>
+        </p:txBody>
+      </p:sp>
+      <p:sp>
+        <p:nvSpPr>
+          <p:cNvPr id="3" name="Rectangle 2">
+            <a:extLst>
+              <a:ext uri="{FF2B5EF4-FFF2-40B4-BE49-F238E27FC236}">
+                <a16:creationId xmlns:a16="http://schemas.microsoft.com/office/drawing/2014/main" id="{A189038A-19DB-4F75-B565-CF0D1DCBB074}"/>
+              </a:ext>
+            </a:extLst>
+          </p:cNvPr>
+          <p:cNvSpPr/>
+          <p:nvPr/>
+        </p:nvSpPr>
+        <p:spPr>
+          <a:xfrm>
+            <a:off x="7206550" y="851026"/>
+            <a:ext cx="651849" cy="624689"/>
+          </a:xfrm>
+          <a:prstGeom prst="rect">
+            <a:avLst/>
+          </a:prstGeom>
+        </p:spPr>
+        <p:style>
+          <a:lnRef idx="2">
+            <a:schemeClr val="accent1">
+              <a:shade val="50000"/>
+            </a:schemeClr>
+          </a:lnRef>
+          <a:fillRef idx="1">
+            <a:schemeClr val="accent1"/>
+          </a:fillRef>
+          <a:effectRef idx="0">
+            <a:schemeClr val="accent1"/>
+          </a:effectRef>
+          <a:fontRef idx="minor">
+            <a:schemeClr val="lt1"/>
+          </a:fontRef>
+        </p:style>
+        <p:txBody>
+          <a:bodyPr rtlCol="0" anchor="ctr"/>
+          <a:lstStyle/>
+          <a:p>
+            <a:pPr algn="ctr"/>
+            <a:r>
+              <a:rPr lang="fr-FR" dirty="0"/>
+              <a:t>0</a:t>
+            </a:r>
+          </a:p>
+        </p:txBody>
+      </p:sp>
+      <p:cxnSp>
+        <p:nvCxnSpPr>
+          <p:cNvPr id="7" name="Connecteur droit avec flèche 6">
+            <a:extLst>
+              <a:ext uri="{FF2B5EF4-FFF2-40B4-BE49-F238E27FC236}">
+                <a16:creationId xmlns:a16="http://schemas.microsoft.com/office/drawing/2014/main" id="{89480884-F70E-4476-9234-6DC39CE85CFA}"/>
+              </a:ext>
+            </a:extLst>
+          </p:cNvPr>
+          <p:cNvCxnSpPr>
+            <a:cxnSpLocks/>
+          </p:cNvCxnSpPr>
+          <p:nvPr/>
+        </p:nvCxnSpPr>
+        <p:spPr>
+          <a:xfrm flipV="1">
+            <a:off x="5183104" y="1475715"/>
+            <a:ext cx="2041561" cy="3114393"/>
+          </a:xfrm>
+          <a:prstGeom prst="straightConnector1">
+            <a:avLst/>
+          </a:prstGeom>
+          <a:ln>
+            <a:solidFill>
+              <a:schemeClr val="bg1">
+                <a:alpha val="60000"/>
+              </a:schemeClr>
+            </a:solidFill>
+            <a:tailEnd type="triangle"/>
+          </a:ln>
+        </p:spPr>
+        <p:style>
+          <a:lnRef idx="1">
+            <a:schemeClr val="accent1"/>
+          </a:lnRef>
+          <a:fillRef idx="0">
+            <a:schemeClr val="accent1"/>
+          </a:fillRef>
+          <a:effectRef idx="0">
+            <a:schemeClr val="accent1"/>
+          </a:effectRef>
+          <a:fontRef idx="minor">
+            <a:schemeClr val="tx1"/>
+          </a:fontRef>
+        </p:style>
+      </p:cxnSp>
+    </p:spTree>
+    <p:extLst>
+      <p:ext uri="{BB962C8B-B14F-4D97-AF65-F5344CB8AC3E}">
+        <p14:creationId xmlns:p14="http://schemas.microsoft.com/office/powerpoint/2010/main" val="467553695"/>
+      </p:ext>
+    </p:extLst>
+  </p:cSld>
+  <p:clrMapOvr>
+    <a:masterClrMapping/>
+  </p:clrMapOvr>
+</p:sld>
+</file>
+
+<file path=ppt/slides/slide12.xml><?xml version="1.0" encoding="utf-8"?>
+<p:sld xmlns:a="http://schemas.openxmlformats.org/drawingml/2006/main" xmlns:r="http://schemas.openxmlformats.org/officeDocument/2006/relationships" xmlns:p="http://schemas.openxmlformats.org/presentationml/2006/main">
+  <p:cSld>
+    <p:spTree>
+      <p:nvGrpSpPr>
+        <p:cNvPr id="1" name=""/>
+        <p:cNvGrpSpPr/>
+        <p:nvPr/>
+      </p:nvGrpSpPr>
+      <p:grpSpPr>
+        <a:xfrm>
+          <a:off x="0" y="0"/>
+          <a:ext cx="0" cy="0"/>
+          <a:chOff x="0" y="0"/>
+          <a:chExt cx="0" cy="0"/>
+        </a:xfrm>
+      </p:grpSpPr>
+      <p:sp>
+        <p:nvSpPr>
+          <p:cNvPr id="4" name="Rectangle 3">
+            <a:extLst>
+              <a:ext uri="{FF2B5EF4-FFF2-40B4-BE49-F238E27FC236}">
+                <a16:creationId xmlns:a16="http://schemas.microsoft.com/office/drawing/2014/main" id="{42CA08E4-B55C-4CBA-8A8A-F6E7B963880C}"/>
+              </a:ext>
+            </a:extLst>
+          </p:cNvPr>
+          <p:cNvSpPr/>
+          <p:nvPr/>
+        </p:nvSpPr>
+        <p:spPr>
+          <a:xfrm>
+            <a:off x="905347" y="851026"/>
+            <a:ext cx="651849" cy="624689"/>
+          </a:xfrm>
+          <a:prstGeom prst="rect">
+            <a:avLst/>
+          </a:prstGeom>
+        </p:spPr>
+        <p:style>
+          <a:lnRef idx="2">
+            <a:schemeClr val="accent1">
+              <a:shade val="50000"/>
+            </a:schemeClr>
+          </a:lnRef>
+          <a:fillRef idx="1">
+            <a:schemeClr val="accent1"/>
+          </a:fillRef>
+          <a:effectRef idx="0">
+            <a:schemeClr val="accent1"/>
+          </a:effectRef>
+          <a:fontRef idx="minor">
+            <a:schemeClr val="lt1"/>
+          </a:fontRef>
+        </p:style>
+        <p:txBody>
+          <a:bodyPr rtlCol="0" anchor="ctr"/>
+          <a:lstStyle/>
+          <a:p>
+            <a:pPr algn="ctr"/>
+            <a:r>
+              <a:rPr lang="fr-FR" dirty="0"/>
+              <a:t>5</a:t>
+            </a:r>
+          </a:p>
+        </p:txBody>
+      </p:sp>
+      <p:sp>
+        <p:nvSpPr>
+          <p:cNvPr id="6" name="Rectangle 5">
+            <a:extLst>
+              <a:ext uri="{FF2B5EF4-FFF2-40B4-BE49-F238E27FC236}">
+                <a16:creationId xmlns:a16="http://schemas.microsoft.com/office/drawing/2014/main" id="{4A554B94-F045-4FEA-984D-5C7314FAC83A}"/>
+              </a:ext>
+            </a:extLst>
+          </p:cNvPr>
+          <p:cNvSpPr/>
+          <p:nvPr/>
+        </p:nvSpPr>
+        <p:spPr>
+          <a:xfrm>
+            <a:off x="6323839" y="837446"/>
+            <a:ext cx="651849" cy="624689"/>
+          </a:xfrm>
+          <a:prstGeom prst="rect">
+            <a:avLst/>
+          </a:prstGeom>
+        </p:spPr>
+        <p:style>
+          <a:lnRef idx="2">
+            <a:schemeClr val="accent1">
+              <a:shade val="50000"/>
+            </a:schemeClr>
+          </a:lnRef>
+          <a:fillRef idx="1">
+            <a:schemeClr val="accent1"/>
+          </a:fillRef>
+          <a:effectRef idx="0">
+            <a:schemeClr val="accent1"/>
+          </a:effectRef>
+          <a:fontRef idx="minor">
+            <a:schemeClr val="lt1"/>
+          </a:fontRef>
+        </p:style>
+        <p:txBody>
+          <a:bodyPr rtlCol="0" anchor="ctr"/>
+          <a:lstStyle/>
+          <a:p>
+            <a:pPr algn="ctr"/>
+            <a:r>
+              <a:rPr lang="fr-FR" dirty="0"/>
+              <a:t>18</a:t>
+            </a:r>
+          </a:p>
+        </p:txBody>
+      </p:sp>
+      <p:sp>
+        <p:nvSpPr>
+          <p:cNvPr id="10" name="Rectangle 9">
+            <a:extLst>
+              <a:ext uri="{FF2B5EF4-FFF2-40B4-BE49-F238E27FC236}">
+                <a16:creationId xmlns:a16="http://schemas.microsoft.com/office/drawing/2014/main" id="{AA5DD5E5-6A2A-4548-A08C-DD931FBD3769}"/>
+              </a:ext>
+            </a:extLst>
+          </p:cNvPr>
+          <p:cNvSpPr/>
+          <p:nvPr/>
+        </p:nvSpPr>
+        <p:spPr>
+          <a:xfrm>
+            <a:off x="4531255" y="843481"/>
+            <a:ext cx="651849" cy="624689"/>
+          </a:xfrm>
+          <a:prstGeom prst="rect">
+            <a:avLst/>
+          </a:prstGeom>
+        </p:spPr>
+        <p:style>
+          <a:lnRef idx="2">
+            <a:schemeClr val="accent1">
+              <a:shade val="50000"/>
+            </a:schemeClr>
+          </a:lnRef>
+          <a:fillRef idx="1">
+            <a:schemeClr val="accent1"/>
+          </a:fillRef>
+          <a:effectRef idx="0">
+            <a:schemeClr val="accent1"/>
+          </a:effectRef>
+          <a:fontRef idx="minor">
+            <a:schemeClr val="lt1"/>
+          </a:fontRef>
+        </p:style>
+        <p:txBody>
+          <a:bodyPr rtlCol="0" anchor="ctr"/>
+          <a:lstStyle/>
+          <a:p>
+            <a:pPr algn="ctr"/>
+            <a:r>
+              <a:rPr lang="fr-FR" dirty="0"/>
+              <a:t>9</a:t>
+            </a:r>
+          </a:p>
+        </p:txBody>
+      </p:sp>
+      <p:sp>
+        <p:nvSpPr>
+          <p:cNvPr id="12" name="Rectangle 11">
+            <a:extLst>
+              <a:ext uri="{FF2B5EF4-FFF2-40B4-BE49-F238E27FC236}">
+                <a16:creationId xmlns:a16="http://schemas.microsoft.com/office/drawing/2014/main" id="{01000056-17C3-4074-8CC8-640819CC4C2F}"/>
+              </a:ext>
+            </a:extLst>
+          </p:cNvPr>
+          <p:cNvSpPr/>
+          <p:nvPr/>
+        </p:nvSpPr>
+        <p:spPr>
+          <a:xfrm>
+            <a:off x="3621383" y="851026"/>
+            <a:ext cx="651849" cy="624689"/>
+          </a:xfrm>
+          <a:prstGeom prst="rect">
+            <a:avLst/>
+          </a:prstGeom>
+        </p:spPr>
+        <p:style>
+          <a:lnRef idx="2">
+            <a:schemeClr val="accent1">
+              <a:shade val="50000"/>
+            </a:schemeClr>
+          </a:lnRef>
+          <a:fillRef idx="1">
+            <a:schemeClr val="accent1"/>
+          </a:fillRef>
+          <a:effectRef idx="0">
+            <a:schemeClr val="accent1"/>
+          </a:effectRef>
+          <a:fontRef idx="minor">
+            <a:schemeClr val="lt1"/>
+          </a:fontRef>
+        </p:style>
+        <p:txBody>
+          <a:bodyPr rtlCol="0" anchor="ctr"/>
+          <a:lstStyle/>
+          <a:p>
+            <a:pPr algn="ctr"/>
+            <a:r>
+              <a:rPr lang="fr-FR" dirty="0"/>
+              <a:t>1</a:t>
+            </a:r>
+          </a:p>
+        </p:txBody>
+      </p:sp>
+      <p:sp>
+        <p:nvSpPr>
+          <p:cNvPr id="14" name="Rectangle 13">
+            <a:extLst>
+              <a:ext uri="{FF2B5EF4-FFF2-40B4-BE49-F238E27FC236}">
+                <a16:creationId xmlns:a16="http://schemas.microsoft.com/office/drawing/2014/main" id="{7D7E7D27-0EE7-40E3-9ABC-5EFBAF6DC89F}"/>
+              </a:ext>
+            </a:extLst>
+          </p:cNvPr>
+          <p:cNvSpPr/>
+          <p:nvPr/>
+        </p:nvSpPr>
+        <p:spPr>
+          <a:xfrm>
+            <a:off x="2725091" y="852535"/>
+            <a:ext cx="651849" cy="624689"/>
+          </a:xfrm>
+          <a:prstGeom prst="rect">
+            <a:avLst/>
+          </a:prstGeom>
+        </p:spPr>
+        <p:style>
+          <a:lnRef idx="2">
+            <a:schemeClr val="accent1">
+              <a:shade val="50000"/>
+            </a:schemeClr>
+          </a:lnRef>
+          <a:fillRef idx="1">
+            <a:schemeClr val="accent1"/>
+          </a:fillRef>
+          <a:effectRef idx="0">
+            <a:schemeClr val="accent1"/>
+          </a:effectRef>
+          <a:fontRef idx="minor">
+            <a:schemeClr val="lt1"/>
+          </a:fontRef>
+        </p:style>
+        <p:txBody>
+          <a:bodyPr rtlCol="0" anchor="ctr"/>
+          <a:lstStyle/>
+          <a:p>
+            <a:pPr algn="ctr"/>
+            <a:r>
+              <a:rPr lang="fr-FR" dirty="0"/>
+              <a:t>41</a:t>
+            </a:r>
+          </a:p>
+        </p:txBody>
+      </p:sp>
+      <p:sp>
+        <p:nvSpPr>
+          <p:cNvPr id="16" name="Rectangle 15">
+            <a:extLst>
+              <a:ext uri="{FF2B5EF4-FFF2-40B4-BE49-F238E27FC236}">
+                <a16:creationId xmlns:a16="http://schemas.microsoft.com/office/drawing/2014/main" id="{03FD576F-8FCA-494F-9393-A5883588CF16}"/>
+              </a:ext>
+            </a:extLst>
+          </p:cNvPr>
+          <p:cNvSpPr/>
+          <p:nvPr/>
+        </p:nvSpPr>
+        <p:spPr>
+          <a:xfrm>
+            <a:off x="1815219" y="851026"/>
+            <a:ext cx="651849" cy="624689"/>
+          </a:xfrm>
+          <a:prstGeom prst="rect">
+            <a:avLst/>
+          </a:prstGeom>
+        </p:spPr>
+        <p:style>
+          <a:lnRef idx="2">
+            <a:schemeClr val="accent1">
+              <a:shade val="50000"/>
+            </a:schemeClr>
+          </a:lnRef>
+          <a:fillRef idx="1">
+            <a:schemeClr val="accent1"/>
+          </a:fillRef>
+          <a:effectRef idx="0">
+            <a:schemeClr val="accent1"/>
+          </a:effectRef>
+          <a:fontRef idx="minor">
+            <a:schemeClr val="lt1"/>
+          </a:fontRef>
+        </p:style>
+        <p:txBody>
+          <a:bodyPr rtlCol="0" anchor="ctr"/>
+          <a:lstStyle/>
+          <a:p>
+            <a:pPr algn="ctr"/>
+            <a:r>
+              <a:rPr lang="fr-FR" dirty="0"/>
+              <a:t>10</a:t>
+            </a:r>
+          </a:p>
+        </p:txBody>
+      </p:sp>
+      <p:sp>
+        <p:nvSpPr>
+          <p:cNvPr id="18" name="Rectangle 17">
+            <a:extLst>
+              <a:ext uri="{FF2B5EF4-FFF2-40B4-BE49-F238E27FC236}">
+                <a16:creationId xmlns:a16="http://schemas.microsoft.com/office/drawing/2014/main" id="{995ACC9E-D875-42F3-B41A-611CE3547416}"/>
+              </a:ext>
+            </a:extLst>
+          </p:cNvPr>
+          <p:cNvSpPr/>
+          <p:nvPr/>
+        </p:nvSpPr>
+        <p:spPr>
+          <a:xfrm>
+            <a:off x="5413967" y="837445"/>
+            <a:ext cx="651849" cy="624689"/>
+          </a:xfrm>
+          <a:prstGeom prst="rect">
+            <a:avLst/>
+          </a:prstGeom>
+        </p:spPr>
+        <p:style>
+          <a:lnRef idx="2">
+            <a:schemeClr val="accent1">
+              <a:shade val="50000"/>
+            </a:schemeClr>
+          </a:lnRef>
+          <a:fillRef idx="1">
+            <a:schemeClr val="accent1"/>
+          </a:fillRef>
+          <a:effectRef idx="0">
+            <a:schemeClr val="accent1"/>
+          </a:effectRef>
+          <a:fontRef idx="minor">
+            <a:schemeClr val="lt1"/>
+          </a:fontRef>
+        </p:style>
+        <p:txBody>
+          <a:bodyPr rtlCol="0" anchor="ctr"/>
+          <a:lstStyle/>
+          <a:p>
+            <a:pPr algn="ctr"/>
+            <a:r>
+              <a:rPr lang="fr-FR" dirty="0"/>
+              <a:t>27</a:t>
+            </a:r>
+          </a:p>
+        </p:txBody>
+      </p:sp>
+      <p:sp>
+        <p:nvSpPr>
+          <p:cNvPr id="21" name="ZoneTexte 20">
+            <a:extLst>
+              <a:ext uri="{FF2B5EF4-FFF2-40B4-BE49-F238E27FC236}">
+                <a16:creationId xmlns:a16="http://schemas.microsoft.com/office/drawing/2014/main" id="{7BF83664-416F-421B-897D-B524C2D82A2C}"/>
+              </a:ext>
+            </a:extLst>
+          </p:cNvPr>
+          <p:cNvSpPr txBox="1"/>
+          <p:nvPr/>
+        </p:nvSpPr>
+        <p:spPr>
+          <a:xfrm>
+            <a:off x="6930385" y="81481"/>
+            <a:ext cx="1204176" cy="369332"/>
+          </a:xfrm>
+          <a:prstGeom prst="rect">
+            <a:avLst/>
+          </a:prstGeom>
+          <a:noFill/>
+        </p:spPr>
+        <p:txBody>
+          <a:bodyPr wrap="none" rtlCol="0">
+            <a:spAutoFit/>
+          </a:bodyPr>
+          <a:lstStyle/>
+          <a:p>
+            <a:r>
+              <a:rPr lang="fr-FR" dirty="0">
+                <a:solidFill>
+                  <a:schemeClr val="bg1"/>
+                </a:solidFill>
+              </a:rPr>
+              <a:t>Minimum</a:t>
+            </a:r>
+          </a:p>
+        </p:txBody>
+      </p:sp>
+      <p:cxnSp>
+        <p:nvCxnSpPr>
+          <p:cNvPr id="23" name="Connecteur droit avec flèche 22">
+            <a:extLst>
+              <a:ext uri="{FF2B5EF4-FFF2-40B4-BE49-F238E27FC236}">
+                <a16:creationId xmlns:a16="http://schemas.microsoft.com/office/drawing/2014/main" id="{73DA6B45-E50C-4DFF-AAFB-39E4954D44CB}"/>
+              </a:ext>
+            </a:extLst>
+          </p:cNvPr>
+          <p:cNvCxnSpPr>
+            <a:cxnSpLocks/>
+            <a:stCxn id="21" idx="2"/>
+            <a:endCxn id="3" idx="0"/>
+          </p:cNvCxnSpPr>
+          <p:nvPr/>
+        </p:nvCxnSpPr>
+        <p:spPr>
+          <a:xfrm>
+            <a:off x="7532473" y="450813"/>
+            <a:ext cx="2" cy="400213"/>
+          </a:xfrm>
+          <a:prstGeom prst="straightConnector1">
+            <a:avLst/>
+          </a:prstGeom>
+          <a:ln>
+            <a:solidFill>
+              <a:schemeClr val="bg1">
+                <a:alpha val="60000"/>
+              </a:schemeClr>
+            </a:solidFill>
+            <a:tailEnd type="triangle"/>
+          </a:ln>
+        </p:spPr>
+        <p:style>
+          <a:lnRef idx="1">
+            <a:schemeClr val="accent1"/>
+          </a:lnRef>
+          <a:fillRef idx="0">
+            <a:schemeClr val="accent1"/>
+          </a:fillRef>
+          <a:effectRef idx="0">
+            <a:schemeClr val="accent1"/>
+          </a:effectRef>
+          <a:fontRef idx="minor">
+            <a:schemeClr val="tx1"/>
+          </a:fontRef>
+        </p:style>
+      </p:cxnSp>
+      <p:sp>
+        <p:nvSpPr>
+          <p:cNvPr id="2" name="ZoneTexte 1">
+            <a:extLst>
+              <a:ext uri="{FF2B5EF4-FFF2-40B4-BE49-F238E27FC236}">
+                <a16:creationId xmlns:a16="http://schemas.microsoft.com/office/drawing/2014/main" id="{E517851D-8C92-414A-BEA7-4A57A56E3766}"/>
+              </a:ext>
+            </a:extLst>
+          </p:cNvPr>
+          <p:cNvSpPr txBox="1"/>
+          <p:nvPr/>
+        </p:nvSpPr>
+        <p:spPr>
+          <a:xfrm>
+            <a:off x="1815219" y="4671588"/>
+            <a:ext cx="3534942" cy="523220"/>
+          </a:xfrm>
+          <a:prstGeom prst="rect">
+            <a:avLst/>
+          </a:prstGeom>
+          <a:noFill/>
+        </p:spPr>
+        <p:txBody>
+          <a:bodyPr wrap="none" rtlCol="0">
+            <a:spAutoFit/>
+          </a:bodyPr>
+          <a:lstStyle/>
+          <a:p>
+            <a:r>
+              <a:rPr lang="fr-FR" sz="2800" dirty="0"/>
+              <a:t>Trouver le minimum</a:t>
+            </a:r>
+          </a:p>
+        </p:txBody>
+      </p:sp>
+      <p:sp>
+        <p:nvSpPr>
+          <p:cNvPr id="3" name="Rectangle 2">
+            <a:extLst>
+              <a:ext uri="{FF2B5EF4-FFF2-40B4-BE49-F238E27FC236}">
+                <a16:creationId xmlns:a16="http://schemas.microsoft.com/office/drawing/2014/main" id="{A189038A-19DB-4F75-B565-CF0D1DCBB074}"/>
+              </a:ext>
+            </a:extLst>
+          </p:cNvPr>
+          <p:cNvSpPr/>
+          <p:nvPr/>
+        </p:nvSpPr>
+        <p:spPr>
+          <a:xfrm>
+            <a:off x="7206550" y="851026"/>
+            <a:ext cx="651849" cy="624689"/>
+          </a:xfrm>
+          <a:prstGeom prst="rect">
+            <a:avLst/>
+          </a:prstGeom>
+        </p:spPr>
+        <p:style>
+          <a:lnRef idx="2">
+            <a:schemeClr val="accent1">
+              <a:shade val="50000"/>
+            </a:schemeClr>
+          </a:lnRef>
+          <a:fillRef idx="1">
+            <a:schemeClr val="accent1"/>
+          </a:fillRef>
+          <a:effectRef idx="0">
+            <a:schemeClr val="accent1"/>
+          </a:effectRef>
+          <a:fontRef idx="minor">
+            <a:schemeClr val="lt1"/>
+          </a:fontRef>
+        </p:style>
+        <p:txBody>
+          <a:bodyPr rtlCol="0" anchor="ctr"/>
+          <a:lstStyle/>
+          <a:p>
+            <a:pPr algn="ctr"/>
+            <a:r>
+              <a:rPr lang="fr-FR" dirty="0"/>
+              <a:t>0</a:t>
+            </a:r>
+          </a:p>
+        </p:txBody>
+      </p:sp>
+      <p:cxnSp>
+        <p:nvCxnSpPr>
+          <p:cNvPr id="7" name="Connecteur droit avec flèche 6">
+            <a:extLst>
+              <a:ext uri="{FF2B5EF4-FFF2-40B4-BE49-F238E27FC236}">
+                <a16:creationId xmlns:a16="http://schemas.microsoft.com/office/drawing/2014/main" id="{89480884-F70E-4476-9234-6DC39CE85CFA}"/>
+              </a:ext>
+            </a:extLst>
+          </p:cNvPr>
+          <p:cNvCxnSpPr>
+            <a:cxnSpLocks/>
+          </p:cNvCxnSpPr>
+          <p:nvPr/>
+        </p:nvCxnSpPr>
+        <p:spPr>
+          <a:xfrm flipV="1">
+            <a:off x="5183104" y="1475715"/>
+            <a:ext cx="2041561" cy="3114393"/>
+          </a:xfrm>
+          <a:prstGeom prst="straightConnector1">
+            <a:avLst/>
+          </a:prstGeom>
+          <a:ln>
+            <a:solidFill>
+              <a:schemeClr val="bg1">
+                <a:alpha val="60000"/>
+              </a:schemeClr>
+            </a:solidFill>
+            <a:tailEnd type="triangle"/>
+          </a:ln>
+        </p:spPr>
+        <p:style>
+          <a:lnRef idx="1">
+            <a:schemeClr val="accent1"/>
+          </a:lnRef>
+          <a:fillRef idx="0">
+            <a:schemeClr val="accent1"/>
+          </a:fillRef>
+          <a:effectRef idx="0">
+            <a:schemeClr val="accent1"/>
+          </a:effectRef>
+          <a:fontRef idx="minor">
+            <a:schemeClr val="tx1"/>
+          </a:fontRef>
+        </p:style>
+      </p:cxnSp>
+    </p:spTree>
+    <p:extLst>
+      <p:ext uri="{BB962C8B-B14F-4D97-AF65-F5344CB8AC3E}">
+        <p14:creationId xmlns:p14="http://schemas.microsoft.com/office/powerpoint/2010/main" val="3842869157"/>
+      </p:ext>
+    </p:extLst>
+  </p:cSld>
+  <p:clrMapOvr>
+    <a:masterClrMapping/>
+  </p:clrMapOvr>
+</p:sld>
+</file>
+
+<file path=ppt/slides/slide13.xml><?xml version="1.0" encoding="utf-8"?>
+<p:sld xmlns:a="http://schemas.openxmlformats.org/drawingml/2006/main" xmlns:r="http://schemas.openxmlformats.org/officeDocument/2006/relationships" xmlns:p="http://schemas.openxmlformats.org/presentationml/2006/main">
+  <p:cSld>
+    <p:spTree>
+      <p:nvGrpSpPr>
+        <p:cNvPr id="1" name=""/>
+        <p:cNvGrpSpPr/>
+        <p:nvPr/>
+      </p:nvGrpSpPr>
+      <p:grpSpPr>
+        <a:xfrm>
+          <a:off x="0" y="0"/>
+          <a:ext cx="0" cy="0"/>
+          <a:chOff x="0" y="0"/>
+          <a:chExt cx="0" cy="0"/>
+        </a:xfrm>
+      </p:grpSpPr>
+      <p:sp>
+        <p:nvSpPr>
+          <p:cNvPr id="4" name="Rectangle 3">
+            <a:extLst>
+              <a:ext uri="{FF2B5EF4-FFF2-40B4-BE49-F238E27FC236}">
+                <a16:creationId xmlns:a16="http://schemas.microsoft.com/office/drawing/2014/main" id="{42CA08E4-B55C-4CBA-8A8A-F6E7B963880C}"/>
+              </a:ext>
+            </a:extLst>
+          </p:cNvPr>
+          <p:cNvSpPr/>
+          <p:nvPr/>
+        </p:nvSpPr>
+        <p:spPr>
+          <a:xfrm>
+            <a:off x="905347" y="851026"/>
+            <a:ext cx="651849" cy="624689"/>
+          </a:xfrm>
+          <a:prstGeom prst="rect">
+            <a:avLst/>
+          </a:prstGeom>
+        </p:spPr>
+        <p:style>
+          <a:lnRef idx="2">
+            <a:schemeClr val="accent1">
+              <a:shade val="50000"/>
+            </a:schemeClr>
+          </a:lnRef>
+          <a:fillRef idx="1">
+            <a:schemeClr val="accent1"/>
+          </a:fillRef>
+          <a:effectRef idx="0">
+            <a:schemeClr val="accent1"/>
+          </a:effectRef>
+          <a:fontRef idx="minor">
+            <a:schemeClr val="lt1"/>
+          </a:fontRef>
+        </p:style>
+        <p:txBody>
+          <a:bodyPr rtlCol="0" anchor="ctr"/>
+          <a:lstStyle/>
+          <a:p>
+            <a:pPr algn="ctr"/>
+            <a:r>
+              <a:rPr lang="fr-FR" dirty="0"/>
+              <a:t>5</a:t>
+            </a:r>
+          </a:p>
+        </p:txBody>
+      </p:sp>
+      <p:sp>
+        <p:nvSpPr>
+          <p:cNvPr id="6" name="Rectangle 5">
+            <a:extLst>
+              <a:ext uri="{FF2B5EF4-FFF2-40B4-BE49-F238E27FC236}">
+                <a16:creationId xmlns:a16="http://schemas.microsoft.com/office/drawing/2014/main" id="{4A554B94-F045-4FEA-984D-5C7314FAC83A}"/>
+              </a:ext>
+            </a:extLst>
+          </p:cNvPr>
+          <p:cNvSpPr/>
+          <p:nvPr/>
+        </p:nvSpPr>
+        <p:spPr>
+          <a:xfrm>
+            <a:off x="6323839" y="837446"/>
+            <a:ext cx="651849" cy="624689"/>
+          </a:xfrm>
+          <a:prstGeom prst="rect">
+            <a:avLst/>
+          </a:prstGeom>
+        </p:spPr>
+        <p:style>
+          <a:lnRef idx="2">
+            <a:schemeClr val="accent1">
+              <a:shade val="50000"/>
+            </a:schemeClr>
+          </a:lnRef>
+          <a:fillRef idx="1">
+            <a:schemeClr val="accent1"/>
+          </a:fillRef>
+          <a:effectRef idx="0">
+            <a:schemeClr val="accent1"/>
+          </a:effectRef>
+          <a:fontRef idx="minor">
+            <a:schemeClr val="lt1"/>
+          </a:fontRef>
+        </p:style>
+        <p:txBody>
+          <a:bodyPr rtlCol="0" anchor="ctr"/>
+          <a:lstStyle/>
+          <a:p>
+            <a:pPr algn="ctr"/>
+            <a:r>
+              <a:rPr lang="fr-FR" dirty="0"/>
+              <a:t>18</a:t>
+            </a:r>
+          </a:p>
+        </p:txBody>
+      </p:sp>
+      <p:sp>
+        <p:nvSpPr>
+          <p:cNvPr id="10" name="Rectangle 9">
+            <a:extLst>
+              <a:ext uri="{FF2B5EF4-FFF2-40B4-BE49-F238E27FC236}">
+                <a16:creationId xmlns:a16="http://schemas.microsoft.com/office/drawing/2014/main" id="{AA5DD5E5-6A2A-4548-A08C-DD931FBD3769}"/>
+              </a:ext>
+            </a:extLst>
+          </p:cNvPr>
+          <p:cNvSpPr/>
+          <p:nvPr/>
+        </p:nvSpPr>
+        <p:spPr>
+          <a:xfrm>
+            <a:off x="4531255" y="843481"/>
+            <a:ext cx="651849" cy="624689"/>
+          </a:xfrm>
+          <a:prstGeom prst="rect">
+            <a:avLst/>
+          </a:prstGeom>
+        </p:spPr>
+        <p:style>
+          <a:lnRef idx="2">
+            <a:schemeClr val="accent1">
+              <a:shade val="50000"/>
+            </a:schemeClr>
+          </a:lnRef>
+          <a:fillRef idx="1">
+            <a:schemeClr val="accent1"/>
+          </a:fillRef>
+          <a:effectRef idx="0">
+            <a:schemeClr val="accent1"/>
+          </a:effectRef>
+          <a:fontRef idx="minor">
+            <a:schemeClr val="lt1"/>
+          </a:fontRef>
+        </p:style>
+        <p:txBody>
+          <a:bodyPr rtlCol="0" anchor="ctr"/>
+          <a:lstStyle/>
+          <a:p>
+            <a:pPr algn="ctr"/>
+            <a:r>
+              <a:rPr lang="fr-FR" dirty="0"/>
+              <a:t>9</a:t>
+            </a:r>
+          </a:p>
+        </p:txBody>
+      </p:sp>
+      <p:sp>
+        <p:nvSpPr>
+          <p:cNvPr id="12" name="Rectangle 11">
+            <a:extLst>
+              <a:ext uri="{FF2B5EF4-FFF2-40B4-BE49-F238E27FC236}">
+                <a16:creationId xmlns:a16="http://schemas.microsoft.com/office/drawing/2014/main" id="{01000056-17C3-4074-8CC8-640819CC4C2F}"/>
+              </a:ext>
+            </a:extLst>
+          </p:cNvPr>
+          <p:cNvSpPr/>
+          <p:nvPr/>
+        </p:nvSpPr>
+        <p:spPr>
+          <a:xfrm>
+            <a:off x="3621383" y="851026"/>
+            <a:ext cx="651849" cy="624689"/>
+          </a:xfrm>
+          <a:prstGeom prst="rect">
+            <a:avLst/>
+          </a:prstGeom>
+        </p:spPr>
+        <p:style>
+          <a:lnRef idx="2">
+            <a:schemeClr val="accent1">
+              <a:shade val="50000"/>
+            </a:schemeClr>
+          </a:lnRef>
+          <a:fillRef idx="1">
+            <a:schemeClr val="accent1"/>
+          </a:fillRef>
+          <a:effectRef idx="0">
+            <a:schemeClr val="accent1"/>
+          </a:effectRef>
+          <a:fontRef idx="minor">
+            <a:schemeClr val="lt1"/>
+          </a:fontRef>
+        </p:style>
+        <p:txBody>
+          <a:bodyPr rtlCol="0" anchor="ctr"/>
+          <a:lstStyle/>
+          <a:p>
+            <a:pPr algn="ctr"/>
+            <a:r>
+              <a:rPr lang="fr-FR" dirty="0"/>
+              <a:t>1</a:t>
+            </a:r>
+          </a:p>
+        </p:txBody>
+      </p:sp>
+      <p:sp>
+        <p:nvSpPr>
+          <p:cNvPr id="14" name="Rectangle 13">
+            <a:extLst>
+              <a:ext uri="{FF2B5EF4-FFF2-40B4-BE49-F238E27FC236}">
+                <a16:creationId xmlns:a16="http://schemas.microsoft.com/office/drawing/2014/main" id="{7D7E7D27-0EE7-40E3-9ABC-5EFBAF6DC89F}"/>
+              </a:ext>
+            </a:extLst>
+          </p:cNvPr>
+          <p:cNvSpPr/>
+          <p:nvPr/>
+        </p:nvSpPr>
+        <p:spPr>
+          <a:xfrm>
+            <a:off x="2725091" y="852535"/>
+            <a:ext cx="651849" cy="624689"/>
+          </a:xfrm>
+          <a:prstGeom prst="rect">
+            <a:avLst/>
+          </a:prstGeom>
+        </p:spPr>
+        <p:style>
+          <a:lnRef idx="2">
+            <a:schemeClr val="accent1">
+              <a:shade val="50000"/>
+            </a:schemeClr>
+          </a:lnRef>
+          <a:fillRef idx="1">
+            <a:schemeClr val="accent1"/>
+          </a:fillRef>
+          <a:effectRef idx="0">
+            <a:schemeClr val="accent1"/>
+          </a:effectRef>
+          <a:fontRef idx="minor">
+            <a:schemeClr val="lt1"/>
+          </a:fontRef>
+        </p:style>
+        <p:txBody>
+          <a:bodyPr rtlCol="0" anchor="ctr"/>
+          <a:lstStyle/>
+          <a:p>
+            <a:pPr algn="ctr"/>
+            <a:r>
+              <a:rPr lang="fr-FR" dirty="0"/>
+              <a:t>41</a:t>
+            </a:r>
+          </a:p>
+        </p:txBody>
+      </p:sp>
+      <p:sp>
+        <p:nvSpPr>
+          <p:cNvPr id="16" name="Rectangle 15">
+            <a:extLst>
+              <a:ext uri="{FF2B5EF4-FFF2-40B4-BE49-F238E27FC236}">
+                <a16:creationId xmlns:a16="http://schemas.microsoft.com/office/drawing/2014/main" id="{03FD576F-8FCA-494F-9393-A5883588CF16}"/>
+              </a:ext>
+            </a:extLst>
+          </p:cNvPr>
+          <p:cNvSpPr/>
+          <p:nvPr/>
+        </p:nvSpPr>
+        <p:spPr>
+          <a:xfrm>
+            <a:off x="1815219" y="851026"/>
+            <a:ext cx="651849" cy="624689"/>
+          </a:xfrm>
+          <a:prstGeom prst="rect">
+            <a:avLst/>
+          </a:prstGeom>
+        </p:spPr>
+        <p:style>
+          <a:lnRef idx="2">
+            <a:schemeClr val="accent1">
+              <a:shade val="50000"/>
+            </a:schemeClr>
+          </a:lnRef>
+          <a:fillRef idx="1">
+            <a:schemeClr val="accent1"/>
+          </a:fillRef>
+          <a:effectRef idx="0">
+            <a:schemeClr val="accent1"/>
+          </a:effectRef>
+          <a:fontRef idx="minor">
+            <a:schemeClr val="lt1"/>
+          </a:fontRef>
+        </p:style>
+        <p:txBody>
+          <a:bodyPr rtlCol="0" anchor="ctr"/>
+          <a:lstStyle/>
+          <a:p>
+            <a:pPr algn="ctr"/>
+            <a:r>
+              <a:rPr lang="fr-FR" dirty="0"/>
+              <a:t>10</a:t>
+            </a:r>
+          </a:p>
+        </p:txBody>
+      </p:sp>
+      <p:sp>
+        <p:nvSpPr>
+          <p:cNvPr id="18" name="Rectangle 17">
+            <a:extLst>
+              <a:ext uri="{FF2B5EF4-FFF2-40B4-BE49-F238E27FC236}">
+                <a16:creationId xmlns:a16="http://schemas.microsoft.com/office/drawing/2014/main" id="{995ACC9E-D875-42F3-B41A-611CE3547416}"/>
+              </a:ext>
+            </a:extLst>
+          </p:cNvPr>
+          <p:cNvSpPr/>
+          <p:nvPr/>
+        </p:nvSpPr>
+        <p:spPr>
+          <a:xfrm>
+            <a:off x="5413967" y="837445"/>
+            <a:ext cx="651849" cy="624689"/>
+          </a:xfrm>
+          <a:prstGeom prst="rect">
+            <a:avLst/>
+          </a:prstGeom>
+        </p:spPr>
+        <p:style>
+          <a:lnRef idx="2">
+            <a:schemeClr val="accent1">
+              <a:shade val="50000"/>
+            </a:schemeClr>
+          </a:lnRef>
+          <a:fillRef idx="1">
+            <a:schemeClr val="accent1"/>
+          </a:fillRef>
+          <a:effectRef idx="0">
+            <a:schemeClr val="accent1"/>
+          </a:effectRef>
+          <a:fontRef idx="minor">
+            <a:schemeClr val="lt1"/>
+          </a:fontRef>
+        </p:style>
+        <p:txBody>
+          <a:bodyPr rtlCol="0" anchor="ctr"/>
+          <a:lstStyle/>
+          <a:p>
+            <a:pPr algn="ctr"/>
+            <a:r>
+              <a:rPr lang="fr-FR" dirty="0"/>
+              <a:t>27</a:t>
+            </a:r>
+          </a:p>
+        </p:txBody>
+      </p:sp>
+      <p:sp>
+        <p:nvSpPr>
+          <p:cNvPr id="21" name="ZoneTexte 20">
+            <a:extLst>
+              <a:ext uri="{FF2B5EF4-FFF2-40B4-BE49-F238E27FC236}">
+                <a16:creationId xmlns:a16="http://schemas.microsoft.com/office/drawing/2014/main" id="{7BF83664-416F-421B-897D-B524C2D82A2C}"/>
+              </a:ext>
+            </a:extLst>
+          </p:cNvPr>
+          <p:cNvSpPr txBox="1"/>
+          <p:nvPr/>
+        </p:nvSpPr>
+        <p:spPr>
+          <a:xfrm>
+            <a:off x="6930385" y="81481"/>
+            <a:ext cx="1204176" cy="369332"/>
+          </a:xfrm>
+          <a:prstGeom prst="rect">
+            <a:avLst/>
+          </a:prstGeom>
+          <a:noFill/>
+        </p:spPr>
+        <p:txBody>
+          <a:bodyPr wrap="none" rtlCol="0">
+            <a:spAutoFit/>
+          </a:bodyPr>
+          <a:lstStyle/>
+          <a:p>
+            <a:r>
+              <a:rPr lang="fr-FR" dirty="0">
+                <a:solidFill>
+                  <a:schemeClr val="bg1"/>
+                </a:solidFill>
+              </a:rPr>
+              <a:t>Minimum</a:t>
+            </a:r>
+          </a:p>
+        </p:txBody>
+      </p:sp>
+      <p:cxnSp>
+        <p:nvCxnSpPr>
+          <p:cNvPr id="23" name="Connecteur droit avec flèche 22">
+            <a:extLst>
+              <a:ext uri="{FF2B5EF4-FFF2-40B4-BE49-F238E27FC236}">
+                <a16:creationId xmlns:a16="http://schemas.microsoft.com/office/drawing/2014/main" id="{73DA6B45-E50C-4DFF-AAFB-39E4954D44CB}"/>
+              </a:ext>
+            </a:extLst>
+          </p:cNvPr>
+          <p:cNvCxnSpPr>
+            <a:cxnSpLocks/>
+            <a:stCxn id="21" idx="2"/>
+            <a:endCxn id="3" idx="0"/>
+          </p:cNvCxnSpPr>
+          <p:nvPr/>
+        </p:nvCxnSpPr>
+        <p:spPr>
+          <a:xfrm>
+            <a:off x="7532473" y="450813"/>
+            <a:ext cx="2" cy="400213"/>
+          </a:xfrm>
+          <a:prstGeom prst="straightConnector1">
+            <a:avLst/>
+          </a:prstGeom>
+          <a:ln>
+            <a:solidFill>
+              <a:schemeClr val="bg1">
+                <a:alpha val="60000"/>
+              </a:schemeClr>
+            </a:solidFill>
+            <a:tailEnd type="triangle"/>
+          </a:ln>
+        </p:spPr>
+        <p:style>
+          <a:lnRef idx="1">
+            <a:schemeClr val="accent1"/>
+          </a:lnRef>
+          <a:fillRef idx="0">
+            <a:schemeClr val="accent1"/>
+          </a:fillRef>
+          <a:effectRef idx="0">
+            <a:schemeClr val="accent1"/>
+          </a:effectRef>
+          <a:fontRef idx="minor">
+            <a:schemeClr val="tx1"/>
+          </a:fontRef>
+        </p:style>
+      </p:cxnSp>
+      <p:sp>
+        <p:nvSpPr>
+          <p:cNvPr id="2" name="ZoneTexte 1">
+            <a:extLst>
+              <a:ext uri="{FF2B5EF4-FFF2-40B4-BE49-F238E27FC236}">
+                <a16:creationId xmlns:a16="http://schemas.microsoft.com/office/drawing/2014/main" id="{E517851D-8C92-414A-BEA7-4A57A56E3766}"/>
+              </a:ext>
+            </a:extLst>
+          </p:cNvPr>
+          <p:cNvSpPr txBox="1"/>
+          <p:nvPr/>
+        </p:nvSpPr>
+        <p:spPr>
+          <a:xfrm>
+            <a:off x="1815219" y="4671588"/>
+            <a:ext cx="1805302" cy="523220"/>
+          </a:xfrm>
+          <a:prstGeom prst="rect">
+            <a:avLst/>
+          </a:prstGeom>
+          <a:noFill/>
+        </p:spPr>
+        <p:txBody>
+          <a:bodyPr wrap="none" rtlCol="0">
+            <a:spAutoFit/>
+          </a:bodyPr>
+          <a:lstStyle/>
+          <a:p>
+            <a:r>
+              <a:rPr lang="fr-FR" sz="2800" dirty="0"/>
+              <a:t>Fusionner</a:t>
+            </a:r>
+          </a:p>
+        </p:txBody>
+      </p:sp>
+      <p:sp>
+        <p:nvSpPr>
+          <p:cNvPr id="3" name="Rectangle 2">
+            <a:extLst>
+              <a:ext uri="{FF2B5EF4-FFF2-40B4-BE49-F238E27FC236}">
+                <a16:creationId xmlns:a16="http://schemas.microsoft.com/office/drawing/2014/main" id="{A189038A-19DB-4F75-B565-CF0D1DCBB074}"/>
+              </a:ext>
+            </a:extLst>
+          </p:cNvPr>
+          <p:cNvSpPr/>
+          <p:nvPr/>
+        </p:nvSpPr>
+        <p:spPr>
+          <a:xfrm>
+            <a:off x="7206550" y="851026"/>
+            <a:ext cx="651849" cy="624689"/>
+          </a:xfrm>
+          <a:prstGeom prst="rect">
+            <a:avLst/>
+          </a:prstGeom>
+        </p:spPr>
+        <p:style>
+          <a:lnRef idx="2">
+            <a:schemeClr val="accent1">
+              <a:shade val="50000"/>
+            </a:schemeClr>
+          </a:lnRef>
+          <a:fillRef idx="1">
+            <a:schemeClr val="accent1"/>
+          </a:fillRef>
+          <a:effectRef idx="0">
+            <a:schemeClr val="accent1"/>
+          </a:effectRef>
+          <a:fontRef idx="minor">
+            <a:schemeClr val="lt1"/>
+          </a:fontRef>
+        </p:style>
+        <p:txBody>
+          <a:bodyPr rtlCol="0" anchor="ctr"/>
+          <a:lstStyle/>
+          <a:p>
+            <a:pPr algn="ctr"/>
+            <a:r>
+              <a:rPr lang="fr-FR" dirty="0"/>
+              <a:t>0</a:t>
+            </a:r>
+          </a:p>
+        </p:txBody>
+      </p:sp>
+      <p:cxnSp>
+        <p:nvCxnSpPr>
+          <p:cNvPr id="8" name="Connecteur droit 7">
+            <a:extLst>
+              <a:ext uri="{FF2B5EF4-FFF2-40B4-BE49-F238E27FC236}">
+                <a16:creationId xmlns:a16="http://schemas.microsoft.com/office/drawing/2014/main" id="{5DCF4C61-4904-46A5-8CB0-95DB8F6FEDAF}"/>
+              </a:ext>
+            </a:extLst>
+          </p:cNvPr>
+          <p:cNvCxnSpPr/>
+          <p:nvPr/>
+        </p:nvCxnSpPr>
+        <p:spPr>
+          <a:xfrm>
+            <a:off x="905347" y="1602463"/>
+            <a:ext cx="6953052" cy="0"/>
+          </a:xfrm>
+          <a:prstGeom prst="line">
+            <a:avLst/>
+          </a:prstGeom>
+          <a:ln>
+            <a:solidFill>
+              <a:srgbClr val="FF0000">
+                <a:alpha val="60000"/>
+              </a:srgbClr>
+            </a:solidFill>
+          </a:ln>
+        </p:spPr>
+        <p:style>
+          <a:lnRef idx="1">
+            <a:schemeClr val="accent1"/>
+          </a:lnRef>
+          <a:fillRef idx="0">
+            <a:schemeClr val="accent1"/>
+          </a:fillRef>
+          <a:effectRef idx="0">
+            <a:schemeClr val="accent1"/>
+          </a:effectRef>
+          <a:fontRef idx="minor">
+            <a:schemeClr val="tx1"/>
+          </a:fontRef>
+        </p:style>
+      </p:cxnSp>
+    </p:spTree>
+    <p:extLst>
+      <p:ext uri="{BB962C8B-B14F-4D97-AF65-F5344CB8AC3E}">
+        <p14:creationId xmlns:p14="http://schemas.microsoft.com/office/powerpoint/2010/main" val="3287148847"/>
+      </p:ext>
+    </p:extLst>
+  </p:cSld>
+  <p:clrMapOvr>
+    <a:masterClrMapping/>
+  </p:clrMapOvr>
+</p:sld>
+</file>
+
+<file path=ppt/slides/slide14.xml><?xml version="1.0" encoding="utf-8"?>
+<p:sld xmlns:a="http://schemas.openxmlformats.org/drawingml/2006/main" xmlns:r="http://schemas.openxmlformats.org/officeDocument/2006/relationships" xmlns:p="http://schemas.openxmlformats.org/presentationml/2006/main">
+  <p:cSld>
+    <p:spTree>
+      <p:nvGrpSpPr>
+        <p:cNvPr id="1" name=""/>
+        <p:cNvGrpSpPr/>
+        <p:nvPr/>
+      </p:nvGrpSpPr>
+      <p:grpSpPr>
+        <a:xfrm>
+          <a:off x="0" y="0"/>
+          <a:ext cx="0" cy="0"/>
+          <a:chOff x="0" y="0"/>
+          <a:chExt cx="0" cy="0"/>
+        </a:xfrm>
+      </p:grpSpPr>
+      <p:sp>
+        <p:nvSpPr>
+          <p:cNvPr id="4" name="Rectangle 3">
+            <a:extLst>
+              <a:ext uri="{FF2B5EF4-FFF2-40B4-BE49-F238E27FC236}">
+                <a16:creationId xmlns:a16="http://schemas.microsoft.com/office/drawing/2014/main" id="{42CA08E4-B55C-4CBA-8A8A-F6E7B963880C}"/>
+              </a:ext>
+            </a:extLst>
+          </p:cNvPr>
+          <p:cNvSpPr/>
+          <p:nvPr/>
+        </p:nvSpPr>
+        <p:spPr>
+          <a:xfrm>
+            <a:off x="905347" y="851026"/>
+            <a:ext cx="651849" cy="624689"/>
+          </a:xfrm>
+          <a:prstGeom prst="rect">
+            <a:avLst/>
+          </a:prstGeom>
+        </p:spPr>
+        <p:style>
+          <a:lnRef idx="2">
+            <a:schemeClr val="accent1">
+              <a:shade val="50000"/>
+            </a:schemeClr>
+          </a:lnRef>
+          <a:fillRef idx="1">
+            <a:schemeClr val="accent1"/>
+          </a:fillRef>
+          <a:effectRef idx="0">
+            <a:schemeClr val="accent1"/>
+          </a:effectRef>
+          <a:fontRef idx="minor">
+            <a:schemeClr val="lt1"/>
+          </a:fontRef>
+        </p:style>
+        <p:txBody>
+          <a:bodyPr rtlCol="0" anchor="ctr"/>
+          <a:lstStyle/>
+          <a:p>
+            <a:pPr algn="ctr"/>
+            <a:r>
+              <a:rPr lang="fr-FR" dirty="0"/>
+              <a:t>5</a:t>
+            </a:r>
+          </a:p>
+        </p:txBody>
+      </p:sp>
+      <p:sp>
+        <p:nvSpPr>
+          <p:cNvPr id="6" name="Rectangle 5">
+            <a:extLst>
+              <a:ext uri="{FF2B5EF4-FFF2-40B4-BE49-F238E27FC236}">
+                <a16:creationId xmlns:a16="http://schemas.microsoft.com/office/drawing/2014/main" id="{4A554B94-F045-4FEA-984D-5C7314FAC83A}"/>
+              </a:ext>
+            </a:extLst>
+          </p:cNvPr>
+          <p:cNvSpPr/>
+          <p:nvPr/>
+        </p:nvSpPr>
+        <p:spPr>
+          <a:xfrm>
+            <a:off x="6323839" y="837446"/>
+            <a:ext cx="651849" cy="624689"/>
+          </a:xfrm>
+          <a:prstGeom prst="rect">
+            <a:avLst/>
+          </a:prstGeom>
+        </p:spPr>
+        <p:style>
+          <a:lnRef idx="2">
+            <a:schemeClr val="accent1">
+              <a:shade val="50000"/>
+            </a:schemeClr>
+          </a:lnRef>
+          <a:fillRef idx="1">
+            <a:schemeClr val="accent1"/>
+          </a:fillRef>
+          <a:effectRef idx="0">
+            <a:schemeClr val="accent1"/>
+          </a:effectRef>
+          <a:fontRef idx="minor">
+            <a:schemeClr val="lt1"/>
+          </a:fontRef>
+        </p:style>
+        <p:txBody>
+          <a:bodyPr rtlCol="0" anchor="ctr"/>
+          <a:lstStyle/>
+          <a:p>
+            <a:pPr algn="ctr"/>
+            <a:r>
+              <a:rPr lang="fr-FR" dirty="0"/>
+              <a:t>18</a:t>
+            </a:r>
+          </a:p>
+        </p:txBody>
+      </p:sp>
+      <p:sp>
+        <p:nvSpPr>
+          <p:cNvPr id="10" name="Rectangle 9">
+            <a:extLst>
+              <a:ext uri="{FF2B5EF4-FFF2-40B4-BE49-F238E27FC236}">
+                <a16:creationId xmlns:a16="http://schemas.microsoft.com/office/drawing/2014/main" id="{AA5DD5E5-6A2A-4548-A08C-DD931FBD3769}"/>
+              </a:ext>
+            </a:extLst>
+          </p:cNvPr>
+          <p:cNvSpPr/>
+          <p:nvPr/>
+        </p:nvSpPr>
+        <p:spPr>
+          <a:xfrm>
+            <a:off x="4531255" y="843481"/>
+            <a:ext cx="651849" cy="624689"/>
+          </a:xfrm>
+          <a:prstGeom prst="rect">
+            <a:avLst/>
+          </a:prstGeom>
+        </p:spPr>
+        <p:style>
+          <a:lnRef idx="2">
+            <a:schemeClr val="accent1">
+              <a:shade val="50000"/>
+            </a:schemeClr>
+          </a:lnRef>
+          <a:fillRef idx="1">
+            <a:schemeClr val="accent1"/>
+          </a:fillRef>
+          <a:effectRef idx="0">
+            <a:schemeClr val="accent1"/>
+          </a:effectRef>
+          <a:fontRef idx="minor">
+            <a:schemeClr val="lt1"/>
+          </a:fontRef>
+        </p:style>
+        <p:txBody>
+          <a:bodyPr rtlCol="0" anchor="ctr"/>
+          <a:lstStyle/>
+          <a:p>
+            <a:pPr algn="ctr"/>
+            <a:r>
+              <a:rPr lang="fr-FR" dirty="0"/>
+              <a:t>9</a:t>
+            </a:r>
+          </a:p>
+        </p:txBody>
+      </p:sp>
+      <p:sp>
+        <p:nvSpPr>
+          <p:cNvPr id="12" name="Rectangle 11">
+            <a:extLst>
+              <a:ext uri="{FF2B5EF4-FFF2-40B4-BE49-F238E27FC236}">
+                <a16:creationId xmlns:a16="http://schemas.microsoft.com/office/drawing/2014/main" id="{01000056-17C3-4074-8CC8-640819CC4C2F}"/>
+              </a:ext>
+            </a:extLst>
+          </p:cNvPr>
+          <p:cNvSpPr/>
+          <p:nvPr/>
+        </p:nvSpPr>
+        <p:spPr>
+          <a:xfrm>
+            <a:off x="3621383" y="851026"/>
+            <a:ext cx="651849" cy="624689"/>
+          </a:xfrm>
+          <a:prstGeom prst="rect">
+            <a:avLst/>
+          </a:prstGeom>
+        </p:spPr>
+        <p:style>
+          <a:lnRef idx="2">
+            <a:schemeClr val="accent1">
+              <a:shade val="50000"/>
+            </a:schemeClr>
+          </a:lnRef>
+          <a:fillRef idx="1">
+            <a:schemeClr val="accent1"/>
+          </a:fillRef>
+          <a:effectRef idx="0">
+            <a:schemeClr val="accent1"/>
+          </a:effectRef>
+          <a:fontRef idx="minor">
+            <a:schemeClr val="lt1"/>
+          </a:fontRef>
+        </p:style>
+        <p:txBody>
+          <a:bodyPr rtlCol="0" anchor="ctr"/>
+          <a:lstStyle/>
+          <a:p>
+            <a:pPr algn="ctr"/>
+            <a:r>
+              <a:rPr lang="fr-FR" dirty="0"/>
+              <a:t>1</a:t>
+            </a:r>
+          </a:p>
+        </p:txBody>
+      </p:sp>
+      <p:sp>
+        <p:nvSpPr>
+          <p:cNvPr id="14" name="Rectangle 13">
+            <a:extLst>
+              <a:ext uri="{FF2B5EF4-FFF2-40B4-BE49-F238E27FC236}">
+                <a16:creationId xmlns:a16="http://schemas.microsoft.com/office/drawing/2014/main" id="{7D7E7D27-0EE7-40E3-9ABC-5EFBAF6DC89F}"/>
+              </a:ext>
+            </a:extLst>
+          </p:cNvPr>
+          <p:cNvSpPr/>
+          <p:nvPr/>
+        </p:nvSpPr>
+        <p:spPr>
+          <a:xfrm>
+            <a:off x="2725091" y="852535"/>
+            <a:ext cx="651849" cy="624689"/>
+          </a:xfrm>
+          <a:prstGeom prst="rect">
+            <a:avLst/>
+          </a:prstGeom>
+        </p:spPr>
+        <p:style>
+          <a:lnRef idx="2">
+            <a:schemeClr val="accent1">
+              <a:shade val="50000"/>
+            </a:schemeClr>
+          </a:lnRef>
+          <a:fillRef idx="1">
+            <a:schemeClr val="accent1"/>
+          </a:fillRef>
+          <a:effectRef idx="0">
+            <a:schemeClr val="accent1"/>
+          </a:effectRef>
+          <a:fontRef idx="minor">
+            <a:schemeClr val="lt1"/>
+          </a:fontRef>
+        </p:style>
+        <p:txBody>
+          <a:bodyPr rtlCol="0" anchor="ctr"/>
+          <a:lstStyle/>
+          <a:p>
+            <a:pPr algn="ctr"/>
+            <a:r>
+              <a:rPr lang="fr-FR" dirty="0"/>
+              <a:t>41</a:t>
+            </a:r>
+          </a:p>
+        </p:txBody>
+      </p:sp>
+      <p:sp>
+        <p:nvSpPr>
+          <p:cNvPr id="16" name="Rectangle 15">
+            <a:extLst>
+              <a:ext uri="{FF2B5EF4-FFF2-40B4-BE49-F238E27FC236}">
+                <a16:creationId xmlns:a16="http://schemas.microsoft.com/office/drawing/2014/main" id="{03FD576F-8FCA-494F-9393-A5883588CF16}"/>
+              </a:ext>
+            </a:extLst>
+          </p:cNvPr>
+          <p:cNvSpPr/>
+          <p:nvPr/>
+        </p:nvSpPr>
+        <p:spPr>
+          <a:xfrm>
+            <a:off x="1815219" y="851026"/>
+            <a:ext cx="651849" cy="624689"/>
+          </a:xfrm>
+          <a:prstGeom prst="rect">
+            <a:avLst/>
+          </a:prstGeom>
+        </p:spPr>
+        <p:style>
+          <a:lnRef idx="2">
+            <a:schemeClr val="accent1">
+              <a:shade val="50000"/>
+            </a:schemeClr>
+          </a:lnRef>
+          <a:fillRef idx="1">
+            <a:schemeClr val="accent1"/>
+          </a:fillRef>
+          <a:effectRef idx="0">
+            <a:schemeClr val="accent1"/>
+          </a:effectRef>
+          <a:fontRef idx="minor">
+            <a:schemeClr val="lt1"/>
+          </a:fontRef>
+        </p:style>
+        <p:txBody>
+          <a:bodyPr rtlCol="0" anchor="ctr"/>
+          <a:lstStyle/>
+          <a:p>
+            <a:pPr algn="ctr"/>
+            <a:r>
+              <a:rPr lang="fr-FR" dirty="0"/>
+              <a:t>10</a:t>
+            </a:r>
+          </a:p>
+        </p:txBody>
+      </p:sp>
+      <p:sp>
+        <p:nvSpPr>
+          <p:cNvPr id="18" name="Rectangle 17">
+            <a:extLst>
+              <a:ext uri="{FF2B5EF4-FFF2-40B4-BE49-F238E27FC236}">
+                <a16:creationId xmlns:a16="http://schemas.microsoft.com/office/drawing/2014/main" id="{995ACC9E-D875-42F3-B41A-611CE3547416}"/>
+              </a:ext>
+            </a:extLst>
+          </p:cNvPr>
+          <p:cNvSpPr/>
+          <p:nvPr/>
+        </p:nvSpPr>
+        <p:spPr>
+          <a:xfrm>
+            <a:off x="5413967" y="837445"/>
+            <a:ext cx="651849" cy="624689"/>
+          </a:xfrm>
+          <a:prstGeom prst="rect">
+            <a:avLst/>
+          </a:prstGeom>
+        </p:spPr>
+        <p:style>
+          <a:lnRef idx="2">
+            <a:schemeClr val="accent1">
+              <a:shade val="50000"/>
+            </a:schemeClr>
+          </a:lnRef>
+          <a:fillRef idx="1">
+            <a:schemeClr val="accent1"/>
+          </a:fillRef>
+          <a:effectRef idx="0">
+            <a:schemeClr val="accent1"/>
+          </a:effectRef>
+          <a:fontRef idx="minor">
+            <a:schemeClr val="lt1"/>
+          </a:fontRef>
+        </p:style>
+        <p:txBody>
+          <a:bodyPr rtlCol="0" anchor="ctr"/>
+          <a:lstStyle/>
+          <a:p>
+            <a:pPr algn="ctr"/>
+            <a:r>
+              <a:rPr lang="fr-FR" dirty="0"/>
+              <a:t>27</a:t>
+            </a:r>
+          </a:p>
+        </p:txBody>
+      </p:sp>
+      <p:sp>
+        <p:nvSpPr>
+          <p:cNvPr id="21" name="ZoneTexte 20">
+            <a:extLst>
+              <a:ext uri="{FF2B5EF4-FFF2-40B4-BE49-F238E27FC236}">
+                <a16:creationId xmlns:a16="http://schemas.microsoft.com/office/drawing/2014/main" id="{7BF83664-416F-421B-897D-B524C2D82A2C}"/>
+              </a:ext>
+            </a:extLst>
+          </p:cNvPr>
+          <p:cNvSpPr txBox="1"/>
+          <p:nvPr/>
+        </p:nvSpPr>
+        <p:spPr>
+          <a:xfrm>
+            <a:off x="6912247" y="104114"/>
+            <a:ext cx="1204176" cy="369332"/>
+          </a:xfrm>
+          <a:prstGeom prst="rect">
+            <a:avLst/>
+          </a:prstGeom>
+          <a:noFill/>
+        </p:spPr>
+        <p:txBody>
+          <a:bodyPr wrap="none" rtlCol="0">
+            <a:spAutoFit/>
+          </a:bodyPr>
+          <a:lstStyle/>
+          <a:p>
+            <a:r>
+              <a:rPr lang="fr-FR" dirty="0">
+                <a:solidFill>
+                  <a:schemeClr val="bg1"/>
+                </a:solidFill>
+              </a:rPr>
+              <a:t>Minimum</a:t>
+            </a:r>
+          </a:p>
+        </p:txBody>
+      </p:sp>
+      <p:cxnSp>
+        <p:nvCxnSpPr>
+          <p:cNvPr id="23" name="Connecteur droit avec flèche 22">
+            <a:extLst>
+              <a:ext uri="{FF2B5EF4-FFF2-40B4-BE49-F238E27FC236}">
+                <a16:creationId xmlns:a16="http://schemas.microsoft.com/office/drawing/2014/main" id="{73DA6B45-E50C-4DFF-AAFB-39E4954D44CB}"/>
+              </a:ext>
+            </a:extLst>
+          </p:cNvPr>
+          <p:cNvCxnSpPr>
+            <a:cxnSpLocks/>
+            <a:stCxn id="21" idx="2"/>
+          </p:cNvCxnSpPr>
+          <p:nvPr/>
+        </p:nvCxnSpPr>
+        <p:spPr>
+          <a:xfrm>
+            <a:off x="7514335" y="473446"/>
+            <a:ext cx="1" cy="363999"/>
+          </a:xfrm>
+          <a:prstGeom prst="straightConnector1">
+            <a:avLst/>
+          </a:prstGeom>
+          <a:ln>
+            <a:solidFill>
+              <a:schemeClr val="bg1">
+                <a:alpha val="60000"/>
+              </a:schemeClr>
+            </a:solidFill>
+            <a:tailEnd type="triangle"/>
+          </a:ln>
+        </p:spPr>
+        <p:style>
+          <a:lnRef idx="1">
+            <a:schemeClr val="accent1"/>
+          </a:lnRef>
+          <a:fillRef idx="0">
+            <a:schemeClr val="accent1"/>
+          </a:fillRef>
+          <a:effectRef idx="0">
+            <a:schemeClr val="accent1"/>
+          </a:effectRef>
+          <a:fontRef idx="minor">
+            <a:schemeClr val="tx1"/>
+          </a:fontRef>
+        </p:style>
+      </p:cxnSp>
+      <p:sp>
+        <p:nvSpPr>
+          <p:cNvPr id="2" name="ZoneTexte 1">
+            <a:extLst>
+              <a:ext uri="{FF2B5EF4-FFF2-40B4-BE49-F238E27FC236}">
+                <a16:creationId xmlns:a16="http://schemas.microsoft.com/office/drawing/2014/main" id="{E517851D-8C92-414A-BEA7-4A57A56E3766}"/>
+              </a:ext>
+            </a:extLst>
+          </p:cNvPr>
+          <p:cNvSpPr txBox="1"/>
+          <p:nvPr/>
+        </p:nvSpPr>
+        <p:spPr>
+          <a:xfrm>
+            <a:off x="1815219" y="4671588"/>
+            <a:ext cx="1805302" cy="523220"/>
+          </a:xfrm>
+          <a:prstGeom prst="rect">
+            <a:avLst/>
+          </a:prstGeom>
+          <a:noFill/>
+        </p:spPr>
+        <p:txBody>
+          <a:bodyPr wrap="none" rtlCol="0">
+            <a:spAutoFit/>
+          </a:bodyPr>
+          <a:lstStyle/>
+          <a:p>
+            <a:r>
+              <a:rPr lang="fr-FR" sz="2800" dirty="0"/>
+              <a:t>Fusionner</a:t>
+            </a:r>
+          </a:p>
+        </p:txBody>
+      </p:sp>
+      <p:sp>
+        <p:nvSpPr>
+          <p:cNvPr id="3" name="Rectangle 2">
+            <a:extLst>
+              <a:ext uri="{FF2B5EF4-FFF2-40B4-BE49-F238E27FC236}">
+                <a16:creationId xmlns:a16="http://schemas.microsoft.com/office/drawing/2014/main" id="{A189038A-19DB-4F75-B565-CF0D1DCBB074}"/>
+              </a:ext>
+            </a:extLst>
+          </p:cNvPr>
+          <p:cNvSpPr/>
+          <p:nvPr/>
+        </p:nvSpPr>
+        <p:spPr>
+          <a:xfrm>
+            <a:off x="4427142" y="4620853"/>
+            <a:ext cx="651849" cy="624689"/>
+          </a:xfrm>
+          <a:prstGeom prst="rect">
+            <a:avLst/>
+          </a:prstGeom>
+        </p:spPr>
+        <p:style>
+          <a:lnRef idx="2">
+            <a:schemeClr val="accent1">
+              <a:shade val="50000"/>
+            </a:schemeClr>
+          </a:lnRef>
+          <a:fillRef idx="1">
+            <a:schemeClr val="accent1"/>
+          </a:fillRef>
+          <a:effectRef idx="0">
+            <a:schemeClr val="accent1"/>
+          </a:effectRef>
+          <a:fontRef idx="minor">
+            <a:schemeClr val="lt1"/>
+          </a:fontRef>
+        </p:style>
+        <p:txBody>
+          <a:bodyPr rtlCol="0" anchor="ctr"/>
+          <a:lstStyle/>
+          <a:p>
+            <a:pPr algn="ctr"/>
+            <a:r>
+              <a:rPr lang="fr-FR" dirty="0"/>
+              <a:t>7</a:t>
+            </a:r>
+          </a:p>
+        </p:txBody>
+      </p:sp>
+      <p:cxnSp>
+        <p:nvCxnSpPr>
+          <p:cNvPr id="7" name="Connecteur droit avec flèche 6">
+            <a:extLst>
+              <a:ext uri="{FF2B5EF4-FFF2-40B4-BE49-F238E27FC236}">
+                <a16:creationId xmlns:a16="http://schemas.microsoft.com/office/drawing/2014/main" id="{89480884-F70E-4476-9234-6DC39CE85CFA}"/>
+              </a:ext>
+            </a:extLst>
+          </p:cNvPr>
+          <p:cNvCxnSpPr>
+            <a:cxnSpLocks/>
+          </p:cNvCxnSpPr>
+          <p:nvPr/>
+        </p:nvCxnSpPr>
+        <p:spPr>
+          <a:xfrm flipV="1">
+            <a:off x="5183104" y="1240325"/>
+            <a:ext cx="3191351" cy="3349784"/>
+          </a:xfrm>
+          <a:prstGeom prst="straightConnector1">
+            <a:avLst/>
+          </a:prstGeom>
+          <a:ln>
+            <a:solidFill>
+              <a:schemeClr val="bg1">
+                <a:alpha val="60000"/>
+              </a:schemeClr>
+            </a:solidFill>
+            <a:tailEnd type="triangle"/>
+          </a:ln>
+        </p:spPr>
+        <p:style>
+          <a:lnRef idx="1">
+            <a:schemeClr val="accent1"/>
+          </a:lnRef>
+          <a:fillRef idx="0">
+            <a:schemeClr val="accent1"/>
+          </a:fillRef>
+          <a:effectRef idx="0">
+            <a:schemeClr val="accent1"/>
+          </a:effectRef>
+          <a:fontRef idx="minor">
+            <a:schemeClr val="tx1"/>
+          </a:fontRef>
+        </p:style>
+      </p:cxnSp>
+      <p:sp>
+        <p:nvSpPr>
+          <p:cNvPr id="5" name="Rectangle 4">
+            <a:extLst>
+              <a:ext uri="{FF2B5EF4-FFF2-40B4-BE49-F238E27FC236}">
+                <a16:creationId xmlns:a16="http://schemas.microsoft.com/office/drawing/2014/main" id="{6CE2DA81-95C2-42BC-B41A-680BE7BE00C4}"/>
+              </a:ext>
+            </a:extLst>
+          </p:cNvPr>
+          <p:cNvSpPr/>
+          <p:nvPr/>
+        </p:nvSpPr>
+        <p:spPr>
+          <a:xfrm>
+            <a:off x="5303819" y="4620852"/>
+            <a:ext cx="651849" cy="624689"/>
+          </a:xfrm>
+          <a:prstGeom prst="rect">
+            <a:avLst/>
+          </a:prstGeom>
+        </p:spPr>
+        <p:style>
+          <a:lnRef idx="2">
+            <a:schemeClr val="accent1">
+              <a:shade val="50000"/>
+            </a:schemeClr>
+          </a:lnRef>
+          <a:fillRef idx="1">
+            <a:schemeClr val="accent1"/>
+          </a:fillRef>
+          <a:effectRef idx="0">
+            <a:schemeClr val="accent1"/>
+          </a:effectRef>
+          <a:fontRef idx="minor">
+            <a:schemeClr val="lt1"/>
+          </a:fontRef>
+        </p:style>
+        <p:txBody>
+          <a:bodyPr rtlCol="0" anchor="ctr"/>
+          <a:lstStyle/>
+          <a:p>
+            <a:pPr algn="ctr"/>
+            <a:r>
+              <a:rPr lang="fr-FR" dirty="0"/>
+              <a:t>12</a:t>
+            </a:r>
+          </a:p>
+        </p:txBody>
+      </p:sp>
+      <p:sp>
+        <p:nvSpPr>
+          <p:cNvPr id="8" name="Rectangle 7">
+            <a:extLst>
+              <a:ext uri="{FF2B5EF4-FFF2-40B4-BE49-F238E27FC236}">
+                <a16:creationId xmlns:a16="http://schemas.microsoft.com/office/drawing/2014/main" id="{C7A80B0F-ABC1-4B20-ACA0-DC9822FBA936}"/>
+              </a:ext>
+            </a:extLst>
+          </p:cNvPr>
+          <p:cNvSpPr/>
+          <p:nvPr/>
+        </p:nvSpPr>
+        <p:spPr>
+          <a:xfrm>
+            <a:off x="6180496" y="4620853"/>
+            <a:ext cx="651849" cy="624689"/>
+          </a:xfrm>
+          <a:prstGeom prst="rect">
+            <a:avLst/>
+          </a:prstGeom>
+        </p:spPr>
+        <p:style>
+          <a:lnRef idx="2">
+            <a:schemeClr val="accent1">
+              <a:shade val="50000"/>
+            </a:schemeClr>
+          </a:lnRef>
+          <a:fillRef idx="1">
+            <a:schemeClr val="accent1"/>
+          </a:fillRef>
+          <a:effectRef idx="0">
+            <a:schemeClr val="accent1"/>
+          </a:effectRef>
+          <a:fontRef idx="minor">
+            <a:schemeClr val="lt1"/>
+          </a:fontRef>
+        </p:style>
+        <p:txBody>
+          <a:bodyPr rtlCol="0" anchor="ctr"/>
+          <a:lstStyle/>
+          <a:p>
+            <a:pPr algn="ctr"/>
+            <a:r>
+              <a:rPr lang="fr-FR" dirty="0"/>
+              <a:t>8</a:t>
+            </a:r>
+          </a:p>
+        </p:txBody>
+      </p:sp>
+      <p:sp>
+        <p:nvSpPr>
+          <p:cNvPr id="9" name="Rectangle 8">
+            <a:extLst>
+              <a:ext uri="{FF2B5EF4-FFF2-40B4-BE49-F238E27FC236}">
+                <a16:creationId xmlns:a16="http://schemas.microsoft.com/office/drawing/2014/main" id="{F435A651-E8A5-42F6-A893-FA35130E7A5A}"/>
+              </a:ext>
+            </a:extLst>
+          </p:cNvPr>
+          <p:cNvSpPr/>
+          <p:nvPr/>
+        </p:nvSpPr>
+        <p:spPr>
+          <a:xfrm>
+            <a:off x="7206550" y="851026"/>
+            <a:ext cx="651849" cy="624689"/>
+          </a:xfrm>
+          <a:prstGeom prst="rect">
+            <a:avLst/>
+          </a:prstGeom>
+        </p:spPr>
+        <p:style>
+          <a:lnRef idx="2">
+            <a:schemeClr val="accent1">
+              <a:shade val="50000"/>
+            </a:schemeClr>
+          </a:lnRef>
+          <a:fillRef idx="1">
+            <a:schemeClr val="accent1"/>
+          </a:fillRef>
+          <a:effectRef idx="0">
+            <a:schemeClr val="accent1"/>
+          </a:effectRef>
+          <a:fontRef idx="minor">
+            <a:schemeClr val="lt1"/>
+          </a:fontRef>
+        </p:style>
+        <p:txBody>
+          <a:bodyPr rtlCol="0" anchor="ctr"/>
+          <a:lstStyle/>
+          <a:p>
+            <a:pPr algn="ctr"/>
+            <a:r>
+              <a:rPr lang="fr-FR" dirty="0"/>
+              <a:t>0</a:t>
+            </a:r>
+          </a:p>
+        </p:txBody>
+      </p:sp>
+      <p:cxnSp>
+        <p:nvCxnSpPr>
+          <p:cNvPr id="20" name="Connecteur droit 19">
+            <a:extLst>
+              <a:ext uri="{FF2B5EF4-FFF2-40B4-BE49-F238E27FC236}">
+                <a16:creationId xmlns:a16="http://schemas.microsoft.com/office/drawing/2014/main" id="{E2739AA0-AB3E-42A9-A623-396C0145C3DC}"/>
+              </a:ext>
+            </a:extLst>
+          </p:cNvPr>
+          <p:cNvCxnSpPr/>
+          <p:nvPr/>
+        </p:nvCxnSpPr>
+        <p:spPr>
+          <a:xfrm>
+            <a:off x="905347" y="1602463"/>
+            <a:ext cx="6953052" cy="0"/>
+          </a:xfrm>
+          <a:prstGeom prst="line">
+            <a:avLst/>
+          </a:prstGeom>
+          <a:ln>
+            <a:solidFill>
+              <a:srgbClr val="FF0000">
+                <a:alpha val="60000"/>
+              </a:srgbClr>
+            </a:solidFill>
+          </a:ln>
+        </p:spPr>
+        <p:style>
+          <a:lnRef idx="1">
+            <a:schemeClr val="accent1"/>
+          </a:lnRef>
+          <a:fillRef idx="0">
+            <a:schemeClr val="accent1"/>
+          </a:fillRef>
+          <a:effectRef idx="0">
+            <a:schemeClr val="accent1"/>
+          </a:effectRef>
+          <a:fontRef idx="minor">
+            <a:schemeClr val="tx1"/>
+          </a:fontRef>
+        </p:style>
+      </p:cxnSp>
+      <p:cxnSp>
+        <p:nvCxnSpPr>
+          <p:cNvPr id="13" name="Connecteur droit 12">
+            <a:extLst>
+              <a:ext uri="{FF2B5EF4-FFF2-40B4-BE49-F238E27FC236}">
+                <a16:creationId xmlns:a16="http://schemas.microsoft.com/office/drawing/2014/main" id="{55E41364-0143-4069-B1A7-C2B29C350A81}"/>
+              </a:ext>
+            </a:extLst>
+          </p:cNvPr>
+          <p:cNvCxnSpPr/>
+          <p:nvPr/>
+        </p:nvCxnSpPr>
+        <p:spPr>
+          <a:xfrm>
+            <a:off x="4427142" y="5341545"/>
+            <a:ext cx="2405203" cy="0"/>
+          </a:xfrm>
+          <a:prstGeom prst="line">
+            <a:avLst/>
+          </a:prstGeom>
+          <a:ln>
+            <a:solidFill>
+              <a:schemeClr val="accent3">
+                <a:lumMod val="60000"/>
+                <a:lumOff val="40000"/>
+                <a:alpha val="60000"/>
+              </a:schemeClr>
+            </a:solidFill>
+          </a:ln>
+        </p:spPr>
+        <p:style>
+          <a:lnRef idx="1">
+            <a:schemeClr val="accent1"/>
+          </a:lnRef>
+          <a:fillRef idx="0">
+            <a:schemeClr val="accent1"/>
+          </a:fillRef>
+          <a:effectRef idx="0">
+            <a:schemeClr val="accent1"/>
+          </a:effectRef>
+          <a:fontRef idx="minor">
+            <a:schemeClr val="tx1"/>
+          </a:fontRef>
+        </p:style>
+      </p:cxnSp>
+      <p:sp>
+        <p:nvSpPr>
+          <p:cNvPr id="24" name="ZoneTexte 23">
+            <a:extLst>
+              <a:ext uri="{FF2B5EF4-FFF2-40B4-BE49-F238E27FC236}">
+                <a16:creationId xmlns:a16="http://schemas.microsoft.com/office/drawing/2014/main" id="{5B9B93ED-0150-4ABA-BEAF-A80BF66962CE}"/>
+              </a:ext>
+            </a:extLst>
+          </p:cNvPr>
+          <p:cNvSpPr txBox="1"/>
+          <p:nvPr/>
+        </p:nvSpPr>
+        <p:spPr>
+          <a:xfrm>
+            <a:off x="4150979" y="3887521"/>
+            <a:ext cx="1204176" cy="369332"/>
+          </a:xfrm>
+          <a:prstGeom prst="rect">
+            <a:avLst/>
+          </a:prstGeom>
+          <a:noFill/>
+        </p:spPr>
+        <p:txBody>
+          <a:bodyPr wrap="none" rtlCol="0">
+            <a:spAutoFit/>
+          </a:bodyPr>
+          <a:lstStyle/>
+          <a:p>
+            <a:r>
+              <a:rPr lang="fr-FR" dirty="0">
+                <a:solidFill>
+                  <a:schemeClr val="bg1"/>
+                </a:solidFill>
+              </a:rPr>
+              <a:t>Minimum</a:t>
+            </a:r>
+          </a:p>
+        </p:txBody>
+      </p:sp>
+      <p:cxnSp>
+        <p:nvCxnSpPr>
+          <p:cNvPr id="25" name="Connecteur droit avec flèche 24">
+            <a:extLst>
+              <a:ext uri="{FF2B5EF4-FFF2-40B4-BE49-F238E27FC236}">
+                <a16:creationId xmlns:a16="http://schemas.microsoft.com/office/drawing/2014/main" id="{ECC4D6A3-6300-40E4-B668-C0ADB35BE310}"/>
+              </a:ext>
+            </a:extLst>
+          </p:cNvPr>
+          <p:cNvCxnSpPr>
+            <a:cxnSpLocks/>
+            <a:stCxn id="24" idx="2"/>
+          </p:cNvCxnSpPr>
+          <p:nvPr/>
+        </p:nvCxnSpPr>
+        <p:spPr>
+          <a:xfrm>
+            <a:off x="4753067" y="4256853"/>
+            <a:ext cx="1" cy="363999"/>
+          </a:xfrm>
+          <a:prstGeom prst="straightConnector1">
+            <a:avLst/>
+          </a:prstGeom>
+          <a:ln>
+            <a:solidFill>
+              <a:schemeClr val="bg1">
+                <a:alpha val="60000"/>
+              </a:schemeClr>
+            </a:solidFill>
+            <a:tailEnd type="triangle"/>
+          </a:ln>
+        </p:spPr>
+        <p:style>
+          <a:lnRef idx="1">
+            <a:schemeClr val="accent1"/>
+          </a:lnRef>
+          <a:fillRef idx="0">
+            <a:schemeClr val="accent1"/>
+          </a:fillRef>
+          <a:effectRef idx="0">
+            <a:schemeClr val="accent1"/>
+          </a:effectRef>
+          <a:fontRef idx="minor">
+            <a:schemeClr val="tx1"/>
+          </a:fontRef>
+        </p:style>
+      </p:cxnSp>
+    </p:spTree>
+    <p:extLst>
+      <p:ext uri="{BB962C8B-B14F-4D97-AF65-F5344CB8AC3E}">
+        <p14:creationId xmlns:p14="http://schemas.microsoft.com/office/powerpoint/2010/main" val="3811679722"/>
+      </p:ext>
+    </p:extLst>
+  </p:cSld>
+  <p:clrMapOvr>
+    <a:masterClrMapping/>
+  </p:clrMapOvr>
+</p:sld>
+</file>
+
+<file path=ppt/slides/slide15.xml><?xml version="1.0" encoding="utf-8"?>
+<p:sld xmlns:a="http://schemas.openxmlformats.org/drawingml/2006/main" xmlns:r="http://schemas.openxmlformats.org/officeDocument/2006/relationships" xmlns:p="http://schemas.openxmlformats.org/presentationml/2006/main">
+  <p:cSld>
+    <p:spTree>
+      <p:nvGrpSpPr>
+        <p:cNvPr id="1" name=""/>
+        <p:cNvGrpSpPr/>
+        <p:nvPr/>
+      </p:nvGrpSpPr>
+      <p:grpSpPr>
+        <a:xfrm>
+          <a:off x="0" y="0"/>
+          <a:ext cx="0" cy="0"/>
+          <a:chOff x="0" y="0"/>
+          <a:chExt cx="0" cy="0"/>
+        </a:xfrm>
+      </p:grpSpPr>
+      <p:sp>
+        <p:nvSpPr>
+          <p:cNvPr id="4" name="Rectangle 3">
+            <a:extLst>
+              <a:ext uri="{FF2B5EF4-FFF2-40B4-BE49-F238E27FC236}">
+                <a16:creationId xmlns:a16="http://schemas.microsoft.com/office/drawing/2014/main" id="{42CA08E4-B55C-4CBA-8A8A-F6E7B963880C}"/>
+              </a:ext>
+            </a:extLst>
+          </p:cNvPr>
+          <p:cNvSpPr/>
+          <p:nvPr/>
+        </p:nvSpPr>
+        <p:spPr>
+          <a:xfrm>
+            <a:off x="905347" y="851026"/>
+            <a:ext cx="651849" cy="624689"/>
+          </a:xfrm>
+          <a:prstGeom prst="rect">
+            <a:avLst/>
+          </a:prstGeom>
+        </p:spPr>
+        <p:style>
+          <a:lnRef idx="2">
+            <a:schemeClr val="accent1">
+              <a:shade val="50000"/>
+            </a:schemeClr>
+          </a:lnRef>
+          <a:fillRef idx="1">
+            <a:schemeClr val="accent1"/>
+          </a:fillRef>
+          <a:effectRef idx="0">
+            <a:schemeClr val="accent1"/>
+          </a:effectRef>
+          <a:fontRef idx="minor">
+            <a:schemeClr val="lt1"/>
+          </a:fontRef>
+        </p:style>
+        <p:txBody>
+          <a:bodyPr rtlCol="0" anchor="ctr"/>
+          <a:lstStyle/>
+          <a:p>
+            <a:pPr algn="ctr"/>
+            <a:r>
+              <a:rPr lang="fr-FR" dirty="0"/>
+              <a:t>5</a:t>
+            </a:r>
+          </a:p>
+        </p:txBody>
+      </p:sp>
+      <p:sp>
+        <p:nvSpPr>
+          <p:cNvPr id="6" name="Rectangle 5">
+            <a:extLst>
+              <a:ext uri="{FF2B5EF4-FFF2-40B4-BE49-F238E27FC236}">
+                <a16:creationId xmlns:a16="http://schemas.microsoft.com/office/drawing/2014/main" id="{4A554B94-F045-4FEA-984D-5C7314FAC83A}"/>
+              </a:ext>
+            </a:extLst>
+          </p:cNvPr>
+          <p:cNvSpPr/>
+          <p:nvPr/>
+        </p:nvSpPr>
+        <p:spPr>
+          <a:xfrm>
+            <a:off x="6323839" y="837446"/>
+            <a:ext cx="651849" cy="624689"/>
+          </a:xfrm>
+          <a:prstGeom prst="rect">
+            <a:avLst/>
+          </a:prstGeom>
+        </p:spPr>
+        <p:style>
+          <a:lnRef idx="2">
+            <a:schemeClr val="accent1">
+              <a:shade val="50000"/>
+            </a:schemeClr>
+          </a:lnRef>
+          <a:fillRef idx="1">
+            <a:schemeClr val="accent1"/>
+          </a:fillRef>
+          <a:effectRef idx="0">
+            <a:schemeClr val="accent1"/>
+          </a:effectRef>
+          <a:fontRef idx="minor">
+            <a:schemeClr val="lt1"/>
+          </a:fontRef>
+        </p:style>
+        <p:txBody>
+          <a:bodyPr rtlCol="0" anchor="ctr"/>
+          <a:lstStyle/>
+          <a:p>
+            <a:pPr algn="ctr"/>
+            <a:r>
+              <a:rPr lang="fr-FR" dirty="0"/>
+              <a:t>18</a:t>
+            </a:r>
+          </a:p>
+        </p:txBody>
+      </p:sp>
+      <p:sp>
+        <p:nvSpPr>
+          <p:cNvPr id="10" name="Rectangle 9">
+            <a:extLst>
+              <a:ext uri="{FF2B5EF4-FFF2-40B4-BE49-F238E27FC236}">
+                <a16:creationId xmlns:a16="http://schemas.microsoft.com/office/drawing/2014/main" id="{AA5DD5E5-6A2A-4548-A08C-DD931FBD3769}"/>
+              </a:ext>
+            </a:extLst>
+          </p:cNvPr>
+          <p:cNvSpPr/>
+          <p:nvPr/>
+        </p:nvSpPr>
+        <p:spPr>
+          <a:xfrm>
+            <a:off x="4531255" y="843481"/>
+            <a:ext cx="651849" cy="624689"/>
+          </a:xfrm>
+          <a:prstGeom prst="rect">
+            <a:avLst/>
+          </a:prstGeom>
+        </p:spPr>
+        <p:style>
+          <a:lnRef idx="2">
+            <a:schemeClr val="accent1">
+              <a:shade val="50000"/>
+            </a:schemeClr>
+          </a:lnRef>
+          <a:fillRef idx="1">
+            <a:schemeClr val="accent1"/>
+          </a:fillRef>
+          <a:effectRef idx="0">
+            <a:schemeClr val="accent1"/>
+          </a:effectRef>
+          <a:fontRef idx="minor">
+            <a:schemeClr val="lt1"/>
+          </a:fontRef>
+        </p:style>
+        <p:txBody>
+          <a:bodyPr rtlCol="0" anchor="ctr"/>
+          <a:lstStyle/>
+          <a:p>
+            <a:pPr algn="ctr"/>
+            <a:r>
+              <a:rPr lang="fr-FR" dirty="0"/>
+              <a:t>9</a:t>
+            </a:r>
+          </a:p>
+        </p:txBody>
+      </p:sp>
+      <p:sp>
+        <p:nvSpPr>
+          <p:cNvPr id="12" name="Rectangle 11">
+            <a:extLst>
+              <a:ext uri="{FF2B5EF4-FFF2-40B4-BE49-F238E27FC236}">
+                <a16:creationId xmlns:a16="http://schemas.microsoft.com/office/drawing/2014/main" id="{01000056-17C3-4074-8CC8-640819CC4C2F}"/>
+              </a:ext>
+            </a:extLst>
+          </p:cNvPr>
+          <p:cNvSpPr/>
+          <p:nvPr/>
+        </p:nvSpPr>
+        <p:spPr>
+          <a:xfrm>
+            <a:off x="3621383" y="851026"/>
+            <a:ext cx="651849" cy="624689"/>
+          </a:xfrm>
+          <a:prstGeom prst="rect">
+            <a:avLst/>
+          </a:prstGeom>
+        </p:spPr>
+        <p:style>
+          <a:lnRef idx="2">
+            <a:schemeClr val="accent1">
+              <a:shade val="50000"/>
+            </a:schemeClr>
+          </a:lnRef>
+          <a:fillRef idx="1">
+            <a:schemeClr val="accent1"/>
+          </a:fillRef>
+          <a:effectRef idx="0">
+            <a:schemeClr val="accent1"/>
+          </a:effectRef>
+          <a:fontRef idx="minor">
+            <a:schemeClr val="lt1"/>
+          </a:fontRef>
+        </p:style>
+        <p:txBody>
+          <a:bodyPr rtlCol="0" anchor="ctr"/>
+          <a:lstStyle/>
+          <a:p>
+            <a:pPr algn="ctr"/>
+            <a:r>
+              <a:rPr lang="fr-FR" dirty="0"/>
+              <a:t>1</a:t>
+            </a:r>
+          </a:p>
+        </p:txBody>
+      </p:sp>
+      <p:sp>
+        <p:nvSpPr>
+          <p:cNvPr id="14" name="Rectangle 13">
+            <a:extLst>
+              <a:ext uri="{FF2B5EF4-FFF2-40B4-BE49-F238E27FC236}">
+                <a16:creationId xmlns:a16="http://schemas.microsoft.com/office/drawing/2014/main" id="{7D7E7D27-0EE7-40E3-9ABC-5EFBAF6DC89F}"/>
+              </a:ext>
+            </a:extLst>
+          </p:cNvPr>
+          <p:cNvSpPr/>
+          <p:nvPr/>
+        </p:nvSpPr>
+        <p:spPr>
+          <a:xfrm>
+            <a:off x="2725091" y="852535"/>
+            <a:ext cx="651849" cy="624689"/>
+          </a:xfrm>
+          <a:prstGeom prst="rect">
+            <a:avLst/>
+          </a:prstGeom>
+        </p:spPr>
+        <p:style>
+          <a:lnRef idx="2">
+            <a:schemeClr val="accent1">
+              <a:shade val="50000"/>
+            </a:schemeClr>
+          </a:lnRef>
+          <a:fillRef idx="1">
+            <a:schemeClr val="accent1"/>
+          </a:fillRef>
+          <a:effectRef idx="0">
+            <a:schemeClr val="accent1"/>
+          </a:effectRef>
+          <a:fontRef idx="minor">
+            <a:schemeClr val="lt1"/>
+          </a:fontRef>
+        </p:style>
+        <p:txBody>
+          <a:bodyPr rtlCol="0" anchor="ctr"/>
+          <a:lstStyle/>
+          <a:p>
+            <a:pPr algn="ctr"/>
+            <a:r>
+              <a:rPr lang="fr-FR" dirty="0"/>
+              <a:t>41</a:t>
+            </a:r>
+          </a:p>
+        </p:txBody>
+      </p:sp>
+      <p:sp>
+        <p:nvSpPr>
+          <p:cNvPr id="16" name="Rectangle 15">
+            <a:extLst>
+              <a:ext uri="{FF2B5EF4-FFF2-40B4-BE49-F238E27FC236}">
+                <a16:creationId xmlns:a16="http://schemas.microsoft.com/office/drawing/2014/main" id="{03FD576F-8FCA-494F-9393-A5883588CF16}"/>
+              </a:ext>
+            </a:extLst>
+          </p:cNvPr>
+          <p:cNvSpPr/>
+          <p:nvPr/>
+        </p:nvSpPr>
+        <p:spPr>
+          <a:xfrm>
+            <a:off x="1815219" y="851026"/>
+            <a:ext cx="651849" cy="624689"/>
+          </a:xfrm>
+          <a:prstGeom prst="rect">
+            <a:avLst/>
+          </a:prstGeom>
+        </p:spPr>
+        <p:style>
+          <a:lnRef idx="2">
+            <a:schemeClr val="accent1">
+              <a:shade val="50000"/>
+            </a:schemeClr>
+          </a:lnRef>
+          <a:fillRef idx="1">
+            <a:schemeClr val="accent1"/>
+          </a:fillRef>
+          <a:effectRef idx="0">
+            <a:schemeClr val="accent1"/>
+          </a:effectRef>
+          <a:fontRef idx="minor">
+            <a:schemeClr val="lt1"/>
+          </a:fontRef>
+        </p:style>
+        <p:txBody>
+          <a:bodyPr rtlCol="0" anchor="ctr"/>
+          <a:lstStyle/>
+          <a:p>
+            <a:pPr algn="ctr"/>
+            <a:r>
+              <a:rPr lang="fr-FR" dirty="0"/>
+              <a:t>10</a:t>
+            </a:r>
+          </a:p>
+        </p:txBody>
+      </p:sp>
+      <p:sp>
+        <p:nvSpPr>
+          <p:cNvPr id="18" name="Rectangle 17">
+            <a:extLst>
+              <a:ext uri="{FF2B5EF4-FFF2-40B4-BE49-F238E27FC236}">
+                <a16:creationId xmlns:a16="http://schemas.microsoft.com/office/drawing/2014/main" id="{995ACC9E-D875-42F3-B41A-611CE3547416}"/>
+              </a:ext>
+            </a:extLst>
+          </p:cNvPr>
+          <p:cNvSpPr/>
+          <p:nvPr/>
+        </p:nvSpPr>
+        <p:spPr>
+          <a:xfrm>
+            <a:off x="5413967" y="837445"/>
+            <a:ext cx="651849" cy="624689"/>
+          </a:xfrm>
+          <a:prstGeom prst="rect">
+            <a:avLst/>
+          </a:prstGeom>
+        </p:spPr>
+        <p:style>
+          <a:lnRef idx="2">
+            <a:schemeClr val="accent1">
+              <a:shade val="50000"/>
+            </a:schemeClr>
+          </a:lnRef>
+          <a:fillRef idx="1">
+            <a:schemeClr val="accent1"/>
+          </a:fillRef>
+          <a:effectRef idx="0">
+            <a:schemeClr val="accent1"/>
+          </a:effectRef>
+          <a:fontRef idx="minor">
+            <a:schemeClr val="lt1"/>
+          </a:fontRef>
+        </p:style>
+        <p:txBody>
+          <a:bodyPr rtlCol="0" anchor="ctr"/>
+          <a:lstStyle/>
+          <a:p>
+            <a:pPr algn="ctr"/>
+            <a:r>
+              <a:rPr lang="fr-FR" dirty="0"/>
+              <a:t>27</a:t>
+            </a:r>
+          </a:p>
+        </p:txBody>
+      </p:sp>
+      <p:sp>
+        <p:nvSpPr>
+          <p:cNvPr id="21" name="ZoneTexte 20">
+            <a:extLst>
+              <a:ext uri="{FF2B5EF4-FFF2-40B4-BE49-F238E27FC236}">
+                <a16:creationId xmlns:a16="http://schemas.microsoft.com/office/drawing/2014/main" id="{7BF83664-416F-421B-897D-B524C2D82A2C}"/>
+              </a:ext>
+            </a:extLst>
+          </p:cNvPr>
+          <p:cNvSpPr txBox="1"/>
+          <p:nvPr/>
+        </p:nvSpPr>
+        <p:spPr>
+          <a:xfrm>
+            <a:off x="6930387" y="90534"/>
+            <a:ext cx="1204176" cy="369332"/>
+          </a:xfrm>
+          <a:prstGeom prst="rect">
+            <a:avLst/>
+          </a:prstGeom>
+          <a:noFill/>
+        </p:spPr>
+        <p:txBody>
+          <a:bodyPr wrap="none" rtlCol="0">
+            <a:spAutoFit/>
+          </a:bodyPr>
+          <a:lstStyle/>
+          <a:p>
+            <a:r>
+              <a:rPr lang="fr-FR" dirty="0">
+                <a:solidFill>
+                  <a:schemeClr val="bg1"/>
+                </a:solidFill>
+              </a:rPr>
+              <a:t>Minimum</a:t>
+            </a:r>
+          </a:p>
+        </p:txBody>
+      </p:sp>
+      <p:cxnSp>
+        <p:nvCxnSpPr>
+          <p:cNvPr id="23" name="Connecteur droit avec flèche 22">
+            <a:extLst>
+              <a:ext uri="{FF2B5EF4-FFF2-40B4-BE49-F238E27FC236}">
+                <a16:creationId xmlns:a16="http://schemas.microsoft.com/office/drawing/2014/main" id="{73DA6B45-E50C-4DFF-AAFB-39E4954D44CB}"/>
+              </a:ext>
+            </a:extLst>
+          </p:cNvPr>
+          <p:cNvCxnSpPr>
+            <a:cxnSpLocks/>
+            <a:stCxn id="21" idx="2"/>
+            <a:endCxn id="5" idx="0"/>
+          </p:cNvCxnSpPr>
+          <p:nvPr/>
+        </p:nvCxnSpPr>
+        <p:spPr>
+          <a:xfrm>
+            <a:off x="7532475" y="459866"/>
+            <a:ext cx="1" cy="377580"/>
+          </a:xfrm>
+          <a:prstGeom prst="straightConnector1">
+            <a:avLst/>
+          </a:prstGeom>
+          <a:ln>
+            <a:solidFill>
+              <a:schemeClr val="bg1">
+                <a:alpha val="60000"/>
+              </a:schemeClr>
+            </a:solidFill>
+            <a:tailEnd type="triangle"/>
+          </a:ln>
+        </p:spPr>
+        <p:style>
+          <a:lnRef idx="1">
+            <a:schemeClr val="accent1"/>
+          </a:lnRef>
+          <a:fillRef idx="0">
+            <a:schemeClr val="accent1"/>
+          </a:fillRef>
+          <a:effectRef idx="0">
+            <a:schemeClr val="accent1"/>
+          </a:effectRef>
+          <a:fontRef idx="minor">
+            <a:schemeClr val="tx1"/>
+          </a:fontRef>
+        </p:style>
+      </p:cxnSp>
+      <p:sp>
+        <p:nvSpPr>
+          <p:cNvPr id="2" name="ZoneTexte 1">
+            <a:extLst>
+              <a:ext uri="{FF2B5EF4-FFF2-40B4-BE49-F238E27FC236}">
+                <a16:creationId xmlns:a16="http://schemas.microsoft.com/office/drawing/2014/main" id="{E517851D-8C92-414A-BEA7-4A57A56E3766}"/>
+              </a:ext>
+            </a:extLst>
+          </p:cNvPr>
+          <p:cNvSpPr txBox="1"/>
+          <p:nvPr/>
+        </p:nvSpPr>
+        <p:spPr>
+          <a:xfrm>
+            <a:off x="1815219" y="4671588"/>
+            <a:ext cx="1805302" cy="523220"/>
+          </a:xfrm>
+          <a:prstGeom prst="rect">
+            <a:avLst/>
+          </a:prstGeom>
+          <a:noFill/>
+        </p:spPr>
+        <p:txBody>
+          <a:bodyPr wrap="none" rtlCol="0">
+            <a:spAutoFit/>
+          </a:bodyPr>
+          <a:lstStyle/>
+          <a:p>
+            <a:r>
+              <a:rPr lang="fr-FR" sz="2800" dirty="0"/>
+              <a:t>Fusionner</a:t>
+            </a:r>
+          </a:p>
+        </p:txBody>
+      </p:sp>
+      <p:sp>
+        <p:nvSpPr>
+          <p:cNvPr id="5" name="Rectangle 4">
+            <a:extLst>
+              <a:ext uri="{FF2B5EF4-FFF2-40B4-BE49-F238E27FC236}">
+                <a16:creationId xmlns:a16="http://schemas.microsoft.com/office/drawing/2014/main" id="{382C8FFC-8D65-40A3-A5BD-58ADC11F8726}"/>
+              </a:ext>
+            </a:extLst>
+          </p:cNvPr>
+          <p:cNvSpPr/>
+          <p:nvPr/>
+        </p:nvSpPr>
+        <p:spPr>
+          <a:xfrm>
+            <a:off x="7206551" y="837446"/>
+            <a:ext cx="651849" cy="624689"/>
+          </a:xfrm>
+          <a:prstGeom prst="rect">
+            <a:avLst/>
+          </a:prstGeom>
+        </p:spPr>
+        <p:style>
+          <a:lnRef idx="2">
+            <a:schemeClr val="accent1">
+              <a:shade val="50000"/>
+            </a:schemeClr>
+          </a:lnRef>
+          <a:fillRef idx="1">
+            <a:schemeClr val="accent1"/>
+          </a:fillRef>
+          <a:effectRef idx="0">
+            <a:schemeClr val="accent1"/>
+          </a:effectRef>
+          <a:fontRef idx="minor">
+            <a:schemeClr val="lt1"/>
+          </a:fontRef>
+        </p:style>
+        <p:txBody>
+          <a:bodyPr rtlCol="0" anchor="ctr"/>
+          <a:lstStyle/>
+          <a:p>
+            <a:pPr algn="ctr"/>
+            <a:r>
+              <a:rPr lang="fr-FR" dirty="0"/>
+              <a:t>0</a:t>
+            </a:r>
+          </a:p>
+        </p:txBody>
+      </p:sp>
+      <p:sp>
+        <p:nvSpPr>
+          <p:cNvPr id="8" name="Rectangle 7">
+            <a:extLst>
+              <a:ext uri="{FF2B5EF4-FFF2-40B4-BE49-F238E27FC236}">
+                <a16:creationId xmlns:a16="http://schemas.microsoft.com/office/drawing/2014/main" id="{E0C643E9-7F9E-4ED2-B67A-5D19DAC79704}"/>
+              </a:ext>
+            </a:extLst>
+          </p:cNvPr>
+          <p:cNvSpPr/>
+          <p:nvPr/>
+        </p:nvSpPr>
+        <p:spPr>
+          <a:xfrm>
+            <a:off x="8083228" y="837445"/>
+            <a:ext cx="651849" cy="624689"/>
+          </a:xfrm>
+          <a:prstGeom prst="rect">
+            <a:avLst/>
+          </a:prstGeom>
+        </p:spPr>
+        <p:style>
+          <a:lnRef idx="2">
+            <a:schemeClr val="accent1">
+              <a:shade val="50000"/>
+            </a:schemeClr>
+          </a:lnRef>
+          <a:fillRef idx="1">
+            <a:schemeClr val="accent1"/>
+          </a:fillRef>
+          <a:effectRef idx="0">
+            <a:schemeClr val="accent1"/>
+          </a:effectRef>
+          <a:fontRef idx="minor">
+            <a:schemeClr val="lt1"/>
+          </a:fontRef>
+        </p:style>
+        <p:txBody>
+          <a:bodyPr rtlCol="0" anchor="ctr"/>
+          <a:lstStyle/>
+          <a:p>
+            <a:pPr algn="ctr"/>
+            <a:r>
+              <a:rPr lang="fr-FR" dirty="0"/>
+              <a:t>7</a:t>
+            </a:r>
+          </a:p>
+        </p:txBody>
+      </p:sp>
+      <p:sp>
+        <p:nvSpPr>
+          <p:cNvPr id="9" name="Rectangle 8">
+            <a:extLst>
+              <a:ext uri="{FF2B5EF4-FFF2-40B4-BE49-F238E27FC236}">
+                <a16:creationId xmlns:a16="http://schemas.microsoft.com/office/drawing/2014/main" id="{AC0F6A4D-D99C-4B50-890D-B35AD19B2B41}"/>
+              </a:ext>
+            </a:extLst>
+          </p:cNvPr>
+          <p:cNvSpPr/>
+          <p:nvPr/>
+        </p:nvSpPr>
+        <p:spPr>
+          <a:xfrm>
+            <a:off x="8959905" y="837446"/>
+            <a:ext cx="651849" cy="624689"/>
+          </a:xfrm>
+          <a:prstGeom prst="rect">
+            <a:avLst/>
+          </a:prstGeom>
+        </p:spPr>
+        <p:style>
+          <a:lnRef idx="2">
+            <a:schemeClr val="accent1">
+              <a:shade val="50000"/>
+            </a:schemeClr>
+          </a:lnRef>
+          <a:fillRef idx="1">
+            <a:schemeClr val="accent1"/>
+          </a:fillRef>
+          <a:effectRef idx="0">
+            <a:schemeClr val="accent1"/>
+          </a:effectRef>
+          <a:fontRef idx="minor">
+            <a:schemeClr val="lt1"/>
+          </a:fontRef>
+        </p:style>
+        <p:txBody>
+          <a:bodyPr rtlCol="0" anchor="ctr"/>
+          <a:lstStyle/>
+          <a:p>
+            <a:pPr algn="ctr"/>
+            <a:r>
+              <a:rPr lang="fr-FR" dirty="0"/>
+              <a:t>12</a:t>
+            </a:r>
+          </a:p>
+        </p:txBody>
+      </p:sp>
+      <p:sp>
+        <p:nvSpPr>
+          <p:cNvPr id="11" name="Rectangle 10">
+            <a:extLst>
+              <a:ext uri="{FF2B5EF4-FFF2-40B4-BE49-F238E27FC236}">
+                <a16:creationId xmlns:a16="http://schemas.microsoft.com/office/drawing/2014/main" id="{6F38A9E7-0CD6-429E-8F9F-9DA0292ECD2D}"/>
+              </a:ext>
+            </a:extLst>
+          </p:cNvPr>
+          <p:cNvSpPr/>
+          <p:nvPr/>
+        </p:nvSpPr>
+        <p:spPr>
+          <a:xfrm>
+            <a:off x="9836582" y="837444"/>
+            <a:ext cx="651849" cy="624689"/>
+          </a:xfrm>
+          <a:prstGeom prst="rect">
+            <a:avLst/>
+          </a:prstGeom>
+        </p:spPr>
+        <p:style>
+          <a:lnRef idx="2">
+            <a:schemeClr val="accent1">
+              <a:shade val="50000"/>
+            </a:schemeClr>
+          </a:lnRef>
+          <a:fillRef idx="1">
+            <a:schemeClr val="accent1"/>
+          </a:fillRef>
+          <a:effectRef idx="0">
+            <a:schemeClr val="accent1"/>
+          </a:effectRef>
+          <a:fontRef idx="minor">
+            <a:schemeClr val="lt1"/>
+          </a:fontRef>
+        </p:style>
+        <p:txBody>
+          <a:bodyPr rtlCol="0" anchor="ctr"/>
+          <a:lstStyle/>
+          <a:p>
+            <a:pPr algn="ctr"/>
+            <a:r>
+              <a:rPr lang="fr-FR" dirty="0"/>
+              <a:t>8</a:t>
+            </a:r>
+          </a:p>
+        </p:txBody>
+      </p:sp>
+      <p:cxnSp>
+        <p:nvCxnSpPr>
+          <p:cNvPr id="24" name="Connecteur droit 23">
+            <a:extLst>
+              <a:ext uri="{FF2B5EF4-FFF2-40B4-BE49-F238E27FC236}">
+                <a16:creationId xmlns:a16="http://schemas.microsoft.com/office/drawing/2014/main" id="{FF587D71-696C-4729-A020-66275E08440B}"/>
+              </a:ext>
+            </a:extLst>
+          </p:cNvPr>
+          <p:cNvCxnSpPr/>
+          <p:nvPr/>
+        </p:nvCxnSpPr>
+        <p:spPr>
+          <a:xfrm>
+            <a:off x="905347" y="1602463"/>
+            <a:ext cx="6953052" cy="0"/>
+          </a:xfrm>
+          <a:prstGeom prst="line">
+            <a:avLst/>
+          </a:prstGeom>
+          <a:ln>
+            <a:solidFill>
+              <a:srgbClr val="FF0000">
+                <a:alpha val="60000"/>
+              </a:srgbClr>
+            </a:solidFill>
+          </a:ln>
+        </p:spPr>
+        <p:style>
+          <a:lnRef idx="1">
+            <a:schemeClr val="accent1"/>
+          </a:lnRef>
+          <a:fillRef idx="0">
+            <a:schemeClr val="accent1"/>
+          </a:fillRef>
+          <a:effectRef idx="0">
+            <a:schemeClr val="accent1"/>
+          </a:effectRef>
+          <a:fontRef idx="minor">
+            <a:schemeClr val="tx1"/>
+          </a:fontRef>
+        </p:style>
+      </p:cxnSp>
+      <p:cxnSp>
+        <p:nvCxnSpPr>
+          <p:cNvPr id="25" name="Connecteur droit 24">
+            <a:extLst>
+              <a:ext uri="{FF2B5EF4-FFF2-40B4-BE49-F238E27FC236}">
+                <a16:creationId xmlns:a16="http://schemas.microsoft.com/office/drawing/2014/main" id="{C2ABC684-E397-4F41-8273-E5A13B2C5BF1}"/>
+              </a:ext>
+            </a:extLst>
+          </p:cNvPr>
+          <p:cNvCxnSpPr/>
+          <p:nvPr/>
+        </p:nvCxnSpPr>
+        <p:spPr>
+          <a:xfrm>
+            <a:off x="8083228" y="1602463"/>
+            <a:ext cx="2405203" cy="0"/>
+          </a:xfrm>
+          <a:prstGeom prst="line">
+            <a:avLst/>
+          </a:prstGeom>
+          <a:ln>
+            <a:solidFill>
+              <a:schemeClr val="accent3">
+                <a:lumMod val="60000"/>
+                <a:lumOff val="40000"/>
+                <a:alpha val="60000"/>
+              </a:schemeClr>
+            </a:solidFill>
+          </a:ln>
+        </p:spPr>
+        <p:style>
+          <a:lnRef idx="1">
+            <a:schemeClr val="accent1"/>
+          </a:lnRef>
+          <a:fillRef idx="0">
+            <a:schemeClr val="accent1"/>
+          </a:fillRef>
+          <a:effectRef idx="0">
+            <a:schemeClr val="accent1"/>
+          </a:effectRef>
+          <a:fontRef idx="minor">
+            <a:schemeClr val="tx1"/>
+          </a:fontRef>
+        </p:style>
+      </p:cxnSp>
+      <p:sp>
+        <p:nvSpPr>
+          <p:cNvPr id="28" name="ZoneTexte 27">
+            <a:extLst>
+              <a:ext uri="{FF2B5EF4-FFF2-40B4-BE49-F238E27FC236}">
+                <a16:creationId xmlns:a16="http://schemas.microsoft.com/office/drawing/2014/main" id="{58DA02F5-D519-4E8D-A8DC-B76DABAE397D}"/>
+              </a:ext>
+            </a:extLst>
+          </p:cNvPr>
+          <p:cNvSpPr txBox="1"/>
+          <p:nvPr/>
+        </p:nvSpPr>
+        <p:spPr>
+          <a:xfrm>
+            <a:off x="7826653" y="1896699"/>
+            <a:ext cx="1204176" cy="1200329"/>
+          </a:xfrm>
+          <a:prstGeom prst="rect">
+            <a:avLst/>
+          </a:prstGeom>
+          <a:noFill/>
+        </p:spPr>
+        <p:txBody>
+          <a:bodyPr wrap="square" rtlCol="0">
+            <a:spAutoFit/>
+          </a:bodyPr>
+          <a:lstStyle/>
+          <a:p>
+            <a:r>
+              <a:rPr lang="fr-FR" dirty="0">
+                <a:solidFill>
+                  <a:schemeClr val="bg1"/>
+                </a:solidFill>
+              </a:rPr>
+              <a:t>Minimum</a:t>
+            </a:r>
+            <a:br>
+              <a:rPr lang="fr-FR" dirty="0">
+                <a:solidFill>
+                  <a:schemeClr val="bg1"/>
+                </a:solidFill>
+              </a:rPr>
+            </a:br>
+            <a:r>
+              <a:rPr lang="fr-FR" dirty="0">
+                <a:solidFill>
+                  <a:schemeClr val="bg1"/>
+                </a:solidFill>
+              </a:rPr>
+              <a:t>du second arbre</a:t>
+            </a:r>
+          </a:p>
+        </p:txBody>
+      </p:sp>
+      <p:cxnSp>
+        <p:nvCxnSpPr>
+          <p:cNvPr id="29" name="Connecteur droit avec flèche 28">
+            <a:extLst>
+              <a:ext uri="{FF2B5EF4-FFF2-40B4-BE49-F238E27FC236}">
+                <a16:creationId xmlns:a16="http://schemas.microsoft.com/office/drawing/2014/main" id="{E8517297-7273-4F48-BBAE-4C05B7ACCC15}"/>
+              </a:ext>
+            </a:extLst>
+          </p:cNvPr>
+          <p:cNvCxnSpPr>
+            <a:cxnSpLocks/>
+            <a:endCxn id="8" idx="2"/>
+          </p:cNvCxnSpPr>
+          <p:nvPr/>
+        </p:nvCxnSpPr>
+        <p:spPr>
+          <a:xfrm flipV="1">
+            <a:off x="8409153" y="1462134"/>
+            <a:ext cx="0" cy="457201"/>
+          </a:xfrm>
+          <a:prstGeom prst="straightConnector1">
+            <a:avLst/>
+          </a:prstGeom>
+          <a:ln>
+            <a:solidFill>
+              <a:schemeClr val="bg1">
+                <a:alpha val="60000"/>
+              </a:schemeClr>
+            </a:solidFill>
+            <a:tailEnd type="triangle"/>
+          </a:ln>
+        </p:spPr>
+        <p:style>
+          <a:lnRef idx="1">
+            <a:schemeClr val="accent1"/>
+          </a:lnRef>
+          <a:fillRef idx="0">
+            <a:schemeClr val="accent1"/>
+          </a:fillRef>
+          <a:effectRef idx="0">
+            <a:schemeClr val="accent1"/>
+          </a:effectRef>
+          <a:fontRef idx="minor">
+            <a:schemeClr val="tx1"/>
+          </a:fontRef>
+        </p:style>
+      </p:cxnSp>
+    </p:spTree>
+    <p:extLst>
+      <p:ext uri="{BB962C8B-B14F-4D97-AF65-F5344CB8AC3E}">
+        <p14:creationId xmlns:p14="http://schemas.microsoft.com/office/powerpoint/2010/main" val="856888571"/>
+      </p:ext>
+    </p:extLst>
+  </p:cSld>
+  <p:clrMapOvr>
+    <a:masterClrMapping/>
+  </p:clrMapOvr>
+</p:sld>
+</file>
+
+<file path=ppt/slides/slide16.xml><?xml version="1.0" encoding="utf-8"?>
+<p:sld xmlns:a="http://schemas.openxmlformats.org/drawingml/2006/main" xmlns:r="http://schemas.openxmlformats.org/officeDocument/2006/relationships" xmlns:p="http://schemas.openxmlformats.org/presentationml/2006/main">
+  <p:cSld>
+    <p:spTree>
+      <p:nvGrpSpPr>
+        <p:cNvPr id="1" name=""/>
+        <p:cNvGrpSpPr/>
+        <p:nvPr/>
+      </p:nvGrpSpPr>
+      <p:grpSpPr>
+        <a:xfrm>
+          <a:off x="0" y="0"/>
+          <a:ext cx="0" cy="0"/>
+          <a:chOff x="0" y="0"/>
+          <a:chExt cx="0" cy="0"/>
+        </a:xfrm>
+      </p:grpSpPr>
+      <p:sp>
+        <p:nvSpPr>
+          <p:cNvPr id="4" name="Rectangle 3">
+            <a:extLst>
+              <a:ext uri="{FF2B5EF4-FFF2-40B4-BE49-F238E27FC236}">
+                <a16:creationId xmlns:a16="http://schemas.microsoft.com/office/drawing/2014/main" id="{42CA08E4-B55C-4CBA-8A8A-F6E7B963880C}"/>
+              </a:ext>
+            </a:extLst>
+          </p:cNvPr>
+          <p:cNvSpPr/>
+          <p:nvPr/>
+        </p:nvSpPr>
+        <p:spPr>
+          <a:xfrm>
+            <a:off x="905347" y="851026"/>
+            <a:ext cx="651849" cy="624689"/>
+          </a:xfrm>
+          <a:prstGeom prst="rect">
+            <a:avLst/>
+          </a:prstGeom>
+        </p:spPr>
+        <p:style>
+          <a:lnRef idx="2">
+            <a:schemeClr val="accent1">
+              <a:shade val="50000"/>
+            </a:schemeClr>
+          </a:lnRef>
+          <a:fillRef idx="1">
+            <a:schemeClr val="accent1"/>
+          </a:fillRef>
+          <a:effectRef idx="0">
+            <a:schemeClr val="accent1"/>
+          </a:effectRef>
+          <a:fontRef idx="minor">
+            <a:schemeClr val="lt1"/>
+          </a:fontRef>
+        </p:style>
+        <p:txBody>
+          <a:bodyPr rtlCol="0" anchor="ctr"/>
+          <a:lstStyle/>
+          <a:p>
+            <a:pPr algn="ctr"/>
+            <a:r>
+              <a:rPr lang="fr-FR" dirty="0"/>
+              <a:t>5</a:t>
+            </a:r>
+          </a:p>
+        </p:txBody>
+      </p:sp>
+      <p:sp>
+        <p:nvSpPr>
+          <p:cNvPr id="6" name="Rectangle 5">
+            <a:extLst>
+              <a:ext uri="{FF2B5EF4-FFF2-40B4-BE49-F238E27FC236}">
+                <a16:creationId xmlns:a16="http://schemas.microsoft.com/office/drawing/2014/main" id="{4A554B94-F045-4FEA-984D-5C7314FAC83A}"/>
+              </a:ext>
+            </a:extLst>
+          </p:cNvPr>
+          <p:cNvSpPr/>
+          <p:nvPr/>
+        </p:nvSpPr>
+        <p:spPr>
+          <a:xfrm>
+            <a:off x="6323839" y="837446"/>
+            <a:ext cx="651849" cy="624689"/>
+          </a:xfrm>
+          <a:prstGeom prst="rect">
+            <a:avLst/>
+          </a:prstGeom>
+        </p:spPr>
+        <p:style>
+          <a:lnRef idx="2">
+            <a:schemeClr val="accent1">
+              <a:shade val="50000"/>
+            </a:schemeClr>
+          </a:lnRef>
+          <a:fillRef idx="1">
+            <a:schemeClr val="accent1"/>
+          </a:fillRef>
+          <a:effectRef idx="0">
+            <a:schemeClr val="accent1"/>
+          </a:effectRef>
+          <a:fontRef idx="minor">
+            <a:schemeClr val="lt1"/>
+          </a:fontRef>
+        </p:style>
+        <p:txBody>
+          <a:bodyPr rtlCol="0" anchor="ctr"/>
+          <a:lstStyle/>
+          <a:p>
+            <a:pPr algn="ctr"/>
+            <a:r>
+              <a:rPr lang="fr-FR" dirty="0"/>
+              <a:t>18</a:t>
+            </a:r>
+          </a:p>
+        </p:txBody>
+      </p:sp>
+      <p:sp>
+        <p:nvSpPr>
+          <p:cNvPr id="10" name="Rectangle 9">
+            <a:extLst>
+              <a:ext uri="{FF2B5EF4-FFF2-40B4-BE49-F238E27FC236}">
+                <a16:creationId xmlns:a16="http://schemas.microsoft.com/office/drawing/2014/main" id="{AA5DD5E5-6A2A-4548-A08C-DD931FBD3769}"/>
+              </a:ext>
+            </a:extLst>
+          </p:cNvPr>
+          <p:cNvSpPr/>
+          <p:nvPr/>
+        </p:nvSpPr>
+        <p:spPr>
+          <a:xfrm>
+            <a:off x="4531255" y="843481"/>
+            <a:ext cx="651849" cy="624689"/>
+          </a:xfrm>
+          <a:prstGeom prst="rect">
+            <a:avLst/>
+          </a:prstGeom>
+        </p:spPr>
+        <p:style>
+          <a:lnRef idx="2">
+            <a:schemeClr val="accent1">
+              <a:shade val="50000"/>
+            </a:schemeClr>
+          </a:lnRef>
+          <a:fillRef idx="1">
+            <a:schemeClr val="accent1"/>
+          </a:fillRef>
+          <a:effectRef idx="0">
+            <a:schemeClr val="accent1"/>
+          </a:effectRef>
+          <a:fontRef idx="minor">
+            <a:schemeClr val="lt1"/>
+          </a:fontRef>
+        </p:style>
+        <p:txBody>
+          <a:bodyPr rtlCol="0" anchor="ctr"/>
+          <a:lstStyle/>
+          <a:p>
+            <a:pPr algn="ctr"/>
+            <a:r>
+              <a:rPr lang="fr-FR" dirty="0"/>
+              <a:t>9</a:t>
+            </a:r>
+          </a:p>
+        </p:txBody>
+      </p:sp>
+      <p:sp>
+        <p:nvSpPr>
+          <p:cNvPr id="12" name="Rectangle 11">
+            <a:extLst>
+              <a:ext uri="{FF2B5EF4-FFF2-40B4-BE49-F238E27FC236}">
+                <a16:creationId xmlns:a16="http://schemas.microsoft.com/office/drawing/2014/main" id="{01000056-17C3-4074-8CC8-640819CC4C2F}"/>
+              </a:ext>
+            </a:extLst>
+          </p:cNvPr>
+          <p:cNvSpPr/>
+          <p:nvPr/>
+        </p:nvSpPr>
+        <p:spPr>
+          <a:xfrm>
+            <a:off x="3621383" y="851026"/>
+            <a:ext cx="651849" cy="624689"/>
+          </a:xfrm>
+          <a:prstGeom prst="rect">
+            <a:avLst/>
+          </a:prstGeom>
+        </p:spPr>
+        <p:style>
+          <a:lnRef idx="2">
+            <a:schemeClr val="accent1">
+              <a:shade val="50000"/>
+            </a:schemeClr>
+          </a:lnRef>
+          <a:fillRef idx="1">
+            <a:schemeClr val="accent1"/>
+          </a:fillRef>
+          <a:effectRef idx="0">
+            <a:schemeClr val="accent1"/>
+          </a:effectRef>
+          <a:fontRef idx="minor">
+            <a:schemeClr val="lt1"/>
+          </a:fontRef>
+        </p:style>
+        <p:txBody>
+          <a:bodyPr rtlCol="0" anchor="ctr"/>
+          <a:lstStyle/>
+          <a:p>
+            <a:pPr algn="ctr"/>
+            <a:r>
+              <a:rPr lang="fr-FR" dirty="0"/>
+              <a:t>1</a:t>
+            </a:r>
+          </a:p>
+        </p:txBody>
+      </p:sp>
+      <p:sp>
+        <p:nvSpPr>
+          <p:cNvPr id="14" name="Rectangle 13">
+            <a:extLst>
+              <a:ext uri="{FF2B5EF4-FFF2-40B4-BE49-F238E27FC236}">
+                <a16:creationId xmlns:a16="http://schemas.microsoft.com/office/drawing/2014/main" id="{7D7E7D27-0EE7-40E3-9ABC-5EFBAF6DC89F}"/>
+              </a:ext>
+            </a:extLst>
+          </p:cNvPr>
+          <p:cNvSpPr/>
+          <p:nvPr/>
+        </p:nvSpPr>
+        <p:spPr>
+          <a:xfrm>
+            <a:off x="2725091" y="852535"/>
+            <a:ext cx="651849" cy="624689"/>
+          </a:xfrm>
+          <a:prstGeom prst="rect">
+            <a:avLst/>
+          </a:prstGeom>
+        </p:spPr>
+        <p:style>
+          <a:lnRef idx="2">
+            <a:schemeClr val="accent1">
+              <a:shade val="50000"/>
+            </a:schemeClr>
+          </a:lnRef>
+          <a:fillRef idx="1">
+            <a:schemeClr val="accent1"/>
+          </a:fillRef>
+          <a:effectRef idx="0">
+            <a:schemeClr val="accent1"/>
+          </a:effectRef>
+          <a:fontRef idx="minor">
+            <a:schemeClr val="lt1"/>
+          </a:fontRef>
+        </p:style>
+        <p:txBody>
+          <a:bodyPr rtlCol="0" anchor="ctr"/>
+          <a:lstStyle/>
+          <a:p>
+            <a:pPr algn="ctr"/>
+            <a:r>
+              <a:rPr lang="fr-FR" dirty="0"/>
+              <a:t>41</a:t>
+            </a:r>
+          </a:p>
+        </p:txBody>
+      </p:sp>
+      <p:sp>
+        <p:nvSpPr>
+          <p:cNvPr id="16" name="Rectangle 15">
+            <a:extLst>
+              <a:ext uri="{FF2B5EF4-FFF2-40B4-BE49-F238E27FC236}">
+                <a16:creationId xmlns:a16="http://schemas.microsoft.com/office/drawing/2014/main" id="{03FD576F-8FCA-494F-9393-A5883588CF16}"/>
+              </a:ext>
+            </a:extLst>
+          </p:cNvPr>
+          <p:cNvSpPr/>
+          <p:nvPr/>
+        </p:nvSpPr>
+        <p:spPr>
+          <a:xfrm>
+            <a:off x="1815219" y="851026"/>
+            <a:ext cx="651849" cy="624689"/>
+          </a:xfrm>
+          <a:prstGeom prst="rect">
+            <a:avLst/>
+          </a:prstGeom>
+        </p:spPr>
+        <p:style>
+          <a:lnRef idx="2">
+            <a:schemeClr val="accent1">
+              <a:shade val="50000"/>
+            </a:schemeClr>
+          </a:lnRef>
+          <a:fillRef idx="1">
+            <a:schemeClr val="accent1"/>
+          </a:fillRef>
+          <a:effectRef idx="0">
+            <a:schemeClr val="accent1"/>
+          </a:effectRef>
+          <a:fontRef idx="minor">
+            <a:schemeClr val="lt1"/>
+          </a:fontRef>
+        </p:style>
+        <p:txBody>
+          <a:bodyPr rtlCol="0" anchor="ctr"/>
+          <a:lstStyle/>
+          <a:p>
+            <a:pPr algn="ctr"/>
+            <a:r>
+              <a:rPr lang="fr-FR" dirty="0"/>
+              <a:t>10</a:t>
+            </a:r>
+          </a:p>
+        </p:txBody>
+      </p:sp>
+      <p:sp>
+        <p:nvSpPr>
+          <p:cNvPr id="18" name="Rectangle 17">
+            <a:extLst>
+              <a:ext uri="{FF2B5EF4-FFF2-40B4-BE49-F238E27FC236}">
+                <a16:creationId xmlns:a16="http://schemas.microsoft.com/office/drawing/2014/main" id="{995ACC9E-D875-42F3-B41A-611CE3547416}"/>
+              </a:ext>
+            </a:extLst>
+          </p:cNvPr>
+          <p:cNvSpPr/>
+          <p:nvPr/>
+        </p:nvSpPr>
+        <p:spPr>
+          <a:xfrm>
+            <a:off x="5413967" y="837445"/>
+            <a:ext cx="651849" cy="624689"/>
+          </a:xfrm>
+          <a:prstGeom prst="rect">
+            <a:avLst/>
+          </a:prstGeom>
+        </p:spPr>
+        <p:style>
+          <a:lnRef idx="2">
+            <a:schemeClr val="accent1">
+              <a:shade val="50000"/>
+            </a:schemeClr>
+          </a:lnRef>
+          <a:fillRef idx="1">
+            <a:schemeClr val="accent1"/>
+          </a:fillRef>
+          <a:effectRef idx="0">
+            <a:schemeClr val="accent1"/>
+          </a:effectRef>
+          <a:fontRef idx="minor">
+            <a:schemeClr val="lt1"/>
+          </a:fontRef>
+        </p:style>
+        <p:txBody>
+          <a:bodyPr rtlCol="0" anchor="ctr"/>
+          <a:lstStyle/>
+          <a:p>
+            <a:pPr algn="ctr"/>
+            <a:r>
+              <a:rPr lang="fr-FR" dirty="0"/>
+              <a:t>27</a:t>
+            </a:r>
+          </a:p>
+        </p:txBody>
+      </p:sp>
+      <p:sp>
+        <p:nvSpPr>
+          <p:cNvPr id="21" name="ZoneTexte 20">
+            <a:extLst>
+              <a:ext uri="{FF2B5EF4-FFF2-40B4-BE49-F238E27FC236}">
+                <a16:creationId xmlns:a16="http://schemas.microsoft.com/office/drawing/2014/main" id="{7BF83664-416F-421B-897D-B524C2D82A2C}"/>
+              </a:ext>
+            </a:extLst>
+          </p:cNvPr>
+          <p:cNvSpPr txBox="1"/>
+          <p:nvPr/>
+        </p:nvSpPr>
+        <p:spPr>
+          <a:xfrm>
+            <a:off x="6906177" y="90532"/>
+            <a:ext cx="1204176" cy="369332"/>
+          </a:xfrm>
+          <a:prstGeom prst="rect">
+            <a:avLst/>
+          </a:prstGeom>
+          <a:noFill/>
+        </p:spPr>
+        <p:txBody>
+          <a:bodyPr wrap="none" rtlCol="0">
+            <a:spAutoFit/>
+          </a:bodyPr>
+          <a:lstStyle/>
+          <a:p>
+            <a:r>
+              <a:rPr lang="fr-FR" dirty="0">
+                <a:solidFill>
+                  <a:schemeClr val="bg1"/>
+                </a:solidFill>
+              </a:rPr>
+              <a:t>Minimum</a:t>
+            </a:r>
+          </a:p>
+        </p:txBody>
+      </p:sp>
+      <p:cxnSp>
+        <p:nvCxnSpPr>
+          <p:cNvPr id="23" name="Connecteur droit avec flèche 22">
+            <a:extLst>
+              <a:ext uri="{FF2B5EF4-FFF2-40B4-BE49-F238E27FC236}">
+                <a16:creationId xmlns:a16="http://schemas.microsoft.com/office/drawing/2014/main" id="{73DA6B45-E50C-4DFF-AAFB-39E4954D44CB}"/>
+              </a:ext>
+            </a:extLst>
+          </p:cNvPr>
+          <p:cNvCxnSpPr>
+            <a:cxnSpLocks/>
+            <a:stCxn id="21" idx="2"/>
+          </p:cNvCxnSpPr>
+          <p:nvPr/>
+        </p:nvCxnSpPr>
+        <p:spPr>
+          <a:xfrm>
+            <a:off x="7508265" y="459864"/>
+            <a:ext cx="1" cy="363999"/>
+          </a:xfrm>
+          <a:prstGeom prst="straightConnector1">
+            <a:avLst/>
+          </a:prstGeom>
+          <a:ln>
+            <a:solidFill>
+              <a:schemeClr val="bg1">
+                <a:alpha val="60000"/>
+              </a:schemeClr>
+            </a:solidFill>
+            <a:tailEnd type="triangle"/>
+          </a:ln>
+        </p:spPr>
+        <p:style>
+          <a:lnRef idx="1">
+            <a:schemeClr val="accent1"/>
+          </a:lnRef>
+          <a:fillRef idx="0">
+            <a:schemeClr val="accent1"/>
+          </a:fillRef>
+          <a:effectRef idx="0">
+            <a:schemeClr val="accent1"/>
+          </a:effectRef>
+          <a:fontRef idx="minor">
+            <a:schemeClr val="tx1"/>
+          </a:fontRef>
+        </p:style>
+      </p:cxnSp>
+      <p:sp>
+        <p:nvSpPr>
+          <p:cNvPr id="2" name="ZoneTexte 1">
+            <a:extLst>
+              <a:ext uri="{FF2B5EF4-FFF2-40B4-BE49-F238E27FC236}">
+                <a16:creationId xmlns:a16="http://schemas.microsoft.com/office/drawing/2014/main" id="{E517851D-8C92-414A-BEA7-4A57A56E3766}"/>
+              </a:ext>
+            </a:extLst>
+          </p:cNvPr>
+          <p:cNvSpPr txBox="1"/>
+          <p:nvPr/>
+        </p:nvSpPr>
+        <p:spPr>
+          <a:xfrm>
+            <a:off x="1815219" y="4671588"/>
+            <a:ext cx="1805302" cy="523220"/>
+          </a:xfrm>
+          <a:prstGeom prst="rect">
+            <a:avLst/>
+          </a:prstGeom>
+          <a:noFill/>
+        </p:spPr>
+        <p:txBody>
+          <a:bodyPr wrap="none" rtlCol="0">
+            <a:spAutoFit/>
+          </a:bodyPr>
+          <a:lstStyle/>
+          <a:p>
+            <a:r>
+              <a:rPr lang="fr-FR" sz="2800" dirty="0"/>
+              <a:t>Fusionner</a:t>
+            </a:r>
+          </a:p>
+        </p:txBody>
+      </p:sp>
+      <p:sp>
+        <p:nvSpPr>
+          <p:cNvPr id="5" name="ZoneTexte 4">
+            <a:extLst>
+              <a:ext uri="{FF2B5EF4-FFF2-40B4-BE49-F238E27FC236}">
+                <a16:creationId xmlns:a16="http://schemas.microsoft.com/office/drawing/2014/main" id="{EB897F94-7D53-4978-BB19-131DC98BAA3D}"/>
+              </a:ext>
+            </a:extLst>
+          </p:cNvPr>
+          <p:cNvSpPr txBox="1"/>
+          <p:nvPr/>
+        </p:nvSpPr>
+        <p:spPr>
+          <a:xfrm>
+            <a:off x="7077862" y="1620570"/>
+            <a:ext cx="909223" cy="369332"/>
+          </a:xfrm>
+          <a:prstGeom prst="rect">
+            <a:avLst/>
+          </a:prstGeom>
+          <a:noFill/>
+        </p:spPr>
+        <p:txBody>
+          <a:bodyPr wrap="none" rtlCol="0">
+            <a:spAutoFit/>
+          </a:bodyPr>
+          <a:lstStyle/>
+          <a:p>
+            <a:r>
+              <a:rPr lang="fr-FR" dirty="0">
+                <a:solidFill>
+                  <a:schemeClr val="bg1"/>
+                </a:solidFill>
+              </a:rPr>
+              <a:t>7 &lt; 0 ?</a:t>
+            </a:r>
+          </a:p>
+        </p:txBody>
+      </p:sp>
+      <p:sp>
+        <p:nvSpPr>
+          <p:cNvPr id="8" name="Rectangle 7">
+            <a:extLst>
+              <a:ext uri="{FF2B5EF4-FFF2-40B4-BE49-F238E27FC236}">
+                <a16:creationId xmlns:a16="http://schemas.microsoft.com/office/drawing/2014/main" id="{E9535223-CAB3-4B4C-A85C-ACD12E788E2E}"/>
+              </a:ext>
+            </a:extLst>
+          </p:cNvPr>
+          <p:cNvSpPr/>
+          <p:nvPr/>
+        </p:nvSpPr>
+        <p:spPr>
+          <a:xfrm>
+            <a:off x="7206551" y="837445"/>
+            <a:ext cx="651849" cy="624689"/>
+          </a:xfrm>
+          <a:prstGeom prst="rect">
+            <a:avLst/>
+          </a:prstGeom>
+        </p:spPr>
+        <p:style>
+          <a:lnRef idx="2">
+            <a:schemeClr val="accent1">
+              <a:shade val="50000"/>
+            </a:schemeClr>
+          </a:lnRef>
+          <a:fillRef idx="1">
+            <a:schemeClr val="accent1"/>
+          </a:fillRef>
+          <a:effectRef idx="0">
+            <a:schemeClr val="accent1"/>
+          </a:effectRef>
+          <a:fontRef idx="minor">
+            <a:schemeClr val="lt1"/>
+          </a:fontRef>
+        </p:style>
+        <p:txBody>
+          <a:bodyPr rtlCol="0" anchor="ctr"/>
+          <a:lstStyle/>
+          <a:p>
+            <a:pPr algn="ctr"/>
+            <a:r>
+              <a:rPr lang="fr-FR" dirty="0"/>
+              <a:t>0</a:t>
+            </a:r>
+          </a:p>
+        </p:txBody>
+      </p:sp>
+      <p:sp>
+        <p:nvSpPr>
+          <p:cNvPr id="9" name="Rectangle 8">
+            <a:extLst>
+              <a:ext uri="{FF2B5EF4-FFF2-40B4-BE49-F238E27FC236}">
+                <a16:creationId xmlns:a16="http://schemas.microsoft.com/office/drawing/2014/main" id="{BA8FB800-F46A-4813-A2CF-88397AB442DD}"/>
+              </a:ext>
+            </a:extLst>
+          </p:cNvPr>
+          <p:cNvSpPr/>
+          <p:nvPr/>
+        </p:nvSpPr>
+        <p:spPr>
+          <a:xfrm>
+            <a:off x="8083228" y="837444"/>
+            <a:ext cx="651849" cy="624689"/>
+          </a:xfrm>
+          <a:prstGeom prst="rect">
+            <a:avLst/>
+          </a:prstGeom>
+        </p:spPr>
+        <p:style>
+          <a:lnRef idx="2">
+            <a:schemeClr val="accent1">
+              <a:shade val="50000"/>
+            </a:schemeClr>
+          </a:lnRef>
+          <a:fillRef idx="1">
+            <a:schemeClr val="accent1"/>
+          </a:fillRef>
+          <a:effectRef idx="0">
+            <a:schemeClr val="accent1"/>
+          </a:effectRef>
+          <a:fontRef idx="minor">
+            <a:schemeClr val="lt1"/>
+          </a:fontRef>
+        </p:style>
+        <p:txBody>
+          <a:bodyPr rtlCol="0" anchor="ctr"/>
+          <a:lstStyle/>
+          <a:p>
+            <a:pPr algn="ctr"/>
+            <a:r>
+              <a:rPr lang="fr-FR" dirty="0"/>
+              <a:t>7</a:t>
+            </a:r>
+          </a:p>
+        </p:txBody>
+      </p:sp>
+      <p:sp>
+        <p:nvSpPr>
+          <p:cNvPr id="11" name="Rectangle 10">
+            <a:extLst>
+              <a:ext uri="{FF2B5EF4-FFF2-40B4-BE49-F238E27FC236}">
+                <a16:creationId xmlns:a16="http://schemas.microsoft.com/office/drawing/2014/main" id="{672B5496-FBC7-4B63-8511-CF969025D0BD}"/>
+              </a:ext>
+            </a:extLst>
+          </p:cNvPr>
+          <p:cNvSpPr/>
+          <p:nvPr/>
+        </p:nvSpPr>
+        <p:spPr>
+          <a:xfrm>
+            <a:off x="8959905" y="837445"/>
+            <a:ext cx="651849" cy="624689"/>
+          </a:xfrm>
+          <a:prstGeom prst="rect">
+            <a:avLst/>
+          </a:prstGeom>
+        </p:spPr>
+        <p:style>
+          <a:lnRef idx="2">
+            <a:schemeClr val="accent1">
+              <a:shade val="50000"/>
+            </a:schemeClr>
+          </a:lnRef>
+          <a:fillRef idx="1">
+            <a:schemeClr val="accent1"/>
+          </a:fillRef>
+          <a:effectRef idx="0">
+            <a:schemeClr val="accent1"/>
+          </a:effectRef>
+          <a:fontRef idx="minor">
+            <a:schemeClr val="lt1"/>
+          </a:fontRef>
+        </p:style>
+        <p:txBody>
+          <a:bodyPr rtlCol="0" anchor="ctr"/>
+          <a:lstStyle/>
+          <a:p>
+            <a:pPr algn="ctr"/>
+            <a:r>
+              <a:rPr lang="fr-FR" dirty="0"/>
+              <a:t>12</a:t>
+            </a:r>
+          </a:p>
+        </p:txBody>
+      </p:sp>
+      <p:sp>
+        <p:nvSpPr>
+          <p:cNvPr id="13" name="Rectangle 12">
+            <a:extLst>
+              <a:ext uri="{FF2B5EF4-FFF2-40B4-BE49-F238E27FC236}">
+                <a16:creationId xmlns:a16="http://schemas.microsoft.com/office/drawing/2014/main" id="{2300E7EC-E4BF-45F1-B212-3C4BFBD3E4B9}"/>
+              </a:ext>
+            </a:extLst>
+          </p:cNvPr>
+          <p:cNvSpPr/>
+          <p:nvPr/>
+        </p:nvSpPr>
+        <p:spPr>
+          <a:xfrm>
+            <a:off x="9836582" y="837443"/>
+            <a:ext cx="651849" cy="624689"/>
+          </a:xfrm>
+          <a:prstGeom prst="rect">
+            <a:avLst/>
+          </a:prstGeom>
+        </p:spPr>
+        <p:style>
+          <a:lnRef idx="2">
+            <a:schemeClr val="accent1">
+              <a:shade val="50000"/>
+            </a:schemeClr>
+          </a:lnRef>
+          <a:fillRef idx="1">
+            <a:schemeClr val="accent1"/>
+          </a:fillRef>
+          <a:effectRef idx="0">
+            <a:schemeClr val="accent1"/>
+          </a:effectRef>
+          <a:fontRef idx="minor">
+            <a:schemeClr val="lt1"/>
+          </a:fontRef>
+        </p:style>
+        <p:txBody>
+          <a:bodyPr rtlCol="0" anchor="ctr"/>
+          <a:lstStyle/>
+          <a:p>
+            <a:pPr algn="ctr"/>
+            <a:r>
+              <a:rPr lang="fr-FR" dirty="0"/>
+              <a:t>8</a:t>
+            </a:r>
+          </a:p>
+        </p:txBody>
+      </p:sp>
+      <p:cxnSp>
+        <p:nvCxnSpPr>
+          <p:cNvPr id="24" name="Connecteur droit 23">
+            <a:extLst>
+              <a:ext uri="{FF2B5EF4-FFF2-40B4-BE49-F238E27FC236}">
+                <a16:creationId xmlns:a16="http://schemas.microsoft.com/office/drawing/2014/main" id="{D648685C-E793-40FD-B866-C764DC30269D}"/>
+              </a:ext>
+            </a:extLst>
+          </p:cNvPr>
+          <p:cNvCxnSpPr/>
+          <p:nvPr/>
+        </p:nvCxnSpPr>
+        <p:spPr>
+          <a:xfrm>
+            <a:off x="905347" y="1602463"/>
+            <a:ext cx="6953052" cy="0"/>
+          </a:xfrm>
+          <a:prstGeom prst="line">
+            <a:avLst/>
+          </a:prstGeom>
+          <a:ln>
+            <a:solidFill>
+              <a:srgbClr val="FF0000">
+                <a:alpha val="60000"/>
+              </a:srgbClr>
+            </a:solidFill>
+          </a:ln>
+        </p:spPr>
+        <p:style>
+          <a:lnRef idx="1">
+            <a:schemeClr val="accent1"/>
+          </a:lnRef>
+          <a:fillRef idx="0">
+            <a:schemeClr val="accent1"/>
+          </a:fillRef>
+          <a:effectRef idx="0">
+            <a:schemeClr val="accent1"/>
+          </a:effectRef>
+          <a:fontRef idx="minor">
+            <a:schemeClr val="tx1"/>
+          </a:fontRef>
+        </p:style>
+      </p:cxnSp>
+      <p:cxnSp>
+        <p:nvCxnSpPr>
+          <p:cNvPr id="25" name="Connecteur droit 24">
+            <a:extLst>
+              <a:ext uri="{FF2B5EF4-FFF2-40B4-BE49-F238E27FC236}">
+                <a16:creationId xmlns:a16="http://schemas.microsoft.com/office/drawing/2014/main" id="{9F0615C2-0FA7-4A3C-8468-FE2A0C5B0F8E}"/>
+              </a:ext>
+            </a:extLst>
+          </p:cNvPr>
+          <p:cNvCxnSpPr/>
+          <p:nvPr/>
+        </p:nvCxnSpPr>
+        <p:spPr>
+          <a:xfrm>
+            <a:off x="8083228" y="1602463"/>
+            <a:ext cx="2405203" cy="0"/>
+          </a:xfrm>
+          <a:prstGeom prst="line">
+            <a:avLst/>
+          </a:prstGeom>
+          <a:ln>
+            <a:solidFill>
+              <a:schemeClr val="accent3">
+                <a:lumMod val="60000"/>
+                <a:lumOff val="40000"/>
+                <a:alpha val="60000"/>
+              </a:schemeClr>
+            </a:solidFill>
+          </a:ln>
+        </p:spPr>
+        <p:style>
+          <a:lnRef idx="1">
+            <a:schemeClr val="accent1"/>
+          </a:lnRef>
+          <a:fillRef idx="0">
+            <a:schemeClr val="accent1"/>
+          </a:fillRef>
+          <a:effectRef idx="0">
+            <a:schemeClr val="accent1"/>
+          </a:effectRef>
+          <a:fontRef idx="minor">
+            <a:schemeClr val="tx1"/>
+          </a:fontRef>
+        </p:style>
+      </p:cxnSp>
+      <p:sp>
+        <p:nvSpPr>
+          <p:cNvPr id="26" name="ZoneTexte 25">
+            <a:extLst>
+              <a:ext uri="{FF2B5EF4-FFF2-40B4-BE49-F238E27FC236}">
+                <a16:creationId xmlns:a16="http://schemas.microsoft.com/office/drawing/2014/main" id="{BF25EEDB-CD57-47A7-A451-C77EB23E06E4}"/>
+              </a:ext>
+            </a:extLst>
+          </p:cNvPr>
+          <p:cNvSpPr txBox="1"/>
+          <p:nvPr/>
+        </p:nvSpPr>
+        <p:spPr>
+          <a:xfrm>
+            <a:off x="7826653" y="1896699"/>
+            <a:ext cx="1204176" cy="1200329"/>
+          </a:xfrm>
+          <a:prstGeom prst="rect">
+            <a:avLst/>
+          </a:prstGeom>
+          <a:noFill/>
+        </p:spPr>
+        <p:txBody>
+          <a:bodyPr wrap="square" rtlCol="0">
+            <a:spAutoFit/>
+          </a:bodyPr>
+          <a:lstStyle/>
+          <a:p>
+            <a:r>
+              <a:rPr lang="fr-FR" dirty="0">
+                <a:solidFill>
+                  <a:schemeClr val="bg1"/>
+                </a:solidFill>
+              </a:rPr>
+              <a:t>Minimum</a:t>
+            </a:r>
+            <a:br>
+              <a:rPr lang="fr-FR" dirty="0">
+                <a:solidFill>
+                  <a:schemeClr val="bg1"/>
+                </a:solidFill>
+              </a:rPr>
+            </a:br>
+            <a:r>
+              <a:rPr lang="fr-FR" dirty="0">
+                <a:solidFill>
+                  <a:schemeClr val="bg1"/>
+                </a:solidFill>
+              </a:rPr>
+              <a:t>du second arbre</a:t>
+            </a:r>
+          </a:p>
+        </p:txBody>
+      </p:sp>
+      <p:cxnSp>
+        <p:nvCxnSpPr>
+          <p:cNvPr id="27" name="Connecteur droit avec flèche 26">
+            <a:extLst>
+              <a:ext uri="{FF2B5EF4-FFF2-40B4-BE49-F238E27FC236}">
+                <a16:creationId xmlns:a16="http://schemas.microsoft.com/office/drawing/2014/main" id="{E35127C8-EE74-49DA-8BE2-059CEF279265}"/>
+              </a:ext>
+            </a:extLst>
+          </p:cNvPr>
+          <p:cNvCxnSpPr>
+            <a:cxnSpLocks/>
+          </p:cNvCxnSpPr>
+          <p:nvPr/>
+        </p:nvCxnSpPr>
+        <p:spPr>
+          <a:xfrm flipV="1">
+            <a:off x="8409153" y="1462134"/>
+            <a:ext cx="0" cy="457201"/>
+          </a:xfrm>
+          <a:prstGeom prst="straightConnector1">
+            <a:avLst/>
+          </a:prstGeom>
+          <a:ln>
+            <a:solidFill>
+              <a:schemeClr val="bg1">
+                <a:alpha val="60000"/>
+              </a:schemeClr>
+            </a:solidFill>
+            <a:tailEnd type="triangle"/>
+          </a:ln>
+        </p:spPr>
+        <p:style>
+          <a:lnRef idx="1">
+            <a:schemeClr val="accent1"/>
+          </a:lnRef>
+          <a:fillRef idx="0">
+            <a:schemeClr val="accent1"/>
+          </a:fillRef>
+          <a:effectRef idx="0">
+            <a:schemeClr val="accent1"/>
+          </a:effectRef>
+          <a:fontRef idx="minor">
+            <a:schemeClr val="tx1"/>
+          </a:fontRef>
+        </p:style>
+      </p:cxnSp>
+    </p:spTree>
+    <p:extLst>
+      <p:ext uri="{BB962C8B-B14F-4D97-AF65-F5344CB8AC3E}">
+        <p14:creationId xmlns:p14="http://schemas.microsoft.com/office/powerpoint/2010/main" val="3131899790"/>
+      </p:ext>
+    </p:extLst>
+  </p:cSld>
+  <p:clrMapOvr>
+    <a:masterClrMapping/>
+  </p:clrMapOvr>
+</p:sld>
+</file>
+
+<file path=ppt/slides/slide17.xml><?xml version="1.0" encoding="utf-8"?>
+<p:sld xmlns:a="http://schemas.openxmlformats.org/drawingml/2006/main" xmlns:r="http://schemas.openxmlformats.org/officeDocument/2006/relationships" xmlns:p="http://schemas.openxmlformats.org/presentationml/2006/main">
+  <p:cSld>
+    <p:spTree>
+      <p:nvGrpSpPr>
+        <p:cNvPr id="1" name=""/>
+        <p:cNvGrpSpPr/>
+        <p:nvPr/>
+      </p:nvGrpSpPr>
+      <p:grpSpPr>
+        <a:xfrm>
+          <a:off x="0" y="0"/>
+          <a:ext cx="0" cy="0"/>
+          <a:chOff x="0" y="0"/>
+          <a:chExt cx="0" cy="0"/>
+        </a:xfrm>
+      </p:grpSpPr>
+      <p:sp>
+        <p:nvSpPr>
+          <p:cNvPr id="4" name="Rectangle 3">
+            <a:extLst>
+              <a:ext uri="{FF2B5EF4-FFF2-40B4-BE49-F238E27FC236}">
+                <a16:creationId xmlns:a16="http://schemas.microsoft.com/office/drawing/2014/main" id="{42CA08E4-B55C-4CBA-8A8A-F6E7B963880C}"/>
+              </a:ext>
+            </a:extLst>
+          </p:cNvPr>
+          <p:cNvSpPr/>
+          <p:nvPr/>
+        </p:nvSpPr>
+        <p:spPr>
+          <a:xfrm>
+            <a:off x="905347" y="851026"/>
+            <a:ext cx="651849" cy="624689"/>
+          </a:xfrm>
+          <a:prstGeom prst="rect">
+            <a:avLst/>
+          </a:prstGeom>
+        </p:spPr>
+        <p:style>
+          <a:lnRef idx="2">
+            <a:schemeClr val="accent1">
+              <a:shade val="50000"/>
+            </a:schemeClr>
+          </a:lnRef>
+          <a:fillRef idx="1">
+            <a:schemeClr val="accent1"/>
+          </a:fillRef>
+          <a:effectRef idx="0">
+            <a:schemeClr val="accent1"/>
+          </a:effectRef>
+          <a:fontRef idx="minor">
+            <a:schemeClr val="lt1"/>
+          </a:fontRef>
+        </p:style>
+        <p:txBody>
+          <a:bodyPr rtlCol="0" anchor="ctr"/>
+          <a:lstStyle/>
+          <a:p>
+            <a:pPr algn="ctr"/>
+            <a:r>
+              <a:rPr lang="fr-FR" dirty="0"/>
+              <a:t>5</a:t>
+            </a:r>
+          </a:p>
+        </p:txBody>
+      </p:sp>
+      <p:sp>
+        <p:nvSpPr>
+          <p:cNvPr id="6" name="Rectangle 5">
+            <a:extLst>
+              <a:ext uri="{FF2B5EF4-FFF2-40B4-BE49-F238E27FC236}">
+                <a16:creationId xmlns:a16="http://schemas.microsoft.com/office/drawing/2014/main" id="{4A554B94-F045-4FEA-984D-5C7314FAC83A}"/>
+              </a:ext>
+            </a:extLst>
+          </p:cNvPr>
+          <p:cNvSpPr/>
+          <p:nvPr/>
+        </p:nvSpPr>
+        <p:spPr>
+          <a:xfrm>
+            <a:off x="6323839" y="837446"/>
+            <a:ext cx="651849" cy="624689"/>
+          </a:xfrm>
+          <a:prstGeom prst="rect">
+            <a:avLst/>
+          </a:prstGeom>
+        </p:spPr>
+        <p:style>
+          <a:lnRef idx="2">
+            <a:schemeClr val="accent1">
+              <a:shade val="50000"/>
+            </a:schemeClr>
+          </a:lnRef>
+          <a:fillRef idx="1">
+            <a:schemeClr val="accent1"/>
+          </a:fillRef>
+          <a:effectRef idx="0">
+            <a:schemeClr val="accent1"/>
+          </a:effectRef>
+          <a:fontRef idx="minor">
+            <a:schemeClr val="lt1"/>
+          </a:fontRef>
+        </p:style>
+        <p:txBody>
+          <a:bodyPr rtlCol="0" anchor="ctr"/>
+          <a:lstStyle/>
+          <a:p>
+            <a:pPr algn="ctr"/>
+            <a:r>
+              <a:rPr lang="fr-FR" dirty="0"/>
+              <a:t>18</a:t>
+            </a:r>
+          </a:p>
+        </p:txBody>
+      </p:sp>
+      <p:sp>
+        <p:nvSpPr>
+          <p:cNvPr id="10" name="Rectangle 9">
+            <a:extLst>
+              <a:ext uri="{FF2B5EF4-FFF2-40B4-BE49-F238E27FC236}">
+                <a16:creationId xmlns:a16="http://schemas.microsoft.com/office/drawing/2014/main" id="{AA5DD5E5-6A2A-4548-A08C-DD931FBD3769}"/>
+              </a:ext>
+            </a:extLst>
+          </p:cNvPr>
+          <p:cNvSpPr/>
+          <p:nvPr/>
+        </p:nvSpPr>
+        <p:spPr>
+          <a:xfrm>
+            <a:off x="4531255" y="843481"/>
+            <a:ext cx="651849" cy="624689"/>
+          </a:xfrm>
+          <a:prstGeom prst="rect">
+            <a:avLst/>
+          </a:prstGeom>
+        </p:spPr>
+        <p:style>
+          <a:lnRef idx="2">
+            <a:schemeClr val="accent1">
+              <a:shade val="50000"/>
+            </a:schemeClr>
+          </a:lnRef>
+          <a:fillRef idx="1">
+            <a:schemeClr val="accent1"/>
+          </a:fillRef>
+          <a:effectRef idx="0">
+            <a:schemeClr val="accent1"/>
+          </a:effectRef>
+          <a:fontRef idx="minor">
+            <a:schemeClr val="lt1"/>
+          </a:fontRef>
+        </p:style>
+        <p:txBody>
+          <a:bodyPr rtlCol="0" anchor="ctr"/>
+          <a:lstStyle/>
+          <a:p>
+            <a:pPr algn="ctr"/>
+            <a:r>
+              <a:rPr lang="fr-FR" dirty="0"/>
+              <a:t>9</a:t>
+            </a:r>
+          </a:p>
+        </p:txBody>
+      </p:sp>
+      <p:sp>
+        <p:nvSpPr>
+          <p:cNvPr id="12" name="Rectangle 11">
+            <a:extLst>
+              <a:ext uri="{FF2B5EF4-FFF2-40B4-BE49-F238E27FC236}">
+                <a16:creationId xmlns:a16="http://schemas.microsoft.com/office/drawing/2014/main" id="{01000056-17C3-4074-8CC8-640819CC4C2F}"/>
+              </a:ext>
+            </a:extLst>
+          </p:cNvPr>
+          <p:cNvSpPr/>
+          <p:nvPr/>
+        </p:nvSpPr>
+        <p:spPr>
+          <a:xfrm>
+            <a:off x="3621383" y="851026"/>
+            <a:ext cx="651849" cy="624689"/>
+          </a:xfrm>
+          <a:prstGeom prst="rect">
+            <a:avLst/>
+          </a:prstGeom>
+        </p:spPr>
+        <p:style>
+          <a:lnRef idx="2">
+            <a:schemeClr val="accent1">
+              <a:shade val="50000"/>
+            </a:schemeClr>
+          </a:lnRef>
+          <a:fillRef idx="1">
+            <a:schemeClr val="accent1"/>
+          </a:fillRef>
+          <a:effectRef idx="0">
+            <a:schemeClr val="accent1"/>
+          </a:effectRef>
+          <a:fontRef idx="minor">
+            <a:schemeClr val="lt1"/>
+          </a:fontRef>
+        </p:style>
+        <p:txBody>
+          <a:bodyPr rtlCol="0" anchor="ctr"/>
+          <a:lstStyle/>
+          <a:p>
+            <a:pPr algn="ctr"/>
+            <a:r>
+              <a:rPr lang="fr-FR" dirty="0"/>
+              <a:t>1</a:t>
+            </a:r>
+          </a:p>
+        </p:txBody>
+      </p:sp>
+      <p:sp>
+        <p:nvSpPr>
+          <p:cNvPr id="14" name="Rectangle 13">
+            <a:extLst>
+              <a:ext uri="{FF2B5EF4-FFF2-40B4-BE49-F238E27FC236}">
+                <a16:creationId xmlns:a16="http://schemas.microsoft.com/office/drawing/2014/main" id="{7D7E7D27-0EE7-40E3-9ABC-5EFBAF6DC89F}"/>
+              </a:ext>
+            </a:extLst>
+          </p:cNvPr>
+          <p:cNvSpPr/>
+          <p:nvPr/>
+        </p:nvSpPr>
+        <p:spPr>
+          <a:xfrm>
+            <a:off x="2725091" y="852535"/>
+            <a:ext cx="651849" cy="624689"/>
+          </a:xfrm>
+          <a:prstGeom prst="rect">
+            <a:avLst/>
+          </a:prstGeom>
+        </p:spPr>
+        <p:style>
+          <a:lnRef idx="2">
+            <a:schemeClr val="accent1">
+              <a:shade val="50000"/>
+            </a:schemeClr>
+          </a:lnRef>
+          <a:fillRef idx="1">
+            <a:schemeClr val="accent1"/>
+          </a:fillRef>
+          <a:effectRef idx="0">
+            <a:schemeClr val="accent1"/>
+          </a:effectRef>
+          <a:fontRef idx="minor">
+            <a:schemeClr val="lt1"/>
+          </a:fontRef>
+        </p:style>
+        <p:txBody>
+          <a:bodyPr rtlCol="0" anchor="ctr"/>
+          <a:lstStyle/>
+          <a:p>
+            <a:pPr algn="ctr"/>
+            <a:r>
+              <a:rPr lang="fr-FR" dirty="0"/>
+              <a:t>41</a:t>
+            </a:r>
+          </a:p>
+        </p:txBody>
+      </p:sp>
+      <p:sp>
+        <p:nvSpPr>
+          <p:cNvPr id="16" name="Rectangle 15">
+            <a:extLst>
+              <a:ext uri="{FF2B5EF4-FFF2-40B4-BE49-F238E27FC236}">
+                <a16:creationId xmlns:a16="http://schemas.microsoft.com/office/drawing/2014/main" id="{03FD576F-8FCA-494F-9393-A5883588CF16}"/>
+              </a:ext>
+            </a:extLst>
+          </p:cNvPr>
+          <p:cNvSpPr/>
+          <p:nvPr/>
+        </p:nvSpPr>
+        <p:spPr>
+          <a:xfrm>
+            <a:off x="1815219" y="851026"/>
+            <a:ext cx="651849" cy="624689"/>
+          </a:xfrm>
+          <a:prstGeom prst="rect">
+            <a:avLst/>
+          </a:prstGeom>
+        </p:spPr>
+        <p:style>
+          <a:lnRef idx="2">
+            <a:schemeClr val="accent1">
+              <a:shade val="50000"/>
+            </a:schemeClr>
+          </a:lnRef>
+          <a:fillRef idx="1">
+            <a:schemeClr val="accent1"/>
+          </a:fillRef>
+          <a:effectRef idx="0">
+            <a:schemeClr val="accent1"/>
+          </a:effectRef>
+          <a:fontRef idx="minor">
+            <a:schemeClr val="lt1"/>
+          </a:fontRef>
+        </p:style>
+        <p:txBody>
+          <a:bodyPr rtlCol="0" anchor="ctr"/>
+          <a:lstStyle/>
+          <a:p>
+            <a:pPr algn="ctr"/>
+            <a:r>
+              <a:rPr lang="fr-FR" dirty="0"/>
+              <a:t>10</a:t>
+            </a:r>
+          </a:p>
+        </p:txBody>
+      </p:sp>
+      <p:sp>
+        <p:nvSpPr>
+          <p:cNvPr id="18" name="Rectangle 17">
+            <a:extLst>
+              <a:ext uri="{FF2B5EF4-FFF2-40B4-BE49-F238E27FC236}">
+                <a16:creationId xmlns:a16="http://schemas.microsoft.com/office/drawing/2014/main" id="{995ACC9E-D875-42F3-B41A-611CE3547416}"/>
+              </a:ext>
+            </a:extLst>
+          </p:cNvPr>
+          <p:cNvSpPr/>
+          <p:nvPr/>
+        </p:nvSpPr>
+        <p:spPr>
+          <a:xfrm>
+            <a:off x="5413967" y="837445"/>
+            <a:ext cx="651849" cy="624689"/>
+          </a:xfrm>
+          <a:prstGeom prst="rect">
+            <a:avLst/>
+          </a:prstGeom>
+        </p:spPr>
+        <p:style>
+          <a:lnRef idx="2">
+            <a:schemeClr val="accent1">
+              <a:shade val="50000"/>
+            </a:schemeClr>
+          </a:lnRef>
+          <a:fillRef idx="1">
+            <a:schemeClr val="accent1"/>
+          </a:fillRef>
+          <a:effectRef idx="0">
+            <a:schemeClr val="accent1"/>
+          </a:effectRef>
+          <a:fontRef idx="minor">
+            <a:schemeClr val="lt1"/>
+          </a:fontRef>
+        </p:style>
+        <p:txBody>
+          <a:bodyPr rtlCol="0" anchor="ctr"/>
+          <a:lstStyle/>
+          <a:p>
+            <a:pPr algn="ctr"/>
+            <a:r>
+              <a:rPr lang="fr-FR" dirty="0"/>
+              <a:t>27</a:t>
+            </a:r>
+          </a:p>
+        </p:txBody>
+      </p:sp>
+      <p:sp>
+        <p:nvSpPr>
+          <p:cNvPr id="21" name="ZoneTexte 20">
+            <a:extLst>
+              <a:ext uri="{FF2B5EF4-FFF2-40B4-BE49-F238E27FC236}">
+                <a16:creationId xmlns:a16="http://schemas.microsoft.com/office/drawing/2014/main" id="{7BF83664-416F-421B-897D-B524C2D82A2C}"/>
+              </a:ext>
+            </a:extLst>
+          </p:cNvPr>
+          <p:cNvSpPr txBox="1"/>
+          <p:nvPr/>
+        </p:nvSpPr>
+        <p:spPr>
+          <a:xfrm>
+            <a:off x="6930385" y="81481"/>
+            <a:ext cx="1204176" cy="369332"/>
+          </a:xfrm>
+          <a:prstGeom prst="rect">
+            <a:avLst/>
+          </a:prstGeom>
+          <a:noFill/>
+        </p:spPr>
+        <p:txBody>
+          <a:bodyPr wrap="none" rtlCol="0">
+            <a:spAutoFit/>
+          </a:bodyPr>
+          <a:lstStyle/>
+          <a:p>
+            <a:r>
+              <a:rPr lang="fr-FR" dirty="0">
+                <a:solidFill>
+                  <a:schemeClr val="bg1"/>
+                </a:solidFill>
+              </a:rPr>
+              <a:t>Minimum</a:t>
+            </a:r>
+          </a:p>
+        </p:txBody>
+      </p:sp>
+      <p:cxnSp>
+        <p:nvCxnSpPr>
+          <p:cNvPr id="23" name="Connecteur droit avec flèche 22">
+            <a:extLst>
+              <a:ext uri="{FF2B5EF4-FFF2-40B4-BE49-F238E27FC236}">
+                <a16:creationId xmlns:a16="http://schemas.microsoft.com/office/drawing/2014/main" id="{73DA6B45-E50C-4DFF-AAFB-39E4954D44CB}"/>
+              </a:ext>
+            </a:extLst>
+          </p:cNvPr>
+          <p:cNvCxnSpPr>
+            <a:cxnSpLocks/>
+            <a:stCxn id="21" idx="2"/>
+          </p:cNvCxnSpPr>
+          <p:nvPr/>
+        </p:nvCxnSpPr>
+        <p:spPr>
+          <a:xfrm>
+            <a:off x="7532473" y="450813"/>
+            <a:ext cx="2" cy="400213"/>
+          </a:xfrm>
+          <a:prstGeom prst="straightConnector1">
+            <a:avLst/>
+          </a:prstGeom>
+          <a:ln>
+            <a:solidFill>
+              <a:schemeClr val="bg1">
+                <a:alpha val="60000"/>
+              </a:schemeClr>
+            </a:solidFill>
+            <a:tailEnd type="triangle"/>
+          </a:ln>
+        </p:spPr>
+        <p:style>
+          <a:lnRef idx="1">
+            <a:schemeClr val="accent1"/>
+          </a:lnRef>
+          <a:fillRef idx="0">
+            <a:schemeClr val="accent1"/>
+          </a:fillRef>
+          <a:effectRef idx="0">
+            <a:schemeClr val="accent1"/>
+          </a:effectRef>
+          <a:fontRef idx="minor">
+            <a:schemeClr val="tx1"/>
+          </a:fontRef>
+        </p:style>
+      </p:cxnSp>
+      <p:sp>
+        <p:nvSpPr>
+          <p:cNvPr id="2" name="ZoneTexte 1">
+            <a:extLst>
+              <a:ext uri="{FF2B5EF4-FFF2-40B4-BE49-F238E27FC236}">
+                <a16:creationId xmlns:a16="http://schemas.microsoft.com/office/drawing/2014/main" id="{E517851D-8C92-414A-BEA7-4A57A56E3766}"/>
+              </a:ext>
+            </a:extLst>
+          </p:cNvPr>
+          <p:cNvSpPr txBox="1"/>
+          <p:nvPr/>
+        </p:nvSpPr>
+        <p:spPr>
+          <a:xfrm>
+            <a:off x="1815219" y="4671588"/>
+            <a:ext cx="1805302" cy="523220"/>
+          </a:xfrm>
+          <a:prstGeom prst="rect">
+            <a:avLst/>
+          </a:prstGeom>
+          <a:noFill/>
+        </p:spPr>
+        <p:txBody>
+          <a:bodyPr wrap="none" rtlCol="0">
+            <a:spAutoFit/>
+          </a:bodyPr>
+          <a:lstStyle/>
+          <a:p>
+            <a:r>
+              <a:rPr lang="fr-FR" sz="2800" dirty="0"/>
+              <a:t>Fusionner</a:t>
+            </a:r>
+          </a:p>
+        </p:txBody>
+      </p:sp>
+      <p:sp>
+        <p:nvSpPr>
+          <p:cNvPr id="5" name="Rectangle 4">
+            <a:extLst>
+              <a:ext uri="{FF2B5EF4-FFF2-40B4-BE49-F238E27FC236}">
+                <a16:creationId xmlns:a16="http://schemas.microsoft.com/office/drawing/2014/main" id="{E5A0B8E9-4E41-4413-A965-7BC2C9856C92}"/>
+              </a:ext>
+            </a:extLst>
+          </p:cNvPr>
+          <p:cNvSpPr/>
+          <p:nvPr/>
+        </p:nvSpPr>
+        <p:spPr>
+          <a:xfrm>
+            <a:off x="7206551" y="844236"/>
+            <a:ext cx="651849" cy="624689"/>
+          </a:xfrm>
+          <a:prstGeom prst="rect">
+            <a:avLst/>
+          </a:prstGeom>
+        </p:spPr>
+        <p:style>
+          <a:lnRef idx="2">
+            <a:schemeClr val="accent1">
+              <a:shade val="50000"/>
+            </a:schemeClr>
+          </a:lnRef>
+          <a:fillRef idx="1">
+            <a:schemeClr val="accent1"/>
+          </a:fillRef>
+          <a:effectRef idx="0">
+            <a:schemeClr val="accent1"/>
+          </a:effectRef>
+          <a:fontRef idx="minor">
+            <a:schemeClr val="lt1"/>
+          </a:fontRef>
+        </p:style>
+        <p:txBody>
+          <a:bodyPr rtlCol="0" anchor="ctr"/>
+          <a:lstStyle/>
+          <a:p>
+            <a:pPr algn="ctr"/>
+            <a:r>
+              <a:rPr lang="fr-FR" dirty="0"/>
+              <a:t>0</a:t>
+            </a:r>
+          </a:p>
+        </p:txBody>
+      </p:sp>
+      <p:sp>
+        <p:nvSpPr>
+          <p:cNvPr id="8" name="Rectangle 7">
+            <a:extLst>
+              <a:ext uri="{FF2B5EF4-FFF2-40B4-BE49-F238E27FC236}">
+                <a16:creationId xmlns:a16="http://schemas.microsoft.com/office/drawing/2014/main" id="{8965D322-5F55-4015-B5F0-7046DFEF773B}"/>
+              </a:ext>
+            </a:extLst>
+          </p:cNvPr>
+          <p:cNvSpPr/>
+          <p:nvPr/>
+        </p:nvSpPr>
+        <p:spPr>
+          <a:xfrm>
+            <a:off x="8083228" y="844235"/>
+            <a:ext cx="651849" cy="624689"/>
+          </a:xfrm>
+          <a:prstGeom prst="rect">
+            <a:avLst/>
+          </a:prstGeom>
+        </p:spPr>
+        <p:style>
+          <a:lnRef idx="2">
+            <a:schemeClr val="accent1">
+              <a:shade val="50000"/>
+            </a:schemeClr>
+          </a:lnRef>
+          <a:fillRef idx="1">
+            <a:schemeClr val="accent1"/>
+          </a:fillRef>
+          <a:effectRef idx="0">
+            <a:schemeClr val="accent1"/>
+          </a:effectRef>
+          <a:fontRef idx="minor">
+            <a:schemeClr val="lt1"/>
+          </a:fontRef>
+        </p:style>
+        <p:txBody>
+          <a:bodyPr rtlCol="0" anchor="ctr"/>
+          <a:lstStyle/>
+          <a:p>
+            <a:pPr algn="ctr"/>
+            <a:r>
+              <a:rPr lang="fr-FR" dirty="0"/>
+              <a:t>7</a:t>
+            </a:r>
+          </a:p>
+        </p:txBody>
+      </p:sp>
+      <p:sp>
+        <p:nvSpPr>
+          <p:cNvPr id="9" name="Rectangle 8">
+            <a:extLst>
+              <a:ext uri="{FF2B5EF4-FFF2-40B4-BE49-F238E27FC236}">
+                <a16:creationId xmlns:a16="http://schemas.microsoft.com/office/drawing/2014/main" id="{EDC7BB24-A66F-4053-98D7-9770A7489E8D}"/>
+              </a:ext>
+            </a:extLst>
+          </p:cNvPr>
+          <p:cNvSpPr/>
+          <p:nvPr/>
+        </p:nvSpPr>
+        <p:spPr>
+          <a:xfrm>
+            <a:off x="8959905" y="844236"/>
+            <a:ext cx="651849" cy="624689"/>
+          </a:xfrm>
+          <a:prstGeom prst="rect">
+            <a:avLst/>
+          </a:prstGeom>
+        </p:spPr>
+        <p:style>
+          <a:lnRef idx="2">
+            <a:schemeClr val="accent1">
+              <a:shade val="50000"/>
+            </a:schemeClr>
+          </a:lnRef>
+          <a:fillRef idx="1">
+            <a:schemeClr val="accent1"/>
+          </a:fillRef>
+          <a:effectRef idx="0">
+            <a:schemeClr val="accent1"/>
+          </a:effectRef>
+          <a:fontRef idx="minor">
+            <a:schemeClr val="lt1"/>
+          </a:fontRef>
+        </p:style>
+        <p:txBody>
+          <a:bodyPr rtlCol="0" anchor="ctr"/>
+          <a:lstStyle/>
+          <a:p>
+            <a:pPr algn="ctr"/>
+            <a:r>
+              <a:rPr lang="fr-FR" dirty="0"/>
+              <a:t>12</a:t>
+            </a:r>
+          </a:p>
+        </p:txBody>
+      </p:sp>
+      <p:sp>
+        <p:nvSpPr>
+          <p:cNvPr id="11" name="Rectangle 10">
+            <a:extLst>
+              <a:ext uri="{FF2B5EF4-FFF2-40B4-BE49-F238E27FC236}">
+                <a16:creationId xmlns:a16="http://schemas.microsoft.com/office/drawing/2014/main" id="{04BA2560-C54E-4CFC-9ABD-68F8C89F4C9E}"/>
+              </a:ext>
+            </a:extLst>
+          </p:cNvPr>
+          <p:cNvSpPr/>
+          <p:nvPr/>
+        </p:nvSpPr>
+        <p:spPr>
+          <a:xfrm>
+            <a:off x="9836582" y="837444"/>
+            <a:ext cx="651849" cy="624689"/>
+          </a:xfrm>
+          <a:prstGeom prst="rect">
+            <a:avLst/>
+          </a:prstGeom>
+        </p:spPr>
+        <p:style>
+          <a:lnRef idx="2">
+            <a:schemeClr val="accent1">
+              <a:shade val="50000"/>
+            </a:schemeClr>
+          </a:lnRef>
+          <a:fillRef idx="1">
+            <a:schemeClr val="accent1"/>
+          </a:fillRef>
+          <a:effectRef idx="0">
+            <a:schemeClr val="accent1"/>
+          </a:effectRef>
+          <a:fontRef idx="minor">
+            <a:schemeClr val="lt1"/>
+          </a:fontRef>
+        </p:style>
+        <p:txBody>
+          <a:bodyPr rtlCol="0" anchor="ctr"/>
+          <a:lstStyle/>
+          <a:p>
+            <a:pPr algn="ctr"/>
+            <a:r>
+              <a:rPr lang="fr-FR" dirty="0"/>
+              <a:t>8</a:t>
+            </a:r>
+          </a:p>
+        </p:txBody>
+      </p:sp>
+      <p:cxnSp>
+        <p:nvCxnSpPr>
+          <p:cNvPr id="22" name="Connecteur droit 21">
+            <a:extLst>
+              <a:ext uri="{FF2B5EF4-FFF2-40B4-BE49-F238E27FC236}">
+                <a16:creationId xmlns:a16="http://schemas.microsoft.com/office/drawing/2014/main" id="{0A45C5DC-0501-4FD3-A96F-B058D29E2C34}"/>
+              </a:ext>
+            </a:extLst>
+          </p:cNvPr>
+          <p:cNvCxnSpPr/>
+          <p:nvPr/>
+        </p:nvCxnSpPr>
+        <p:spPr>
+          <a:xfrm>
+            <a:off x="905347" y="1602463"/>
+            <a:ext cx="6953052" cy="0"/>
+          </a:xfrm>
+          <a:prstGeom prst="line">
+            <a:avLst/>
+          </a:prstGeom>
+          <a:ln>
+            <a:solidFill>
+              <a:srgbClr val="FF0000">
+                <a:alpha val="60000"/>
+              </a:srgbClr>
+            </a:solidFill>
+          </a:ln>
+        </p:spPr>
+        <p:style>
+          <a:lnRef idx="1">
+            <a:schemeClr val="accent1"/>
+          </a:lnRef>
+          <a:fillRef idx="0">
+            <a:schemeClr val="accent1"/>
+          </a:fillRef>
+          <a:effectRef idx="0">
+            <a:schemeClr val="accent1"/>
+          </a:effectRef>
+          <a:fontRef idx="minor">
+            <a:schemeClr val="tx1"/>
+          </a:fontRef>
+        </p:style>
+      </p:cxnSp>
+      <p:cxnSp>
+        <p:nvCxnSpPr>
+          <p:cNvPr id="24" name="Connecteur droit 23">
+            <a:extLst>
+              <a:ext uri="{FF2B5EF4-FFF2-40B4-BE49-F238E27FC236}">
+                <a16:creationId xmlns:a16="http://schemas.microsoft.com/office/drawing/2014/main" id="{5658D6F9-D589-4A00-8FCB-65A70F46DD17}"/>
+              </a:ext>
+            </a:extLst>
+          </p:cNvPr>
+          <p:cNvCxnSpPr/>
+          <p:nvPr/>
+        </p:nvCxnSpPr>
+        <p:spPr>
+          <a:xfrm>
+            <a:off x="8083228" y="1602463"/>
+            <a:ext cx="2405203" cy="0"/>
+          </a:xfrm>
+          <a:prstGeom prst="line">
+            <a:avLst/>
+          </a:prstGeom>
+          <a:ln>
+            <a:solidFill>
+              <a:schemeClr val="accent3">
+                <a:lumMod val="60000"/>
+                <a:lumOff val="40000"/>
+                <a:alpha val="60000"/>
+              </a:schemeClr>
+            </a:solidFill>
+          </a:ln>
+        </p:spPr>
+        <p:style>
+          <a:lnRef idx="1">
+            <a:schemeClr val="accent1"/>
+          </a:lnRef>
+          <a:fillRef idx="0">
+            <a:schemeClr val="accent1"/>
+          </a:fillRef>
+          <a:effectRef idx="0">
+            <a:schemeClr val="accent1"/>
+          </a:effectRef>
+          <a:fontRef idx="minor">
+            <a:schemeClr val="tx1"/>
+          </a:fontRef>
+        </p:style>
+      </p:cxnSp>
+    </p:spTree>
+    <p:extLst>
+      <p:ext uri="{BB962C8B-B14F-4D97-AF65-F5344CB8AC3E}">
+        <p14:creationId xmlns:p14="http://schemas.microsoft.com/office/powerpoint/2010/main" val="2343619555"/>
+      </p:ext>
+    </p:extLst>
+  </p:cSld>
+  <p:clrMapOvr>
+    <a:masterClrMapping/>
+  </p:clrMapOvr>
+</p:sld>
+</file>
+
 <file path=ppt/slides/slide2.xml><?xml version="1.0" encoding="utf-8"?>
 <p:sld xmlns:a="http://schemas.openxmlformats.org/drawingml/2006/main" xmlns:r="http://schemas.openxmlformats.org/officeDocument/2006/relationships" xmlns:p="http://schemas.openxmlformats.org/presentationml/2006/main">
   <p:cSld>
@@ -7521,6 +14177,1643 @@
 </p:sld>
 </file>
 
+<file path=ppt/slides/slide7.xml><?xml version="1.0" encoding="utf-8"?>
+<p:sld xmlns:a="http://schemas.openxmlformats.org/drawingml/2006/main" xmlns:r="http://schemas.openxmlformats.org/officeDocument/2006/relationships" xmlns:p="http://schemas.openxmlformats.org/presentationml/2006/main">
+  <p:cSld>
+    <p:spTree>
+      <p:nvGrpSpPr>
+        <p:cNvPr id="1" name=""/>
+        <p:cNvGrpSpPr/>
+        <p:nvPr/>
+      </p:nvGrpSpPr>
+      <p:grpSpPr>
+        <a:xfrm>
+          <a:off x="0" y="0"/>
+          <a:ext cx="0" cy="0"/>
+          <a:chOff x="0" y="0"/>
+          <a:chExt cx="0" cy="0"/>
+        </a:xfrm>
+      </p:grpSpPr>
+      <p:sp>
+        <p:nvSpPr>
+          <p:cNvPr id="4" name="Rectangle 3">
+            <a:extLst>
+              <a:ext uri="{FF2B5EF4-FFF2-40B4-BE49-F238E27FC236}">
+                <a16:creationId xmlns:a16="http://schemas.microsoft.com/office/drawing/2014/main" id="{42CA08E4-B55C-4CBA-8A8A-F6E7B963880C}"/>
+              </a:ext>
+            </a:extLst>
+          </p:cNvPr>
+          <p:cNvSpPr/>
+          <p:nvPr/>
+        </p:nvSpPr>
+        <p:spPr>
+          <a:xfrm>
+            <a:off x="905347" y="851026"/>
+            <a:ext cx="651849" cy="624689"/>
+          </a:xfrm>
+          <a:prstGeom prst="rect">
+            <a:avLst/>
+          </a:prstGeom>
+        </p:spPr>
+        <p:style>
+          <a:lnRef idx="2">
+            <a:schemeClr val="accent1">
+              <a:shade val="50000"/>
+            </a:schemeClr>
+          </a:lnRef>
+          <a:fillRef idx="1">
+            <a:schemeClr val="accent1"/>
+          </a:fillRef>
+          <a:effectRef idx="0">
+            <a:schemeClr val="accent1"/>
+          </a:effectRef>
+          <a:fontRef idx="minor">
+            <a:schemeClr val="lt1"/>
+          </a:fontRef>
+        </p:style>
+        <p:txBody>
+          <a:bodyPr rtlCol="0" anchor="ctr"/>
+          <a:lstStyle/>
+          <a:p>
+            <a:pPr algn="ctr"/>
+            <a:r>
+              <a:rPr lang="fr-FR" dirty="0"/>
+              <a:t>5</a:t>
+            </a:r>
+          </a:p>
+        </p:txBody>
+      </p:sp>
+      <p:sp>
+        <p:nvSpPr>
+          <p:cNvPr id="6" name="Rectangle 5">
+            <a:extLst>
+              <a:ext uri="{FF2B5EF4-FFF2-40B4-BE49-F238E27FC236}">
+                <a16:creationId xmlns:a16="http://schemas.microsoft.com/office/drawing/2014/main" id="{4A554B94-F045-4FEA-984D-5C7314FAC83A}"/>
+              </a:ext>
+            </a:extLst>
+          </p:cNvPr>
+          <p:cNvSpPr/>
+          <p:nvPr/>
+        </p:nvSpPr>
+        <p:spPr>
+          <a:xfrm>
+            <a:off x="6323839" y="837446"/>
+            <a:ext cx="651849" cy="624689"/>
+          </a:xfrm>
+          <a:prstGeom prst="rect">
+            <a:avLst/>
+          </a:prstGeom>
+        </p:spPr>
+        <p:style>
+          <a:lnRef idx="2">
+            <a:schemeClr val="accent1">
+              <a:shade val="50000"/>
+            </a:schemeClr>
+          </a:lnRef>
+          <a:fillRef idx="1">
+            <a:schemeClr val="accent1"/>
+          </a:fillRef>
+          <a:effectRef idx="0">
+            <a:schemeClr val="accent1"/>
+          </a:effectRef>
+          <a:fontRef idx="minor">
+            <a:schemeClr val="lt1"/>
+          </a:fontRef>
+        </p:style>
+        <p:txBody>
+          <a:bodyPr rtlCol="0" anchor="ctr"/>
+          <a:lstStyle/>
+          <a:p>
+            <a:pPr algn="ctr"/>
+            <a:r>
+              <a:rPr lang="fr-FR" dirty="0"/>
+              <a:t>18</a:t>
+            </a:r>
+          </a:p>
+        </p:txBody>
+      </p:sp>
+      <p:sp>
+        <p:nvSpPr>
+          <p:cNvPr id="10" name="Rectangle 9">
+            <a:extLst>
+              <a:ext uri="{FF2B5EF4-FFF2-40B4-BE49-F238E27FC236}">
+                <a16:creationId xmlns:a16="http://schemas.microsoft.com/office/drawing/2014/main" id="{AA5DD5E5-6A2A-4548-A08C-DD931FBD3769}"/>
+              </a:ext>
+            </a:extLst>
+          </p:cNvPr>
+          <p:cNvSpPr/>
+          <p:nvPr/>
+        </p:nvSpPr>
+        <p:spPr>
+          <a:xfrm>
+            <a:off x="4531255" y="843481"/>
+            <a:ext cx="651849" cy="624689"/>
+          </a:xfrm>
+          <a:prstGeom prst="rect">
+            <a:avLst/>
+          </a:prstGeom>
+        </p:spPr>
+        <p:style>
+          <a:lnRef idx="2">
+            <a:schemeClr val="accent1">
+              <a:shade val="50000"/>
+            </a:schemeClr>
+          </a:lnRef>
+          <a:fillRef idx="1">
+            <a:schemeClr val="accent1"/>
+          </a:fillRef>
+          <a:effectRef idx="0">
+            <a:schemeClr val="accent1"/>
+          </a:effectRef>
+          <a:fontRef idx="minor">
+            <a:schemeClr val="lt1"/>
+          </a:fontRef>
+        </p:style>
+        <p:txBody>
+          <a:bodyPr rtlCol="0" anchor="ctr"/>
+          <a:lstStyle/>
+          <a:p>
+            <a:pPr algn="ctr"/>
+            <a:r>
+              <a:rPr lang="fr-FR" dirty="0"/>
+              <a:t>9</a:t>
+            </a:r>
+          </a:p>
+        </p:txBody>
+      </p:sp>
+      <p:sp>
+        <p:nvSpPr>
+          <p:cNvPr id="12" name="Rectangle 11">
+            <a:extLst>
+              <a:ext uri="{FF2B5EF4-FFF2-40B4-BE49-F238E27FC236}">
+                <a16:creationId xmlns:a16="http://schemas.microsoft.com/office/drawing/2014/main" id="{01000056-17C3-4074-8CC8-640819CC4C2F}"/>
+              </a:ext>
+            </a:extLst>
+          </p:cNvPr>
+          <p:cNvSpPr/>
+          <p:nvPr/>
+        </p:nvSpPr>
+        <p:spPr>
+          <a:xfrm>
+            <a:off x="3621383" y="851026"/>
+            <a:ext cx="651849" cy="624689"/>
+          </a:xfrm>
+          <a:prstGeom prst="rect">
+            <a:avLst/>
+          </a:prstGeom>
+        </p:spPr>
+        <p:style>
+          <a:lnRef idx="2">
+            <a:schemeClr val="accent1">
+              <a:shade val="50000"/>
+            </a:schemeClr>
+          </a:lnRef>
+          <a:fillRef idx="1">
+            <a:schemeClr val="accent1"/>
+          </a:fillRef>
+          <a:effectRef idx="0">
+            <a:schemeClr val="accent1"/>
+          </a:effectRef>
+          <a:fontRef idx="minor">
+            <a:schemeClr val="lt1"/>
+          </a:fontRef>
+        </p:style>
+        <p:txBody>
+          <a:bodyPr rtlCol="0" anchor="ctr"/>
+          <a:lstStyle/>
+          <a:p>
+            <a:pPr algn="ctr"/>
+            <a:r>
+              <a:rPr lang="fr-FR" dirty="0"/>
+              <a:t>1</a:t>
+            </a:r>
+          </a:p>
+        </p:txBody>
+      </p:sp>
+      <p:sp>
+        <p:nvSpPr>
+          <p:cNvPr id="14" name="Rectangle 13">
+            <a:extLst>
+              <a:ext uri="{FF2B5EF4-FFF2-40B4-BE49-F238E27FC236}">
+                <a16:creationId xmlns:a16="http://schemas.microsoft.com/office/drawing/2014/main" id="{7D7E7D27-0EE7-40E3-9ABC-5EFBAF6DC89F}"/>
+              </a:ext>
+            </a:extLst>
+          </p:cNvPr>
+          <p:cNvSpPr/>
+          <p:nvPr/>
+        </p:nvSpPr>
+        <p:spPr>
+          <a:xfrm>
+            <a:off x="2725091" y="852535"/>
+            <a:ext cx="651849" cy="624689"/>
+          </a:xfrm>
+          <a:prstGeom prst="rect">
+            <a:avLst/>
+          </a:prstGeom>
+        </p:spPr>
+        <p:style>
+          <a:lnRef idx="2">
+            <a:schemeClr val="accent1">
+              <a:shade val="50000"/>
+            </a:schemeClr>
+          </a:lnRef>
+          <a:fillRef idx="1">
+            <a:schemeClr val="accent1"/>
+          </a:fillRef>
+          <a:effectRef idx="0">
+            <a:schemeClr val="accent1"/>
+          </a:effectRef>
+          <a:fontRef idx="minor">
+            <a:schemeClr val="lt1"/>
+          </a:fontRef>
+        </p:style>
+        <p:txBody>
+          <a:bodyPr rtlCol="0" anchor="ctr"/>
+          <a:lstStyle/>
+          <a:p>
+            <a:pPr algn="ctr"/>
+            <a:r>
+              <a:rPr lang="fr-FR" dirty="0"/>
+              <a:t>41</a:t>
+            </a:r>
+          </a:p>
+        </p:txBody>
+      </p:sp>
+      <p:sp>
+        <p:nvSpPr>
+          <p:cNvPr id="16" name="Rectangle 15">
+            <a:extLst>
+              <a:ext uri="{FF2B5EF4-FFF2-40B4-BE49-F238E27FC236}">
+                <a16:creationId xmlns:a16="http://schemas.microsoft.com/office/drawing/2014/main" id="{03FD576F-8FCA-494F-9393-A5883588CF16}"/>
+              </a:ext>
+            </a:extLst>
+          </p:cNvPr>
+          <p:cNvSpPr/>
+          <p:nvPr/>
+        </p:nvSpPr>
+        <p:spPr>
+          <a:xfrm>
+            <a:off x="1815219" y="851026"/>
+            <a:ext cx="651849" cy="624689"/>
+          </a:xfrm>
+          <a:prstGeom prst="rect">
+            <a:avLst/>
+          </a:prstGeom>
+        </p:spPr>
+        <p:style>
+          <a:lnRef idx="2">
+            <a:schemeClr val="accent1">
+              <a:shade val="50000"/>
+            </a:schemeClr>
+          </a:lnRef>
+          <a:fillRef idx="1">
+            <a:schemeClr val="accent1"/>
+          </a:fillRef>
+          <a:effectRef idx="0">
+            <a:schemeClr val="accent1"/>
+          </a:effectRef>
+          <a:fontRef idx="minor">
+            <a:schemeClr val="lt1"/>
+          </a:fontRef>
+        </p:style>
+        <p:txBody>
+          <a:bodyPr rtlCol="0" anchor="ctr"/>
+          <a:lstStyle/>
+          <a:p>
+            <a:pPr algn="ctr"/>
+            <a:r>
+              <a:rPr lang="fr-FR" dirty="0"/>
+              <a:t>10</a:t>
+            </a:r>
+          </a:p>
+        </p:txBody>
+      </p:sp>
+      <p:sp>
+        <p:nvSpPr>
+          <p:cNvPr id="18" name="Rectangle 17">
+            <a:extLst>
+              <a:ext uri="{FF2B5EF4-FFF2-40B4-BE49-F238E27FC236}">
+                <a16:creationId xmlns:a16="http://schemas.microsoft.com/office/drawing/2014/main" id="{995ACC9E-D875-42F3-B41A-611CE3547416}"/>
+              </a:ext>
+            </a:extLst>
+          </p:cNvPr>
+          <p:cNvSpPr/>
+          <p:nvPr/>
+        </p:nvSpPr>
+        <p:spPr>
+          <a:xfrm>
+            <a:off x="5413967" y="837445"/>
+            <a:ext cx="651849" cy="624689"/>
+          </a:xfrm>
+          <a:prstGeom prst="rect">
+            <a:avLst/>
+          </a:prstGeom>
+        </p:spPr>
+        <p:style>
+          <a:lnRef idx="2">
+            <a:schemeClr val="accent1">
+              <a:shade val="50000"/>
+            </a:schemeClr>
+          </a:lnRef>
+          <a:fillRef idx="1">
+            <a:schemeClr val="accent1"/>
+          </a:fillRef>
+          <a:effectRef idx="0">
+            <a:schemeClr val="accent1"/>
+          </a:effectRef>
+          <a:fontRef idx="minor">
+            <a:schemeClr val="lt1"/>
+          </a:fontRef>
+        </p:style>
+        <p:txBody>
+          <a:bodyPr rtlCol="0" anchor="ctr"/>
+          <a:lstStyle/>
+          <a:p>
+            <a:pPr algn="ctr"/>
+            <a:r>
+              <a:rPr lang="fr-FR" dirty="0"/>
+              <a:t>27</a:t>
+            </a:r>
+          </a:p>
+        </p:txBody>
+      </p:sp>
+      <p:sp>
+        <p:nvSpPr>
+          <p:cNvPr id="21" name="ZoneTexte 20">
+            <a:extLst>
+              <a:ext uri="{FF2B5EF4-FFF2-40B4-BE49-F238E27FC236}">
+                <a16:creationId xmlns:a16="http://schemas.microsoft.com/office/drawing/2014/main" id="{7BF83664-416F-421B-897D-B524C2D82A2C}"/>
+              </a:ext>
+            </a:extLst>
+          </p:cNvPr>
+          <p:cNvSpPr txBox="1"/>
+          <p:nvPr/>
+        </p:nvSpPr>
+        <p:spPr>
+          <a:xfrm>
+            <a:off x="3345219" y="117695"/>
+            <a:ext cx="1204176" cy="369332"/>
+          </a:xfrm>
+          <a:prstGeom prst="rect">
+            <a:avLst/>
+          </a:prstGeom>
+          <a:noFill/>
+        </p:spPr>
+        <p:txBody>
+          <a:bodyPr wrap="none" rtlCol="0">
+            <a:spAutoFit/>
+          </a:bodyPr>
+          <a:lstStyle/>
+          <a:p>
+            <a:r>
+              <a:rPr lang="fr-FR" dirty="0">
+                <a:solidFill>
+                  <a:schemeClr val="bg1"/>
+                </a:solidFill>
+              </a:rPr>
+              <a:t>Minimum</a:t>
+            </a:r>
+          </a:p>
+        </p:txBody>
+      </p:sp>
+      <p:cxnSp>
+        <p:nvCxnSpPr>
+          <p:cNvPr id="23" name="Connecteur droit avec flèche 22">
+            <a:extLst>
+              <a:ext uri="{FF2B5EF4-FFF2-40B4-BE49-F238E27FC236}">
+                <a16:creationId xmlns:a16="http://schemas.microsoft.com/office/drawing/2014/main" id="{73DA6B45-E50C-4DFF-AAFB-39E4954D44CB}"/>
+              </a:ext>
+            </a:extLst>
+          </p:cNvPr>
+          <p:cNvCxnSpPr>
+            <a:stCxn id="21" idx="2"/>
+            <a:endCxn id="12" idx="0"/>
+          </p:cNvCxnSpPr>
+          <p:nvPr/>
+        </p:nvCxnSpPr>
+        <p:spPr>
+          <a:xfrm>
+            <a:off x="3947307" y="487027"/>
+            <a:ext cx="1" cy="363999"/>
+          </a:xfrm>
+          <a:prstGeom prst="straightConnector1">
+            <a:avLst/>
+          </a:prstGeom>
+          <a:ln>
+            <a:solidFill>
+              <a:schemeClr val="bg1">
+                <a:alpha val="60000"/>
+              </a:schemeClr>
+            </a:solidFill>
+            <a:tailEnd type="triangle"/>
+          </a:ln>
+        </p:spPr>
+        <p:style>
+          <a:lnRef idx="1">
+            <a:schemeClr val="accent1"/>
+          </a:lnRef>
+          <a:fillRef idx="0">
+            <a:schemeClr val="accent1"/>
+          </a:fillRef>
+          <a:effectRef idx="0">
+            <a:schemeClr val="accent1"/>
+          </a:effectRef>
+          <a:fontRef idx="minor">
+            <a:schemeClr val="tx1"/>
+          </a:fontRef>
+        </p:style>
+      </p:cxnSp>
+    </p:spTree>
+    <p:extLst>
+      <p:ext uri="{BB962C8B-B14F-4D97-AF65-F5344CB8AC3E}">
+        <p14:creationId xmlns:p14="http://schemas.microsoft.com/office/powerpoint/2010/main" val="2737511503"/>
+      </p:ext>
+    </p:extLst>
+  </p:cSld>
+  <p:clrMapOvr>
+    <a:masterClrMapping/>
+  </p:clrMapOvr>
+</p:sld>
+</file>
+
+<file path=ppt/slides/slide8.xml><?xml version="1.0" encoding="utf-8"?>
+<p:sld xmlns:a="http://schemas.openxmlformats.org/drawingml/2006/main" xmlns:r="http://schemas.openxmlformats.org/officeDocument/2006/relationships" xmlns:p="http://schemas.openxmlformats.org/presentationml/2006/main">
+  <p:cSld>
+    <p:spTree>
+      <p:nvGrpSpPr>
+        <p:cNvPr id="1" name=""/>
+        <p:cNvGrpSpPr/>
+        <p:nvPr/>
+      </p:nvGrpSpPr>
+      <p:grpSpPr>
+        <a:xfrm>
+          <a:off x="0" y="0"/>
+          <a:ext cx="0" cy="0"/>
+          <a:chOff x="0" y="0"/>
+          <a:chExt cx="0" cy="0"/>
+        </a:xfrm>
+      </p:grpSpPr>
+      <p:sp>
+        <p:nvSpPr>
+          <p:cNvPr id="4" name="Rectangle 3">
+            <a:extLst>
+              <a:ext uri="{FF2B5EF4-FFF2-40B4-BE49-F238E27FC236}">
+                <a16:creationId xmlns:a16="http://schemas.microsoft.com/office/drawing/2014/main" id="{42CA08E4-B55C-4CBA-8A8A-F6E7B963880C}"/>
+              </a:ext>
+            </a:extLst>
+          </p:cNvPr>
+          <p:cNvSpPr/>
+          <p:nvPr/>
+        </p:nvSpPr>
+        <p:spPr>
+          <a:xfrm>
+            <a:off x="905347" y="851026"/>
+            <a:ext cx="651849" cy="624689"/>
+          </a:xfrm>
+          <a:prstGeom prst="rect">
+            <a:avLst/>
+          </a:prstGeom>
+        </p:spPr>
+        <p:style>
+          <a:lnRef idx="2">
+            <a:schemeClr val="accent1">
+              <a:shade val="50000"/>
+            </a:schemeClr>
+          </a:lnRef>
+          <a:fillRef idx="1">
+            <a:schemeClr val="accent1"/>
+          </a:fillRef>
+          <a:effectRef idx="0">
+            <a:schemeClr val="accent1"/>
+          </a:effectRef>
+          <a:fontRef idx="minor">
+            <a:schemeClr val="lt1"/>
+          </a:fontRef>
+        </p:style>
+        <p:txBody>
+          <a:bodyPr rtlCol="0" anchor="ctr"/>
+          <a:lstStyle/>
+          <a:p>
+            <a:pPr algn="ctr"/>
+            <a:r>
+              <a:rPr lang="fr-FR" dirty="0"/>
+              <a:t>5</a:t>
+            </a:r>
+          </a:p>
+        </p:txBody>
+      </p:sp>
+      <p:sp>
+        <p:nvSpPr>
+          <p:cNvPr id="6" name="Rectangle 5">
+            <a:extLst>
+              <a:ext uri="{FF2B5EF4-FFF2-40B4-BE49-F238E27FC236}">
+                <a16:creationId xmlns:a16="http://schemas.microsoft.com/office/drawing/2014/main" id="{4A554B94-F045-4FEA-984D-5C7314FAC83A}"/>
+              </a:ext>
+            </a:extLst>
+          </p:cNvPr>
+          <p:cNvSpPr/>
+          <p:nvPr/>
+        </p:nvSpPr>
+        <p:spPr>
+          <a:xfrm>
+            <a:off x="6323839" y="837446"/>
+            <a:ext cx="651849" cy="624689"/>
+          </a:xfrm>
+          <a:prstGeom prst="rect">
+            <a:avLst/>
+          </a:prstGeom>
+        </p:spPr>
+        <p:style>
+          <a:lnRef idx="2">
+            <a:schemeClr val="accent1">
+              <a:shade val="50000"/>
+            </a:schemeClr>
+          </a:lnRef>
+          <a:fillRef idx="1">
+            <a:schemeClr val="accent1"/>
+          </a:fillRef>
+          <a:effectRef idx="0">
+            <a:schemeClr val="accent1"/>
+          </a:effectRef>
+          <a:fontRef idx="minor">
+            <a:schemeClr val="lt1"/>
+          </a:fontRef>
+        </p:style>
+        <p:txBody>
+          <a:bodyPr rtlCol="0" anchor="ctr"/>
+          <a:lstStyle/>
+          <a:p>
+            <a:pPr algn="ctr"/>
+            <a:r>
+              <a:rPr lang="fr-FR" dirty="0"/>
+              <a:t>18</a:t>
+            </a:r>
+          </a:p>
+        </p:txBody>
+      </p:sp>
+      <p:sp>
+        <p:nvSpPr>
+          <p:cNvPr id="10" name="Rectangle 9">
+            <a:extLst>
+              <a:ext uri="{FF2B5EF4-FFF2-40B4-BE49-F238E27FC236}">
+                <a16:creationId xmlns:a16="http://schemas.microsoft.com/office/drawing/2014/main" id="{AA5DD5E5-6A2A-4548-A08C-DD931FBD3769}"/>
+              </a:ext>
+            </a:extLst>
+          </p:cNvPr>
+          <p:cNvSpPr/>
+          <p:nvPr/>
+        </p:nvSpPr>
+        <p:spPr>
+          <a:xfrm>
+            <a:off x="4531255" y="843481"/>
+            <a:ext cx="651849" cy="624689"/>
+          </a:xfrm>
+          <a:prstGeom prst="rect">
+            <a:avLst/>
+          </a:prstGeom>
+        </p:spPr>
+        <p:style>
+          <a:lnRef idx="2">
+            <a:schemeClr val="accent1">
+              <a:shade val="50000"/>
+            </a:schemeClr>
+          </a:lnRef>
+          <a:fillRef idx="1">
+            <a:schemeClr val="accent1"/>
+          </a:fillRef>
+          <a:effectRef idx="0">
+            <a:schemeClr val="accent1"/>
+          </a:effectRef>
+          <a:fontRef idx="minor">
+            <a:schemeClr val="lt1"/>
+          </a:fontRef>
+        </p:style>
+        <p:txBody>
+          <a:bodyPr rtlCol="0" anchor="ctr"/>
+          <a:lstStyle/>
+          <a:p>
+            <a:pPr algn="ctr"/>
+            <a:r>
+              <a:rPr lang="fr-FR" dirty="0"/>
+              <a:t>9</a:t>
+            </a:r>
+          </a:p>
+        </p:txBody>
+      </p:sp>
+      <p:sp>
+        <p:nvSpPr>
+          <p:cNvPr id="12" name="Rectangle 11">
+            <a:extLst>
+              <a:ext uri="{FF2B5EF4-FFF2-40B4-BE49-F238E27FC236}">
+                <a16:creationId xmlns:a16="http://schemas.microsoft.com/office/drawing/2014/main" id="{01000056-17C3-4074-8CC8-640819CC4C2F}"/>
+              </a:ext>
+            </a:extLst>
+          </p:cNvPr>
+          <p:cNvSpPr/>
+          <p:nvPr/>
+        </p:nvSpPr>
+        <p:spPr>
+          <a:xfrm>
+            <a:off x="3621383" y="851026"/>
+            <a:ext cx="651849" cy="624689"/>
+          </a:xfrm>
+          <a:prstGeom prst="rect">
+            <a:avLst/>
+          </a:prstGeom>
+        </p:spPr>
+        <p:style>
+          <a:lnRef idx="2">
+            <a:schemeClr val="accent1">
+              <a:shade val="50000"/>
+            </a:schemeClr>
+          </a:lnRef>
+          <a:fillRef idx="1">
+            <a:schemeClr val="accent1"/>
+          </a:fillRef>
+          <a:effectRef idx="0">
+            <a:schemeClr val="accent1"/>
+          </a:effectRef>
+          <a:fontRef idx="minor">
+            <a:schemeClr val="lt1"/>
+          </a:fontRef>
+        </p:style>
+        <p:txBody>
+          <a:bodyPr rtlCol="0" anchor="ctr"/>
+          <a:lstStyle/>
+          <a:p>
+            <a:pPr algn="ctr"/>
+            <a:r>
+              <a:rPr lang="fr-FR" dirty="0"/>
+              <a:t>1</a:t>
+            </a:r>
+          </a:p>
+        </p:txBody>
+      </p:sp>
+      <p:sp>
+        <p:nvSpPr>
+          <p:cNvPr id="14" name="Rectangle 13">
+            <a:extLst>
+              <a:ext uri="{FF2B5EF4-FFF2-40B4-BE49-F238E27FC236}">
+                <a16:creationId xmlns:a16="http://schemas.microsoft.com/office/drawing/2014/main" id="{7D7E7D27-0EE7-40E3-9ABC-5EFBAF6DC89F}"/>
+              </a:ext>
+            </a:extLst>
+          </p:cNvPr>
+          <p:cNvSpPr/>
+          <p:nvPr/>
+        </p:nvSpPr>
+        <p:spPr>
+          <a:xfrm>
+            <a:off x="2725091" y="852535"/>
+            <a:ext cx="651849" cy="624689"/>
+          </a:xfrm>
+          <a:prstGeom prst="rect">
+            <a:avLst/>
+          </a:prstGeom>
+        </p:spPr>
+        <p:style>
+          <a:lnRef idx="2">
+            <a:schemeClr val="accent1">
+              <a:shade val="50000"/>
+            </a:schemeClr>
+          </a:lnRef>
+          <a:fillRef idx="1">
+            <a:schemeClr val="accent1"/>
+          </a:fillRef>
+          <a:effectRef idx="0">
+            <a:schemeClr val="accent1"/>
+          </a:effectRef>
+          <a:fontRef idx="minor">
+            <a:schemeClr val="lt1"/>
+          </a:fontRef>
+        </p:style>
+        <p:txBody>
+          <a:bodyPr rtlCol="0" anchor="ctr"/>
+          <a:lstStyle/>
+          <a:p>
+            <a:pPr algn="ctr"/>
+            <a:r>
+              <a:rPr lang="fr-FR" dirty="0"/>
+              <a:t>41</a:t>
+            </a:r>
+          </a:p>
+        </p:txBody>
+      </p:sp>
+      <p:sp>
+        <p:nvSpPr>
+          <p:cNvPr id="16" name="Rectangle 15">
+            <a:extLst>
+              <a:ext uri="{FF2B5EF4-FFF2-40B4-BE49-F238E27FC236}">
+                <a16:creationId xmlns:a16="http://schemas.microsoft.com/office/drawing/2014/main" id="{03FD576F-8FCA-494F-9393-A5883588CF16}"/>
+              </a:ext>
+            </a:extLst>
+          </p:cNvPr>
+          <p:cNvSpPr/>
+          <p:nvPr/>
+        </p:nvSpPr>
+        <p:spPr>
+          <a:xfrm>
+            <a:off x="1815219" y="851026"/>
+            <a:ext cx="651849" cy="624689"/>
+          </a:xfrm>
+          <a:prstGeom prst="rect">
+            <a:avLst/>
+          </a:prstGeom>
+        </p:spPr>
+        <p:style>
+          <a:lnRef idx="2">
+            <a:schemeClr val="accent1">
+              <a:shade val="50000"/>
+            </a:schemeClr>
+          </a:lnRef>
+          <a:fillRef idx="1">
+            <a:schemeClr val="accent1"/>
+          </a:fillRef>
+          <a:effectRef idx="0">
+            <a:schemeClr val="accent1"/>
+          </a:effectRef>
+          <a:fontRef idx="minor">
+            <a:schemeClr val="lt1"/>
+          </a:fontRef>
+        </p:style>
+        <p:txBody>
+          <a:bodyPr rtlCol="0" anchor="ctr"/>
+          <a:lstStyle/>
+          <a:p>
+            <a:pPr algn="ctr"/>
+            <a:r>
+              <a:rPr lang="fr-FR" dirty="0"/>
+              <a:t>10</a:t>
+            </a:r>
+          </a:p>
+        </p:txBody>
+      </p:sp>
+      <p:sp>
+        <p:nvSpPr>
+          <p:cNvPr id="18" name="Rectangle 17">
+            <a:extLst>
+              <a:ext uri="{FF2B5EF4-FFF2-40B4-BE49-F238E27FC236}">
+                <a16:creationId xmlns:a16="http://schemas.microsoft.com/office/drawing/2014/main" id="{995ACC9E-D875-42F3-B41A-611CE3547416}"/>
+              </a:ext>
+            </a:extLst>
+          </p:cNvPr>
+          <p:cNvSpPr/>
+          <p:nvPr/>
+        </p:nvSpPr>
+        <p:spPr>
+          <a:xfrm>
+            <a:off x="5413967" y="837445"/>
+            <a:ext cx="651849" cy="624689"/>
+          </a:xfrm>
+          <a:prstGeom prst="rect">
+            <a:avLst/>
+          </a:prstGeom>
+        </p:spPr>
+        <p:style>
+          <a:lnRef idx="2">
+            <a:schemeClr val="accent1">
+              <a:shade val="50000"/>
+            </a:schemeClr>
+          </a:lnRef>
+          <a:fillRef idx="1">
+            <a:schemeClr val="accent1"/>
+          </a:fillRef>
+          <a:effectRef idx="0">
+            <a:schemeClr val="accent1"/>
+          </a:effectRef>
+          <a:fontRef idx="minor">
+            <a:schemeClr val="lt1"/>
+          </a:fontRef>
+        </p:style>
+        <p:txBody>
+          <a:bodyPr rtlCol="0" anchor="ctr"/>
+          <a:lstStyle/>
+          <a:p>
+            <a:pPr algn="ctr"/>
+            <a:r>
+              <a:rPr lang="fr-FR" dirty="0"/>
+              <a:t>27</a:t>
+            </a:r>
+          </a:p>
+        </p:txBody>
+      </p:sp>
+      <p:sp>
+        <p:nvSpPr>
+          <p:cNvPr id="21" name="ZoneTexte 20">
+            <a:extLst>
+              <a:ext uri="{FF2B5EF4-FFF2-40B4-BE49-F238E27FC236}">
+                <a16:creationId xmlns:a16="http://schemas.microsoft.com/office/drawing/2014/main" id="{7BF83664-416F-421B-897D-B524C2D82A2C}"/>
+              </a:ext>
+            </a:extLst>
+          </p:cNvPr>
+          <p:cNvSpPr txBox="1"/>
+          <p:nvPr/>
+        </p:nvSpPr>
+        <p:spPr>
+          <a:xfrm>
+            <a:off x="3345219" y="117695"/>
+            <a:ext cx="1204176" cy="369332"/>
+          </a:xfrm>
+          <a:prstGeom prst="rect">
+            <a:avLst/>
+          </a:prstGeom>
+          <a:noFill/>
+        </p:spPr>
+        <p:txBody>
+          <a:bodyPr wrap="none" rtlCol="0">
+            <a:spAutoFit/>
+          </a:bodyPr>
+          <a:lstStyle/>
+          <a:p>
+            <a:r>
+              <a:rPr lang="fr-FR" dirty="0">
+                <a:solidFill>
+                  <a:schemeClr val="bg1"/>
+                </a:solidFill>
+              </a:rPr>
+              <a:t>Minimum</a:t>
+            </a:r>
+          </a:p>
+        </p:txBody>
+      </p:sp>
+      <p:cxnSp>
+        <p:nvCxnSpPr>
+          <p:cNvPr id="23" name="Connecteur droit avec flèche 22">
+            <a:extLst>
+              <a:ext uri="{FF2B5EF4-FFF2-40B4-BE49-F238E27FC236}">
+                <a16:creationId xmlns:a16="http://schemas.microsoft.com/office/drawing/2014/main" id="{73DA6B45-E50C-4DFF-AAFB-39E4954D44CB}"/>
+              </a:ext>
+            </a:extLst>
+          </p:cNvPr>
+          <p:cNvCxnSpPr>
+            <a:stCxn id="21" idx="2"/>
+            <a:endCxn id="12" idx="0"/>
+          </p:cNvCxnSpPr>
+          <p:nvPr/>
+        </p:nvCxnSpPr>
+        <p:spPr>
+          <a:xfrm>
+            <a:off x="3947307" y="487027"/>
+            <a:ext cx="1" cy="363999"/>
+          </a:xfrm>
+          <a:prstGeom prst="straightConnector1">
+            <a:avLst/>
+          </a:prstGeom>
+          <a:ln>
+            <a:solidFill>
+              <a:schemeClr val="bg1">
+                <a:alpha val="60000"/>
+              </a:schemeClr>
+            </a:solidFill>
+            <a:tailEnd type="triangle"/>
+          </a:ln>
+        </p:spPr>
+        <p:style>
+          <a:lnRef idx="1">
+            <a:schemeClr val="accent1"/>
+          </a:lnRef>
+          <a:fillRef idx="0">
+            <a:schemeClr val="accent1"/>
+          </a:fillRef>
+          <a:effectRef idx="0">
+            <a:schemeClr val="accent1"/>
+          </a:effectRef>
+          <a:fontRef idx="minor">
+            <a:schemeClr val="tx1"/>
+          </a:fontRef>
+        </p:style>
+      </p:cxnSp>
+      <p:sp>
+        <p:nvSpPr>
+          <p:cNvPr id="2" name="ZoneTexte 1">
+            <a:extLst>
+              <a:ext uri="{FF2B5EF4-FFF2-40B4-BE49-F238E27FC236}">
+                <a16:creationId xmlns:a16="http://schemas.microsoft.com/office/drawing/2014/main" id="{E517851D-8C92-414A-BEA7-4A57A56E3766}"/>
+              </a:ext>
+            </a:extLst>
+          </p:cNvPr>
+          <p:cNvSpPr txBox="1"/>
+          <p:nvPr/>
+        </p:nvSpPr>
+        <p:spPr>
+          <a:xfrm>
+            <a:off x="1815219" y="4671588"/>
+            <a:ext cx="1616148" cy="523220"/>
+          </a:xfrm>
+          <a:prstGeom prst="rect">
+            <a:avLst/>
+          </a:prstGeom>
+          <a:noFill/>
+        </p:spPr>
+        <p:txBody>
+          <a:bodyPr wrap="none" rtlCol="0">
+            <a:spAutoFit/>
+          </a:bodyPr>
+          <a:lstStyle/>
+          <a:p>
+            <a:r>
+              <a:rPr lang="fr-FR" sz="2800" dirty="0"/>
+              <a:t>Insertion</a:t>
+            </a:r>
+          </a:p>
+        </p:txBody>
+      </p:sp>
+      <p:sp>
+        <p:nvSpPr>
+          <p:cNvPr id="3" name="Rectangle 2">
+            <a:extLst>
+              <a:ext uri="{FF2B5EF4-FFF2-40B4-BE49-F238E27FC236}">
+                <a16:creationId xmlns:a16="http://schemas.microsoft.com/office/drawing/2014/main" id="{A189038A-19DB-4F75-B565-CF0D1DCBB074}"/>
+              </a:ext>
+            </a:extLst>
+          </p:cNvPr>
+          <p:cNvSpPr/>
+          <p:nvPr/>
+        </p:nvSpPr>
+        <p:spPr>
+          <a:xfrm>
+            <a:off x="4427142" y="4620853"/>
+            <a:ext cx="651849" cy="624689"/>
+          </a:xfrm>
+          <a:prstGeom prst="rect">
+            <a:avLst/>
+          </a:prstGeom>
+        </p:spPr>
+        <p:style>
+          <a:lnRef idx="2">
+            <a:schemeClr val="accent1">
+              <a:shade val="50000"/>
+            </a:schemeClr>
+          </a:lnRef>
+          <a:fillRef idx="1">
+            <a:schemeClr val="accent1"/>
+          </a:fillRef>
+          <a:effectRef idx="0">
+            <a:schemeClr val="accent1"/>
+          </a:effectRef>
+          <a:fontRef idx="minor">
+            <a:schemeClr val="lt1"/>
+          </a:fontRef>
+        </p:style>
+        <p:txBody>
+          <a:bodyPr rtlCol="0" anchor="ctr"/>
+          <a:lstStyle/>
+          <a:p>
+            <a:pPr algn="ctr"/>
+            <a:r>
+              <a:rPr lang="fr-FR" dirty="0"/>
+              <a:t>0</a:t>
+            </a:r>
+          </a:p>
+        </p:txBody>
+      </p:sp>
+      <p:cxnSp>
+        <p:nvCxnSpPr>
+          <p:cNvPr id="7" name="Connecteur droit avec flèche 6">
+            <a:extLst>
+              <a:ext uri="{FF2B5EF4-FFF2-40B4-BE49-F238E27FC236}">
+                <a16:creationId xmlns:a16="http://schemas.microsoft.com/office/drawing/2014/main" id="{89480884-F70E-4476-9234-6DC39CE85CFA}"/>
+              </a:ext>
+            </a:extLst>
+          </p:cNvPr>
+          <p:cNvCxnSpPr>
+            <a:cxnSpLocks/>
+          </p:cNvCxnSpPr>
+          <p:nvPr/>
+        </p:nvCxnSpPr>
+        <p:spPr>
+          <a:xfrm flipV="1">
+            <a:off x="5183104" y="1475715"/>
+            <a:ext cx="2041561" cy="3114393"/>
+          </a:xfrm>
+          <a:prstGeom prst="straightConnector1">
+            <a:avLst/>
+          </a:prstGeom>
+          <a:ln>
+            <a:solidFill>
+              <a:schemeClr val="bg1">
+                <a:alpha val="60000"/>
+              </a:schemeClr>
+            </a:solidFill>
+            <a:tailEnd type="triangle"/>
+          </a:ln>
+        </p:spPr>
+        <p:style>
+          <a:lnRef idx="1">
+            <a:schemeClr val="accent1"/>
+          </a:lnRef>
+          <a:fillRef idx="0">
+            <a:schemeClr val="accent1"/>
+          </a:fillRef>
+          <a:effectRef idx="0">
+            <a:schemeClr val="accent1"/>
+          </a:effectRef>
+          <a:fontRef idx="minor">
+            <a:schemeClr val="tx1"/>
+          </a:fontRef>
+        </p:style>
+      </p:cxnSp>
+    </p:spTree>
+    <p:extLst>
+      <p:ext uri="{BB962C8B-B14F-4D97-AF65-F5344CB8AC3E}">
+        <p14:creationId xmlns:p14="http://schemas.microsoft.com/office/powerpoint/2010/main" val="907775006"/>
+      </p:ext>
+    </p:extLst>
+  </p:cSld>
+  <p:clrMapOvr>
+    <a:masterClrMapping/>
+  </p:clrMapOvr>
+</p:sld>
+</file>
+
+<file path=ppt/slides/slide9.xml><?xml version="1.0" encoding="utf-8"?>
+<p:sld xmlns:a="http://schemas.openxmlformats.org/drawingml/2006/main" xmlns:r="http://schemas.openxmlformats.org/officeDocument/2006/relationships" xmlns:p="http://schemas.openxmlformats.org/presentationml/2006/main">
+  <p:cSld>
+    <p:spTree>
+      <p:nvGrpSpPr>
+        <p:cNvPr id="1" name=""/>
+        <p:cNvGrpSpPr/>
+        <p:nvPr/>
+      </p:nvGrpSpPr>
+      <p:grpSpPr>
+        <a:xfrm>
+          <a:off x="0" y="0"/>
+          <a:ext cx="0" cy="0"/>
+          <a:chOff x="0" y="0"/>
+          <a:chExt cx="0" cy="0"/>
+        </a:xfrm>
+      </p:grpSpPr>
+      <p:sp>
+        <p:nvSpPr>
+          <p:cNvPr id="4" name="Rectangle 3">
+            <a:extLst>
+              <a:ext uri="{FF2B5EF4-FFF2-40B4-BE49-F238E27FC236}">
+                <a16:creationId xmlns:a16="http://schemas.microsoft.com/office/drawing/2014/main" id="{42CA08E4-B55C-4CBA-8A8A-F6E7B963880C}"/>
+              </a:ext>
+            </a:extLst>
+          </p:cNvPr>
+          <p:cNvSpPr/>
+          <p:nvPr/>
+        </p:nvSpPr>
+        <p:spPr>
+          <a:xfrm>
+            <a:off x="905347" y="851026"/>
+            <a:ext cx="651849" cy="624689"/>
+          </a:xfrm>
+          <a:prstGeom prst="rect">
+            <a:avLst/>
+          </a:prstGeom>
+        </p:spPr>
+        <p:style>
+          <a:lnRef idx="2">
+            <a:schemeClr val="accent1">
+              <a:shade val="50000"/>
+            </a:schemeClr>
+          </a:lnRef>
+          <a:fillRef idx="1">
+            <a:schemeClr val="accent1"/>
+          </a:fillRef>
+          <a:effectRef idx="0">
+            <a:schemeClr val="accent1"/>
+          </a:effectRef>
+          <a:fontRef idx="minor">
+            <a:schemeClr val="lt1"/>
+          </a:fontRef>
+        </p:style>
+        <p:txBody>
+          <a:bodyPr rtlCol="0" anchor="ctr"/>
+          <a:lstStyle/>
+          <a:p>
+            <a:pPr algn="ctr"/>
+            <a:r>
+              <a:rPr lang="fr-FR" dirty="0"/>
+              <a:t>5</a:t>
+            </a:r>
+          </a:p>
+        </p:txBody>
+      </p:sp>
+      <p:sp>
+        <p:nvSpPr>
+          <p:cNvPr id="6" name="Rectangle 5">
+            <a:extLst>
+              <a:ext uri="{FF2B5EF4-FFF2-40B4-BE49-F238E27FC236}">
+                <a16:creationId xmlns:a16="http://schemas.microsoft.com/office/drawing/2014/main" id="{4A554B94-F045-4FEA-984D-5C7314FAC83A}"/>
+              </a:ext>
+            </a:extLst>
+          </p:cNvPr>
+          <p:cNvSpPr/>
+          <p:nvPr/>
+        </p:nvSpPr>
+        <p:spPr>
+          <a:xfrm>
+            <a:off x="6323839" y="837446"/>
+            <a:ext cx="651849" cy="624689"/>
+          </a:xfrm>
+          <a:prstGeom prst="rect">
+            <a:avLst/>
+          </a:prstGeom>
+        </p:spPr>
+        <p:style>
+          <a:lnRef idx="2">
+            <a:schemeClr val="accent1">
+              <a:shade val="50000"/>
+            </a:schemeClr>
+          </a:lnRef>
+          <a:fillRef idx="1">
+            <a:schemeClr val="accent1"/>
+          </a:fillRef>
+          <a:effectRef idx="0">
+            <a:schemeClr val="accent1"/>
+          </a:effectRef>
+          <a:fontRef idx="minor">
+            <a:schemeClr val="lt1"/>
+          </a:fontRef>
+        </p:style>
+        <p:txBody>
+          <a:bodyPr rtlCol="0" anchor="ctr"/>
+          <a:lstStyle/>
+          <a:p>
+            <a:pPr algn="ctr"/>
+            <a:r>
+              <a:rPr lang="fr-FR" dirty="0"/>
+              <a:t>18</a:t>
+            </a:r>
+          </a:p>
+        </p:txBody>
+      </p:sp>
+      <p:sp>
+        <p:nvSpPr>
+          <p:cNvPr id="10" name="Rectangle 9">
+            <a:extLst>
+              <a:ext uri="{FF2B5EF4-FFF2-40B4-BE49-F238E27FC236}">
+                <a16:creationId xmlns:a16="http://schemas.microsoft.com/office/drawing/2014/main" id="{AA5DD5E5-6A2A-4548-A08C-DD931FBD3769}"/>
+              </a:ext>
+            </a:extLst>
+          </p:cNvPr>
+          <p:cNvSpPr/>
+          <p:nvPr/>
+        </p:nvSpPr>
+        <p:spPr>
+          <a:xfrm>
+            <a:off x="4531255" y="843481"/>
+            <a:ext cx="651849" cy="624689"/>
+          </a:xfrm>
+          <a:prstGeom prst="rect">
+            <a:avLst/>
+          </a:prstGeom>
+        </p:spPr>
+        <p:style>
+          <a:lnRef idx="2">
+            <a:schemeClr val="accent1">
+              <a:shade val="50000"/>
+            </a:schemeClr>
+          </a:lnRef>
+          <a:fillRef idx="1">
+            <a:schemeClr val="accent1"/>
+          </a:fillRef>
+          <a:effectRef idx="0">
+            <a:schemeClr val="accent1"/>
+          </a:effectRef>
+          <a:fontRef idx="minor">
+            <a:schemeClr val="lt1"/>
+          </a:fontRef>
+        </p:style>
+        <p:txBody>
+          <a:bodyPr rtlCol="0" anchor="ctr"/>
+          <a:lstStyle/>
+          <a:p>
+            <a:pPr algn="ctr"/>
+            <a:r>
+              <a:rPr lang="fr-FR" dirty="0"/>
+              <a:t>9</a:t>
+            </a:r>
+          </a:p>
+        </p:txBody>
+      </p:sp>
+      <p:sp>
+        <p:nvSpPr>
+          <p:cNvPr id="12" name="Rectangle 11">
+            <a:extLst>
+              <a:ext uri="{FF2B5EF4-FFF2-40B4-BE49-F238E27FC236}">
+                <a16:creationId xmlns:a16="http://schemas.microsoft.com/office/drawing/2014/main" id="{01000056-17C3-4074-8CC8-640819CC4C2F}"/>
+              </a:ext>
+            </a:extLst>
+          </p:cNvPr>
+          <p:cNvSpPr/>
+          <p:nvPr/>
+        </p:nvSpPr>
+        <p:spPr>
+          <a:xfrm>
+            <a:off x="3621383" y="851026"/>
+            <a:ext cx="651849" cy="624689"/>
+          </a:xfrm>
+          <a:prstGeom prst="rect">
+            <a:avLst/>
+          </a:prstGeom>
+        </p:spPr>
+        <p:style>
+          <a:lnRef idx="2">
+            <a:schemeClr val="accent1">
+              <a:shade val="50000"/>
+            </a:schemeClr>
+          </a:lnRef>
+          <a:fillRef idx="1">
+            <a:schemeClr val="accent1"/>
+          </a:fillRef>
+          <a:effectRef idx="0">
+            <a:schemeClr val="accent1"/>
+          </a:effectRef>
+          <a:fontRef idx="minor">
+            <a:schemeClr val="lt1"/>
+          </a:fontRef>
+        </p:style>
+        <p:txBody>
+          <a:bodyPr rtlCol="0" anchor="ctr"/>
+          <a:lstStyle/>
+          <a:p>
+            <a:pPr algn="ctr"/>
+            <a:r>
+              <a:rPr lang="fr-FR" dirty="0"/>
+              <a:t>1</a:t>
+            </a:r>
+          </a:p>
+        </p:txBody>
+      </p:sp>
+      <p:sp>
+        <p:nvSpPr>
+          <p:cNvPr id="14" name="Rectangle 13">
+            <a:extLst>
+              <a:ext uri="{FF2B5EF4-FFF2-40B4-BE49-F238E27FC236}">
+                <a16:creationId xmlns:a16="http://schemas.microsoft.com/office/drawing/2014/main" id="{7D7E7D27-0EE7-40E3-9ABC-5EFBAF6DC89F}"/>
+              </a:ext>
+            </a:extLst>
+          </p:cNvPr>
+          <p:cNvSpPr/>
+          <p:nvPr/>
+        </p:nvSpPr>
+        <p:spPr>
+          <a:xfrm>
+            <a:off x="2725091" y="852535"/>
+            <a:ext cx="651849" cy="624689"/>
+          </a:xfrm>
+          <a:prstGeom prst="rect">
+            <a:avLst/>
+          </a:prstGeom>
+        </p:spPr>
+        <p:style>
+          <a:lnRef idx="2">
+            <a:schemeClr val="accent1">
+              <a:shade val="50000"/>
+            </a:schemeClr>
+          </a:lnRef>
+          <a:fillRef idx="1">
+            <a:schemeClr val="accent1"/>
+          </a:fillRef>
+          <a:effectRef idx="0">
+            <a:schemeClr val="accent1"/>
+          </a:effectRef>
+          <a:fontRef idx="minor">
+            <a:schemeClr val="lt1"/>
+          </a:fontRef>
+        </p:style>
+        <p:txBody>
+          <a:bodyPr rtlCol="0" anchor="ctr"/>
+          <a:lstStyle/>
+          <a:p>
+            <a:pPr algn="ctr"/>
+            <a:r>
+              <a:rPr lang="fr-FR" dirty="0"/>
+              <a:t>41</a:t>
+            </a:r>
+          </a:p>
+        </p:txBody>
+      </p:sp>
+      <p:sp>
+        <p:nvSpPr>
+          <p:cNvPr id="16" name="Rectangle 15">
+            <a:extLst>
+              <a:ext uri="{FF2B5EF4-FFF2-40B4-BE49-F238E27FC236}">
+                <a16:creationId xmlns:a16="http://schemas.microsoft.com/office/drawing/2014/main" id="{03FD576F-8FCA-494F-9393-A5883588CF16}"/>
+              </a:ext>
+            </a:extLst>
+          </p:cNvPr>
+          <p:cNvSpPr/>
+          <p:nvPr/>
+        </p:nvSpPr>
+        <p:spPr>
+          <a:xfrm>
+            <a:off x="1815219" y="851026"/>
+            <a:ext cx="651849" cy="624689"/>
+          </a:xfrm>
+          <a:prstGeom prst="rect">
+            <a:avLst/>
+          </a:prstGeom>
+        </p:spPr>
+        <p:style>
+          <a:lnRef idx="2">
+            <a:schemeClr val="accent1">
+              <a:shade val="50000"/>
+            </a:schemeClr>
+          </a:lnRef>
+          <a:fillRef idx="1">
+            <a:schemeClr val="accent1"/>
+          </a:fillRef>
+          <a:effectRef idx="0">
+            <a:schemeClr val="accent1"/>
+          </a:effectRef>
+          <a:fontRef idx="minor">
+            <a:schemeClr val="lt1"/>
+          </a:fontRef>
+        </p:style>
+        <p:txBody>
+          <a:bodyPr rtlCol="0" anchor="ctr"/>
+          <a:lstStyle/>
+          <a:p>
+            <a:pPr algn="ctr"/>
+            <a:r>
+              <a:rPr lang="fr-FR" dirty="0"/>
+              <a:t>10</a:t>
+            </a:r>
+          </a:p>
+        </p:txBody>
+      </p:sp>
+      <p:sp>
+        <p:nvSpPr>
+          <p:cNvPr id="18" name="Rectangle 17">
+            <a:extLst>
+              <a:ext uri="{FF2B5EF4-FFF2-40B4-BE49-F238E27FC236}">
+                <a16:creationId xmlns:a16="http://schemas.microsoft.com/office/drawing/2014/main" id="{995ACC9E-D875-42F3-B41A-611CE3547416}"/>
+              </a:ext>
+            </a:extLst>
+          </p:cNvPr>
+          <p:cNvSpPr/>
+          <p:nvPr/>
+        </p:nvSpPr>
+        <p:spPr>
+          <a:xfrm>
+            <a:off x="5413967" y="837445"/>
+            <a:ext cx="651849" cy="624689"/>
+          </a:xfrm>
+          <a:prstGeom prst="rect">
+            <a:avLst/>
+          </a:prstGeom>
+        </p:spPr>
+        <p:style>
+          <a:lnRef idx="2">
+            <a:schemeClr val="accent1">
+              <a:shade val="50000"/>
+            </a:schemeClr>
+          </a:lnRef>
+          <a:fillRef idx="1">
+            <a:schemeClr val="accent1"/>
+          </a:fillRef>
+          <a:effectRef idx="0">
+            <a:schemeClr val="accent1"/>
+          </a:effectRef>
+          <a:fontRef idx="minor">
+            <a:schemeClr val="lt1"/>
+          </a:fontRef>
+        </p:style>
+        <p:txBody>
+          <a:bodyPr rtlCol="0" anchor="ctr"/>
+          <a:lstStyle/>
+          <a:p>
+            <a:pPr algn="ctr"/>
+            <a:r>
+              <a:rPr lang="fr-FR" dirty="0"/>
+              <a:t>27</a:t>
+            </a:r>
+          </a:p>
+        </p:txBody>
+      </p:sp>
+      <p:sp>
+        <p:nvSpPr>
+          <p:cNvPr id="21" name="ZoneTexte 20">
+            <a:extLst>
+              <a:ext uri="{FF2B5EF4-FFF2-40B4-BE49-F238E27FC236}">
+                <a16:creationId xmlns:a16="http://schemas.microsoft.com/office/drawing/2014/main" id="{7BF83664-416F-421B-897D-B524C2D82A2C}"/>
+              </a:ext>
+            </a:extLst>
+          </p:cNvPr>
+          <p:cNvSpPr txBox="1"/>
+          <p:nvPr/>
+        </p:nvSpPr>
+        <p:spPr>
+          <a:xfrm>
+            <a:off x="3345219" y="117695"/>
+            <a:ext cx="1204176" cy="369332"/>
+          </a:xfrm>
+          <a:prstGeom prst="rect">
+            <a:avLst/>
+          </a:prstGeom>
+          <a:noFill/>
+        </p:spPr>
+        <p:txBody>
+          <a:bodyPr wrap="none" rtlCol="0">
+            <a:spAutoFit/>
+          </a:bodyPr>
+          <a:lstStyle/>
+          <a:p>
+            <a:r>
+              <a:rPr lang="fr-FR" dirty="0">
+                <a:solidFill>
+                  <a:schemeClr val="bg1"/>
+                </a:solidFill>
+              </a:rPr>
+              <a:t>Minimum</a:t>
+            </a:r>
+          </a:p>
+        </p:txBody>
+      </p:sp>
+      <p:cxnSp>
+        <p:nvCxnSpPr>
+          <p:cNvPr id="23" name="Connecteur droit avec flèche 22">
+            <a:extLst>
+              <a:ext uri="{FF2B5EF4-FFF2-40B4-BE49-F238E27FC236}">
+                <a16:creationId xmlns:a16="http://schemas.microsoft.com/office/drawing/2014/main" id="{73DA6B45-E50C-4DFF-AAFB-39E4954D44CB}"/>
+              </a:ext>
+            </a:extLst>
+          </p:cNvPr>
+          <p:cNvCxnSpPr>
+            <a:stCxn id="21" idx="2"/>
+            <a:endCxn id="12" idx="0"/>
+          </p:cNvCxnSpPr>
+          <p:nvPr/>
+        </p:nvCxnSpPr>
+        <p:spPr>
+          <a:xfrm>
+            <a:off x="3947307" y="487027"/>
+            <a:ext cx="1" cy="363999"/>
+          </a:xfrm>
+          <a:prstGeom prst="straightConnector1">
+            <a:avLst/>
+          </a:prstGeom>
+          <a:ln>
+            <a:solidFill>
+              <a:schemeClr val="bg1">
+                <a:alpha val="60000"/>
+              </a:schemeClr>
+            </a:solidFill>
+            <a:tailEnd type="triangle"/>
+          </a:ln>
+        </p:spPr>
+        <p:style>
+          <a:lnRef idx="1">
+            <a:schemeClr val="accent1"/>
+          </a:lnRef>
+          <a:fillRef idx="0">
+            <a:schemeClr val="accent1"/>
+          </a:fillRef>
+          <a:effectRef idx="0">
+            <a:schemeClr val="accent1"/>
+          </a:effectRef>
+          <a:fontRef idx="minor">
+            <a:schemeClr val="tx1"/>
+          </a:fontRef>
+        </p:style>
+      </p:cxnSp>
+      <p:sp>
+        <p:nvSpPr>
+          <p:cNvPr id="2" name="ZoneTexte 1">
+            <a:extLst>
+              <a:ext uri="{FF2B5EF4-FFF2-40B4-BE49-F238E27FC236}">
+                <a16:creationId xmlns:a16="http://schemas.microsoft.com/office/drawing/2014/main" id="{E517851D-8C92-414A-BEA7-4A57A56E3766}"/>
+              </a:ext>
+            </a:extLst>
+          </p:cNvPr>
+          <p:cNvSpPr txBox="1"/>
+          <p:nvPr/>
+        </p:nvSpPr>
+        <p:spPr>
+          <a:xfrm>
+            <a:off x="1815219" y="4671588"/>
+            <a:ext cx="1616148" cy="523220"/>
+          </a:xfrm>
+          <a:prstGeom prst="rect">
+            <a:avLst/>
+          </a:prstGeom>
+          <a:noFill/>
+        </p:spPr>
+        <p:txBody>
+          <a:bodyPr wrap="none" rtlCol="0">
+            <a:spAutoFit/>
+          </a:bodyPr>
+          <a:lstStyle/>
+          <a:p>
+            <a:r>
+              <a:rPr lang="fr-FR" sz="2800" dirty="0"/>
+              <a:t>Insertion</a:t>
+            </a:r>
+          </a:p>
+        </p:txBody>
+      </p:sp>
+      <p:sp>
+        <p:nvSpPr>
+          <p:cNvPr id="3" name="Rectangle 2">
+            <a:extLst>
+              <a:ext uri="{FF2B5EF4-FFF2-40B4-BE49-F238E27FC236}">
+                <a16:creationId xmlns:a16="http://schemas.microsoft.com/office/drawing/2014/main" id="{A189038A-19DB-4F75-B565-CF0D1DCBB074}"/>
+              </a:ext>
+            </a:extLst>
+          </p:cNvPr>
+          <p:cNvSpPr/>
+          <p:nvPr/>
+        </p:nvSpPr>
+        <p:spPr>
+          <a:xfrm>
+            <a:off x="7206550" y="851026"/>
+            <a:ext cx="651849" cy="624689"/>
+          </a:xfrm>
+          <a:prstGeom prst="rect">
+            <a:avLst/>
+          </a:prstGeom>
+        </p:spPr>
+        <p:style>
+          <a:lnRef idx="2">
+            <a:schemeClr val="accent1">
+              <a:shade val="50000"/>
+            </a:schemeClr>
+          </a:lnRef>
+          <a:fillRef idx="1">
+            <a:schemeClr val="accent1"/>
+          </a:fillRef>
+          <a:effectRef idx="0">
+            <a:schemeClr val="accent1"/>
+          </a:effectRef>
+          <a:fontRef idx="minor">
+            <a:schemeClr val="lt1"/>
+          </a:fontRef>
+        </p:style>
+        <p:txBody>
+          <a:bodyPr rtlCol="0" anchor="ctr"/>
+          <a:lstStyle/>
+          <a:p>
+            <a:pPr algn="ctr"/>
+            <a:r>
+              <a:rPr lang="fr-FR" dirty="0"/>
+              <a:t>0</a:t>
+            </a:r>
+          </a:p>
+        </p:txBody>
+      </p:sp>
+      <p:cxnSp>
+        <p:nvCxnSpPr>
+          <p:cNvPr id="7" name="Connecteur droit avec flèche 6">
+            <a:extLst>
+              <a:ext uri="{FF2B5EF4-FFF2-40B4-BE49-F238E27FC236}">
+                <a16:creationId xmlns:a16="http://schemas.microsoft.com/office/drawing/2014/main" id="{89480884-F70E-4476-9234-6DC39CE85CFA}"/>
+              </a:ext>
+            </a:extLst>
+          </p:cNvPr>
+          <p:cNvCxnSpPr>
+            <a:cxnSpLocks/>
+          </p:cNvCxnSpPr>
+          <p:nvPr/>
+        </p:nvCxnSpPr>
+        <p:spPr>
+          <a:xfrm flipV="1">
+            <a:off x="5183104" y="1475715"/>
+            <a:ext cx="2041561" cy="3114393"/>
+          </a:xfrm>
+          <a:prstGeom prst="straightConnector1">
+            <a:avLst/>
+          </a:prstGeom>
+          <a:ln>
+            <a:solidFill>
+              <a:schemeClr val="bg1">
+                <a:alpha val="60000"/>
+              </a:schemeClr>
+            </a:solidFill>
+            <a:tailEnd type="triangle"/>
+          </a:ln>
+        </p:spPr>
+        <p:style>
+          <a:lnRef idx="1">
+            <a:schemeClr val="accent1"/>
+          </a:lnRef>
+          <a:fillRef idx="0">
+            <a:schemeClr val="accent1"/>
+          </a:fillRef>
+          <a:effectRef idx="0">
+            <a:schemeClr val="accent1"/>
+          </a:effectRef>
+          <a:fontRef idx="minor">
+            <a:schemeClr val="tx1"/>
+          </a:fontRef>
+        </p:style>
+      </p:cxnSp>
+    </p:spTree>
+    <p:extLst>
+      <p:ext uri="{BB962C8B-B14F-4D97-AF65-F5344CB8AC3E}">
+        <p14:creationId xmlns:p14="http://schemas.microsoft.com/office/powerpoint/2010/main" val="3454510200"/>
+      </p:ext>
+    </p:extLst>
+  </p:cSld>
+  <p:clrMapOvr>
+    <a:masterClrMapping/>
+  </p:clrMapOvr>
+</p:sld>
+</file>
+
 <file path=ppt/theme/theme1.xml><?xml version="1.0" encoding="utf-8"?>
 <a:theme xmlns:a="http://schemas.openxmlformats.org/drawingml/2006/main" name="Secteur">
   <a:themeElements>
